--- a/jsinsa ChatopsV10.pptx
+++ b/jsinsa ChatopsV10.pptx
@@ -244,7 +244,7 @@
           <a:p>
             <a:fld id="{30057009-4574-49AA-B876-48CDFD5BB680}" type="datetimeFigureOut">
               <a:rPr lang="en-ZA" smtClean="0"/>
-              <a:t>2015/07/07</a:t>
+              <a:t>2015/07/08</a:t>
             </a:fld>
             <a:endParaRPr lang="en-ZA"/>
           </a:p>
@@ -4268,7 +4268,7 @@
           <a:p>
             <a:fld id="{A6E25B83-11D2-4114-86CE-6A7A46DF2064}" type="datetimeFigureOut">
               <a:rPr lang="en-ZA" smtClean="0"/>
-              <a:t>2015/07/07</a:t>
+              <a:t>2015/07/08</a:t>
             </a:fld>
             <a:endParaRPr lang="en-ZA"/>
           </a:p>
@@ -4438,7 +4438,7 @@
           <a:p>
             <a:fld id="{A6E25B83-11D2-4114-86CE-6A7A46DF2064}" type="datetimeFigureOut">
               <a:rPr lang="en-ZA" smtClean="0"/>
-              <a:t>2015/07/07</a:t>
+              <a:t>2015/07/08</a:t>
             </a:fld>
             <a:endParaRPr lang="en-ZA"/>
           </a:p>
@@ -4618,7 +4618,7 @@
           <a:p>
             <a:fld id="{A6E25B83-11D2-4114-86CE-6A7A46DF2064}" type="datetimeFigureOut">
               <a:rPr lang="en-ZA" smtClean="0"/>
-              <a:t>2015/07/07</a:t>
+              <a:t>2015/07/08</a:t>
             </a:fld>
             <a:endParaRPr lang="en-ZA"/>
           </a:p>
@@ -4788,7 +4788,7 @@
           <a:p>
             <a:fld id="{A6E25B83-11D2-4114-86CE-6A7A46DF2064}" type="datetimeFigureOut">
               <a:rPr lang="en-ZA" smtClean="0"/>
-              <a:t>2015/07/07</a:t>
+              <a:t>2015/07/08</a:t>
             </a:fld>
             <a:endParaRPr lang="en-ZA"/>
           </a:p>
@@ -5034,7 +5034,7 @@
           <a:p>
             <a:fld id="{A6E25B83-11D2-4114-86CE-6A7A46DF2064}" type="datetimeFigureOut">
               <a:rPr lang="en-ZA" smtClean="0"/>
-              <a:t>2015/07/07</a:t>
+              <a:t>2015/07/08</a:t>
             </a:fld>
             <a:endParaRPr lang="en-ZA"/>
           </a:p>
@@ -5266,7 +5266,7 @@
           <a:p>
             <a:fld id="{A6E25B83-11D2-4114-86CE-6A7A46DF2064}" type="datetimeFigureOut">
               <a:rPr lang="en-ZA" smtClean="0"/>
-              <a:t>2015/07/07</a:t>
+              <a:t>2015/07/08</a:t>
             </a:fld>
             <a:endParaRPr lang="en-ZA"/>
           </a:p>
@@ -5633,7 +5633,7 @@
           <a:p>
             <a:fld id="{A6E25B83-11D2-4114-86CE-6A7A46DF2064}" type="datetimeFigureOut">
               <a:rPr lang="en-ZA" smtClean="0"/>
-              <a:t>2015/07/07</a:t>
+              <a:t>2015/07/08</a:t>
             </a:fld>
             <a:endParaRPr lang="en-ZA"/>
           </a:p>
@@ -5751,7 +5751,7 @@
           <a:p>
             <a:fld id="{A6E25B83-11D2-4114-86CE-6A7A46DF2064}" type="datetimeFigureOut">
               <a:rPr lang="en-ZA" smtClean="0"/>
-              <a:t>2015/07/07</a:t>
+              <a:t>2015/07/08</a:t>
             </a:fld>
             <a:endParaRPr lang="en-ZA"/>
           </a:p>
@@ -5846,7 +5846,7 @@
           <a:p>
             <a:fld id="{A6E25B83-11D2-4114-86CE-6A7A46DF2064}" type="datetimeFigureOut">
               <a:rPr lang="en-ZA" smtClean="0"/>
-              <a:t>2015/07/07</a:t>
+              <a:t>2015/07/08</a:t>
             </a:fld>
             <a:endParaRPr lang="en-ZA"/>
           </a:p>
@@ -6123,7 +6123,7 @@
           <a:p>
             <a:fld id="{A6E25B83-11D2-4114-86CE-6A7A46DF2064}" type="datetimeFigureOut">
               <a:rPr lang="en-ZA" smtClean="0"/>
-              <a:t>2015/07/07</a:t>
+              <a:t>2015/07/08</a:t>
             </a:fld>
             <a:endParaRPr lang="en-ZA"/>
           </a:p>
@@ -6376,7 +6376,7 @@
           <a:p>
             <a:fld id="{A6E25B83-11D2-4114-86CE-6A7A46DF2064}" type="datetimeFigureOut">
               <a:rPr lang="en-ZA" smtClean="0"/>
-              <a:t>2015/07/07</a:t>
+              <a:t>2015/07/08</a:t>
             </a:fld>
             <a:endParaRPr lang="en-ZA"/>
           </a:p>
@@ -6589,7 +6589,7 @@
           <a:p>
             <a:fld id="{A6E25B83-11D2-4114-86CE-6A7A46DF2064}" type="datetimeFigureOut">
               <a:rPr lang="en-ZA" smtClean="0"/>
-              <a:t>2015/07/07</a:t>
+              <a:t>2015/07/08</a:t>
             </a:fld>
             <a:endParaRPr lang="en-ZA"/>
           </a:p>
@@ -11766,7 +11766,7 @@
       </p:grpSpPr>
       <p:pic>
         <p:nvPicPr>
-          <p:cNvPr id="3" name="Picture 2"/>
+          <p:cNvPr id="2" name="Picture 1"/>
           <p:cNvPicPr>
             <a:picLocks noChangeAspect="1"/>
           </p:cNvPicPr>
@@ -11780,8 +11780,8 @@
         </p:blipFill>
         <p:spPr>
           <a:xfrm>
-            <a:off x="132858" y="1788135"/>
-            <a:ext cx="11926283" cy="3281729"/>
+            <a:off x="381009" y="1966118"/>
+            <a:ext cx="11429981" cy="2925763"/>
           </a:xfrm>
           <a:prstGeom prst="rect">
             <a:avLst/>

--- a/jsinsa ChatopsV10.pptx
+++ b/jsinsa ChatopsV10.pptx
@@ -5,7 +5,7 @@
     <p:sldMasterId id="2147483648" r:id="rId1"/>
   </p:sldMasterIdLst>
   <p:notesMasterIdLst>
-    <p:notesMasterId r:id="rId39"/>
+    <p:notesMasterId r:id="rId49"/>
   </p:notesMasterIdLst>
   <p:sldIdLst>
     <p:sldId id="256" r:id="rId2"/>
@@ -39,12 +39,22 @@
     <p:sldId id="284" r:id="rId30"/>
     <p:sldId id="285" r:id="rId31"/>
     <p:sldId id="291" r:id="rId32"/>
-    <p:sldId id="286" r:id="rId33"/>
-    <p:sldId id="287" r:id="rId34"/>
-    <p:sldId id="288" r:id="rId35"/>
-    <p:sldId id="289" r:id="rId36"/>
-    <p:sldId id="290" r:id="rId37"/>
-    <p:sldId id="292" r:id="rId38"/>
+    <p:sldId id="299" r:id="rId33"/>
+    <p:sldId id="300" r:id="rId34"/>
+    <p:sldId id="297" r:id="rId35"/>
+    <p:sldId id="301" r:id="rId36"/>
+    <p:sldId id="302" r:id="rId37"/>
+    <p:sldId id="303" r:id="rId38"/>
+    <p:sldId id="307" r:id="rId39"/>
+    <p:sldId id="304" r:id="rId40"/>
+    <p:sldId id="305" r:id="rId41"/>
+    <p:sldId id="306" r:id="rId42"/>
+    <p:sldId id="286" r:id="rId43"/>
+    <p:sldId id="287" r:id="rId44"/>
+    <p:sldId id="288" r:id="rId45"/>
+    <p:sldId id="289" r:id="rId46"/>
+    <p:sldId id="290" r:id="rId47"/>
+    <p:sldId id="292" r:id="rId48"/>
   </p:sldIdLst>
   <p:sldSz cx="12192000" cy="6858000"/>
   <p:notesSz cx="6858000" cy="9144000"/>
@@ -151,7 +161,7 @@
             <a:srgbClr val="A4A3A4"/>
           </p15:clr>
         </p15:guide>
-        <p15:guide id="2" pos="3840" userDrawn="1">
+        <p15:guide id="2" pos="3863" userDrawn="1">
           <p15:clr>
             <a:srgbClr val="A4A3A4"/>
           </p15:clr>
@@ -244,7 +254,7 @@
           <a:p>
             <a:fld id="{30057009-4574-49AA-B876-48CDFD5BB680}" type="datetimeFigureOut">
               <a:rPr lang="en-ZA" smtClean="0"/>
-              <a:t>2015/07/08</a:t>
+              <a:t>2015/07/09</a:t>
             </a:fld>
             <a:endParaRPr lang="en-ZA"/>
           </a:p>
@@ -2954,21 +2964,58 @@
           <a:lstStyle/>
           <a:p>
             <a:r>
-              <a:rPr lang="en-ZA" dirty="0" err="1" smtClean="0"/>
-              <a:t>Hubot</a:t>
+              <a:rPr lang="en-ZA" dirty="0" smtClean="0"/>
+              <a:t>Scripting</a:t>
             </a:r>
             <a:r>
               <a:rPr lang="en-ZA" baseline="0" dirty="0" smtClean="0"/>
-              <a:t> calls a fabric script that through that deploys changes to a server through </a:t>
+              <a:t> is really easy</a:t>
+            </a:r>
+          </a:p>
+          <a:p>
+            <a:r>
+              <a:rPr lang="en-ZA" baseline="0" dirty="0" smtClean="0"/>
+              <a:t>Include him</a:t>
+            </a:r>
+          </a:p>
+          <a:p>
+            <a:r>
+              <a:rPr lang="en-ZA" baseline="0" dirty="0" smtClean="0"/>
+              <a:t>He can hear</a:t>
+            </a:r>
+          </a:p>
+          <a:p>
+            <a:r>
+              <a:rPr lang="en-ZA" baseline="0" dirty="0" smtClean="0"/>
+              <a:t>He can respond</a:t>
+            </a:r>
+          </a:p>
+          <a:p>
+            <a:r>
+              <a:rPr lang="en-ZA" baseline="0" dirty="0" smtClean="0"/>
+              <a:t>It is all just </a:t>
             </a:r>
             <a:r>
               <a:rPr lang="en-ZA" baseline="0" dirty="0" err="1" smtClean="0"/>
-              <a:t>ssh</a:t>
+              <a:t>javascript</a:t>
             </a:r>
             <a:r>
               <a:rPr lang="en-ZA" baseline="0" dirty="0" smtClean="0"/>
-              <a:t>. </a:t>
-            </a:r>
+              <a:t> so you can have him do anything that you can think of</a:t>
+            </a:r>
+          </a:p>
+          <a:p>
+            <a:r>
+              <a:rPr lang="en-ZA" baseline="0" dirty="0" smtClean="0"/>
+              <a:t>Include existing scripts using </a:t>
+            </a:r>
+            <a:r>
+              <a:rPr lang="en-ZA" baseline="0" dirty="0" err="1" smtClean="0"/>
+              <a:t>npm</a:t>
+            </a:r>
+            <a:endParaRPr lang="en-ZA" baseline="0" dirty="0" smtClean="0"/>
+          </a:p>
+          <a:p>
             <a:endParaRPr lang="en-ZA" dirty="0"/>
           </a:p>
         </p:txBody>
@@ -2990,7 +3037,7 @@
           <a:p>
             <a:fld id="{95E9F09B-B73F-41E8-9F34-ADBE2E9CAE31}" type="slidenum">
               <a:rPr lang="en-ZA" smtClean="0"/>
-              <a:t>33</a:t>
+              <a:t>34</a:t>
             </a:fld>
             <a:endParaRPr lang="en-ZA"/>
           </a:p>
@@ -2999,7 +3046,7 @@
     </p:spTree>
     <p:extLst>
       <p:ext uri="{BB962C8B-B14F-4D97-AF65-F5344CB8AC3E}">
-        <p14:creationId xmlns:p14="http://schemas.microsoft.com/office/powerpoint/2010/main" val="3348958723"/>
+        <p14:creationId xmlns:p14="http://schemas.microsoft.com/office/powerpoint/2010/main" val="173476601"/>
       </p:ext>
     </p:extLst>
   </p:cSld>
@@ -3054,8 +3101,20 @@
           <a:lstStyle/>
           <a:p>
             <a:r>
-              <a:rPr lang="en-ZA" dirty="0" smtClean="0"/>
-              <a:t>More info</a:t>
+              <a:rPr lang="en-ZA" dirty="0" err="1" smtClean="0"/>
+              <a:t>Hubot</a:t>
+            </a:r>
+            <a:r>
+              <a:rPr lang="en-ZA" baseline="0" dirty="0" smtClean="0"/>
+              <a:t> calls a fabric script that through that deploys changes to a server through </a:t>
+            </a:r>
+            <a:r>
+              <a:rPr lang="en-ZA" baseline="0" dirty="0" err="1" smtClean="0"/>
+              <a:t>ssh</a:t>
+            </a:r>
+            <a:r>
+              <a:rPr lang="en-ZA" baseline="0" dirty="0" smtClean="0"/>
+              <a:t>. </a:t>
             </a:r>
             <a:endParaRPr lang="en-ZA" dirty="0"/>
           </a:p>
@@ -3078,7 +3137,7 @@
           <a:p>
             <a:fld id="{95E9F09B-B73F-41E8-9F34-ADBE2E9CAE31}" type="slidenum">
               <a:rPr lang="en-ZA" smtClean="0"/>
-              <a:t>34</a:t>
+              <a:t>43</a:t>
             </a:fld>
             <a:endParaRPr lang="en-ZA"/>
           </a:p>
@@ -3087,7 +3146,7 @@
     </p:spTree>
     <p:extLst>
       <p:ext uri="{BB962C8B-B14F-4D97-AF65-F5344CB8AC3E}">
-        <p14:creationId xmlns:p14="http://schemas.microsoft.com/office/powerpoint/2010/main" val="978292509"/>
+        <p14:creationId xmlns:p14="http://schemas.microsoft.com/office/powerpoint/2010/main" val="3348958723"/>
       </p:ext>
     </p:extLst>
   </p:cSld>
@@ -3249,6 +3308,10 @@
           <a:bodyPr/>
           <a:lstStyle/>
           <a:p>
+            <a:r>
+              <a:rPr lang="en-ZA" dirty="0" smtClean="0"/>
+              <a:t>More info</a:t>
+            </a:r>
             <a:endParaRPr lang="en-ZA" dirty="0"/>
           </a:p>
         </p:txBody>
@@ -3270,7 +3333,91 @@
           <a:p>
             <a:fld id="{95E9F09B-B73F-41E8-9F34-ADBE2E9CAE31}" type="slidenum">
               <a:rPr lang="en-ZA" smtClean="0"/>
-              <a:t>37</a:t>
+              <a:t>44</a:t>
+            </a:fld>
+            <a:endParaRPr lang="en-ZA"/>
+          </a:p>
+        </p:txBody>
+      </p:sp>
+    </p:spTree>
+    <p:extLst>
+      <p:ext uri="{BB962C8B-B14F-4D97-AF65-F5344CB8AC3E}">
+        <p14:creationId xmlns:p14="http://schemas.microsoft.com/office/powerpoint/2010/main" val="978292509"/>
+      </p:ext>
+    </p:extLst>
+  </p:cSld>
+  <p:clrMapOvr>
+    <a:masterClrMapping/>
+  </p:clrMapOvr>
+</p:notes>
+</file>
+
+<file path=ppt/notesSlides/notesSlide31.xml><?xml version="1.0" encoding="utf-8"?>
+<p:notes xmlns:a="http://schemas.openxmlformats.org/drawingml/2006/main" xmlns:r="http://schemas.openxmlformats.org/officeDocument/2006/relationships" xmlns:p="http://schemas.openxmlformats.org/presentationml/2006/main">
+  <p:cSld>
+    <p:spTree>
+      <p:nvGrpSpPr>
+        <p:cNvPr id="1" name=""/>
+        <p:cNvGrpSpPr/>
+        <p:nvPr/>
+      </p:nvGrpSpPr>
+      <p:grpSpPr>
+        <a:xfrm>
+          <a:off x="0" y="0"/>
+          <a:ext cx="0" cy="0"/>
+          <a:chOff x="0" y="0"/>
+          <a:chExt cx="0" cy="0"/>
+        </a:xfrm>
+      </p:grpSpPr>
+      <p:sp>
+        <p:nvSpPr>
+          <p:cNvPr id="2" name="Slide Image Placeholder 1"/>
+          <p:cNvSpPr>
+            <a:spLocks noGrp="1" noRot="1" noChangeAspect="1"/>
+          </p:cNvSpPr>
+          <p:nvPr>
+            <p:ph type="sldImg"/>
+          </p:nvPr>
+        </p:nvSpPr>
+        <p:spPr/>
+      </p:sp>
+      <p:sp>
+        <p:nvSpPr>
+          <p:cNvPr id="3" name="Notes Placeholder 2"/>
+          <p:cNvSpPr>
+            <a:spLocks noGrp="1"/>
+          </p:cNvSpPr>
+          <p:nvPr>
+            <p:ph type="body" idx="1"/>
+          </p:nvPr>
+        </p:nvSpPr>
+        <p:spPr/>
+        <p:txBody>
+          <a:bodyPr/>
+          <a:lstStyle/>
+          <a:p>
+            <a:endParaRPr lang="en-ZA" dirty="0"/>
+          </a:p>
+        </p:txBody>
+      </p:sp>
+      <p:sp>
+        <p:nvSpPr>
+          <p:cNvPr id="4" name="Slide Number Placeholder 3"/>
+          <p:cNvSpPr>
+            <a:spLocks noGrp="1"/>
+          </p:cNvSpPr>
+          <p:nvPr>
+            <p:ph type="sldNum" sz="quarter" idx="10"/>
+          </p:nvPr>
+        </p:nvSpPr>
+        <p:spPr/>
+        <p:txBody>
+          <a:bodyPr/>
+          <a:lstStyle/>
+          <a:p>
+            <a:fld id="{95E9F09B-B73F-41E8-9F34-ADBE2E9CAE31}" type="slidenum">
+              <a:rPr lang="en-ZA" smtClean="0"/>
+              <a:t>47</a:t>
             </a:fld>
             <a:endParaRPr lang="en-ZA"/>
           </a:p>
@@ -4268,7 +4415,7 @@
           <a:p>
             <a:fld id="{A6E25B83-11D2-4114-86CE-6A7A46DF2064}" type="datetimeFigureOut">
               <a:rPr lang="en-ZA" smtClean="0"/>
-              <a:t>2015/07/08</a:t>
+              <a:t>2015/07/09</a:t>
             </a:fld>
             <a:endParaRPr lang="en-ZA"/>
           </a:p>
@@ -4438,7 +4585,7 @@
           <a:p>
             <a:fld id="{A6E25B83-11D2-4114-86CE-6A7A46DF2064}" type="datetimeFigureOut">
               <a:rPr lang="en-ZA" smtClean="0"/>
-              <a:t>2015/07/08</a:t>
+              <a:t>2015/07/09</a:t>
             </a:fld>
             <a:endParaRPr lang="en-ZA"/>
           </a:p>
@@ -4618,7 +4765,7 @@
           <a:p>
             <a:fld id="{A6E25B83-11D2-4114-86CE-6A7A46DF2064}" type="datetimeFigureOut">
               <a:rPr lang="en-ZA" smtClean="0"/>
-              <a:t>2015/07/08</a:t>
+              <a:t>2015/07/09</a:t>
             </a:fld>
             <a:endParaRPr lang="en-ZA"/>
           </a:p>
@@ -4788,7 +4935,7 @@
           <a:p>
             <a:fld id="{A6E25B83-11D2-4114-86CE-6A7A46DF2064}" type="datetimeFigureOut">
               <a:rPr lang="en-ZA" smtClean="0"/>
-              <a:t>2015/07/08</a:t>
+              <a:t>2015/07/09</a:t>
             </a:fld>
             <a:endParaRPr lang="en-ZA"/>
           </a:p>
@@ -5034,7 +5181,7 @@
           <a:p>
             <a:fld id="{A6E25B83-11D2-4114-86CE-6A7A46DF2064}" type="datetimeFigureOut">
               <a:rPr lang="en-ZA" smtClean="0"/>
-              <a:t>2015/07/08</a:t>
+              <a:t>2015/07/09</a:t>
             </a:fld>
             <a:endParaRPr lang="en-ZA"/>
           </a:p>
@@ -5266,7 +5413,7 @@
           <a:p>
             <a:fld id="{A6E25B83-11D2-4114-86CE-6A7A46DF2064}" type="datetimeFigureOut">
               <a:rPr lang="en-ZA" smtClean="0"/>
-              <a:t>2015/07/08</a:t>
+              <a:t>2015/07/09</a:t>
             </a:fld>
             <a:endParaRPr lang="en-ZA"/>
           </a:p>
@@ -5633,7 +5780,7 @@
           <a:p>
             <a:fld id="{A6E25B83-11D2-4114-86CE-6A7A46DF2064}" type="datetimeFigureOut">
               <a:rPr lang="en-ZA" smtClean="0"/>
-              <a:t>2015/07/08</a:t>
+              <a:t>2015/07/09</a:t>
             </a:fld>
             <a:endParaRPr lang="en-ZA"/>
           </a:p>
@@ -5751,7 +5898,7 @@
           <a:p>
             <a:fld id="{A6E25B83-11D2-4114-86CE-6A7A46DF2064}" type="datetimeFigureOut">
               <a:rPr lang="en-ZA" smtClean="0"/>
-              <a:t>2015/07/08</a:t>
+              <a:t>2015/07/09</a:t>
             </a:fld>
             <a:endParaRPr lang="en-ZA"/>
           </a:p>
@@ -5846,7 +5993,7 @@
           <a:p>
             <a:fld id="{A6E25B83-11D2-4114-86CE-6A7A46DF2064}" type="datetimeFigureOut">
               <a:rPr lang="en-ZA" smtClean="0"/>
-              <a:t>2015/07/08</a:t>
+              <a:t>2015/07/09</a:t>
             </a:fld>
             <a:endParaRPr lang="en-ZA"/>
           </a:p>
@@ -6123,7 +6270,7 @@
           <a:p>
             <a:fld id="{A6E25B83-11D2-4114-86CE-6A7A46DF2064}" type="datetimeFigureOut">
               <a:rPr lang="en-ZA" smtClean="0"/>
-              <a:t>2015/07/08</a:t>
+              <a:t>2015/07/09</a:t>
             </a:fld>
             <a:endParaRPr lang="en-ZA"/>
           </a:p>
@@ -6376,7 +6523,7 @@
           <a:p>
             <a:fld id="{A6E25B83-11D2-4114-86CE-6A7A46DF2064}" type="datetimeFigureOut">
               <a:rPr lang="en-ZA" smtClean="0"/>
-              <a:t>2015/07/08</a:t>
+              <a:t>2015/07/09</a:t>
             </a:fld>
             <a:endParaRPr lang="en-ZA"/>
           </a:p>
@@ -6589,7 +6736,7 @@
           <a:p>
             <a:fld id="{A6E25B83-11D2-4114-86CE-6A7A46DF2064}" type="datetimeFigureOut">
               <a:rPr lang="en-ZA" smtClean="0"/>
-              <a:t>2015/07/08</a:t>
+              <a:t>2015/07/09</a:t>
             </a:fld>
             <a:endParaRPr lang="en-ZA"/>
           </a:p>
@@ -9113,6 +9260,14 @@
 <file path=ppt/slides/slide29.xml><?xml version="1.0" encoding="utf-8"?>
 <p:sld xmlns:a="http://schemas.openxmlformats.org/drawingml/2006/main" xmlns:r="http://schemas.openxmlformats.org/officeDocument/2006/relationships" xmlns:p="http://schemas.openxmlformats.org/presentationml/2006/main">
   <p:cSld>
+    <p:bg>
+      <p:bgPr>
+        <a:solidFill>
+          <a:srgbClr val="272822"/>
+        </a:solidFill>
+        <a:effectLst/>
+      </p:bgPr>
+    </p:bg>
     <p:spTree>
       <p:nvGrpSpPr>
         <p:cNvPr id="1" name=""/>
@@ -9135,8 +9290,8 @@
         </p:nvSpPr>
         <p:spPr>
           <a:xfrm>
-            <a:off x="0" y="1228398"/>
-            <a:ext cx="12192000" cy="4401205"/>
+            <a:off x="1162579" y="1843949"/>
+            <a:ext cx="9939867" cy="3170099"/>
           </a:xfrm>
           <a:prstGeom prst="rect">
             <a:avLst/>
@@ -9149,214 +9304,247 @@
           </a:bodyPr>
           <a:lstStyle/>
           <a:p>
-            <a:pPr algn="ctr"/>
+            <a:r>
+              <a:rPr lang="en-ZA" sz="4000" dirty="0" smtClean="0">
+                <a:solidFill>
+                  <a:schemeClr val="bg1"/>
+                </a:solidFill>
+                <a:latin typeface="News Gothic" panose="020B0503020103020203" pitchFamily="34" charset="0"/>
+              </a:rPr>
+              <a:t>&gt; </a:t>
+            </a:r>
+            <a:r>
+              <a:rPr lang="en-ZA" sz="4000" dirty="0" err="1" smtClean="0">
+                <a:solidFill>
+                  <a:schemeClr val="bg1"/>
+                </a:solidFill>
+                <a:latin typeface="News Gothic" panose="020B0503020103020203" pitchFamily="34" charset="0"/>
+              </a:rPr>
+              <a:t>npm</a:t>
+            </a:r>
+            <a:r>
+              <a:rPr lang="en-ZA" sz="4000" dirty="0" smtClean="0">
+                <a:solidFill>
+                  <a:schemeClr val="bg1"/>
+                </a:solidFill>
+                <a:latin typeface="News Gothic" panose="020B0503020103020203" pitchFamily="34" charset="0"/>
+              </a:rPr>
+              <a:t> </a:t>
+            </a:r>
             <a:r>
               <a:rPr lang="en-ZA" sz="4000" dirty="0">
                 <a:solidFill>
-                  <a:srgbClr val="464547"/>
+                  <a:schemeClr val="bg1"/>
+                </a:solidFill>
+                <a:latin typeface="News Gothic" panose="020B0503020103020203" pitchFamily="34" charset="0"/>
+              </a:rPr>
+              <a:t>install –g </a:t>
+            </a:r>
+            <a:r>
+              <a:rPr lang="en-ZA" sz="4000" dirty="0" err="1">
+                <a:solidFill>
+                  <a:schemeClr val="bg1"/>
+                </a:solidFill>
+                <a:latin typeface="News Gothic" panose="020B0503020103020203" pitchFamily="34" charset="0"/>
+              </a:rPr>
+              <a:t>yo</a:t>
+            </a:r>
+            <a:r>
+              <a:rPr lang="en-ZA" sz="4000" dirty="0">
+                <a:solidFill>
+                  <a:schemeClr val="bg1"/>
+                </a:solidFill>
+                <a:latin typeface="News Gothic" panose="020B0503020103020203" pitchFamily="34" charset="0"/>
+              </a:rPr>
+              <a:t> </a:t>
+            </a:r>
+            <a:r>
+              <a:rPr lang="en-ZA" sz="4000" dirty="0" smtClean="0">
+                <a:solidFill>
+                  <a:schemeClr val="bg1"/>
+                </a:solidFill>
+                <a:latin typeface="News Gothic" panose="020B0503020103020203" pitchFamily="34" charset="0"/>
+              </a:rPr>
+              <a:t>generator-</a:t>
+            </a:r>
+            <a:r>
+              <a:rPr lang="en-ZA" sz="4000" dirty="0" err="1" smtClean="0">
+                <a:solidFill>
+                  <a:schemeClr val="bg1"/>
+                </a:solidFill>
+                <a:latin typeface="News Gothic" panose="020B0503020103020203" pitchFamily="34" charset="0"/>
+              </a:rPr>
+              <a:t>hubot</a:t>
+            </a:r>
+            <a:endParaRPr lang="en-ZA" sz="4000" dirty="0" smtClean="0">
+              <a:solidFill>
+                <a:schemeClr val="bg1"/>
+              </a:solidFill>
+              <a:latin typeface="News Gothic" panose="020B0503020103020203" pitchFamily="34" charset="0"/>
+            </a:endParaRPr>
+          </a:p>
+          <a:p>
+            <a:endParaRPr lang="en-ZA" sz="4000" dirty="0" smtClean="0">
+              <a:solidFill>
+                <a:schemeClr val="bg1"/>
+              </a:solidFill>
+              <a:latin typeface="News Gothic" panose="020B0503020103020203" pitchFamily="34" charset="0"/>
+            </a:endParaRPr>
+          </a:p>
+          <a:p>
+            <a:r>
+              <a:rPr lang="en-ZA" sz="4000" dirty="0" smtClean="0">
+                <a:solidFill>
+                  <a:schemeClr val="bg1"/>
+                </a:solidFill>
+                <a:latin typeface="News Gothic" panose="020B0503020103020203" pitchFamily="34" charset="0"/>
+              </a:rPr>
+              <a:t>&gt; </a:t>
+            </a:r>
+            <a:r>
+              <a:rPr lang="en-ZA" sz="4000" dirty="0" err="1" smtClean="0">
+                <a:solidFill>
+                  <a:schemeClr val="bg1"/>
+                </a:solidFill>
+                <a:latin typeface="News Gothic" panose="020B0503020103020203" pitchFamily="34" charset="0"/>
+              </a:rPr>
+              <a:t>yo</a:t>
+            </a:r>
+            <a:r>
+              <a:rPr lang="en-ZA" sz="4000" dirty="0" smtClean="0">
+                <a:solidFill>
+                  <a:schemeClr val="bg1"/>
+                </a:solidFill>
+                <a:latin typeface="News Gothic" panose="020B0503020103020203" pitchFamily="34" charset="0"/>
+              </a:rPr>
+              <a:t> </a:t>
+            </a:r>
+            <a:r>
+              <a:rPr lang="en-ZA" sz="4000" dirty="0" err="1" smtClean="0">
+                <a:solidFill>
+                  <a:schemeClr val="bg1"/>
+                </a:solidFill>
+                <a:latin typeface="News Gothic" panose="020B0503020103020203" pitchFamily="34" charset="0"/>
+              </a:rPr>
+              <a:t>hubot</a:t>
+            </a:r>
+            <a:endParaRPr lang="en-ZA" sz="4000" dirty="0" smtClean="0">
+              <a:solidFill>
+                <a:schemeClr val="bg1"/>
+              </a:solidFill>
+              <a:latin typeface="News Gothic" panose="020B0503020103020203" pitchFamily="34" charset="0"/>
+            </a:endParaRPr>
+          </a:p>
+          <a:p>
+            <a:endParaRPr lang="en-ZA" sz="4000" dirty="0" smtClean="0">
+              <a:solidFill>
+                <a:schemeClr val="bg1"/>
+              </a:solidFill>
+              <a:latin typeface="News Gothic" panose="020B0503020103020203" pitchFamily="34" charset="0"/>
+            </a:endParaRPr>
+          </a:p>
+          <a:p>
+            <a:r>
+              <a:rPr lang="en-ZA" sz="4000" dirty="0" smtClean="0">
+                <a:solidFill>
+                  <a:schemeClr val="bg1"/>
+                </a:solidFill>
+                <a:latin typeface="News Gothic" panose="020B0503020103020203" pitchFamily="34" charset="0"/>
+              </a:rPr>
+              <a:t>&gt; </a:t>
+            </a:r>
+            <a:r>
+              <a:rPr lang="en-ZA" sz="4000" dirty="0" err="1" smtClean="0">
+                <a:solidFill>
+                  <a:schemeClr val="bg1"/>
+                </a:solidFill>
+                <a:latin typeface="News Gothic" panose="020B0503020103020203" pitchFamily="34" charset="0"/>
+              </a:rPr>
+              <a:t>npm</a:t>
+            </a:r>
+            <a:r>
+              <a:rPr lang="en-ZA" sz="4000" dirty="0" smtClean="0">
+                <a:solidFill>
+                  <a:schemeClr val="bg1"/>
+                </a:solidFill>
+                <a:latin typeface="News Gothic" panose="020B0503020103020203" pitchFamily="34" charset="0"/>
+              </a:rPr>
+              <a:t> </a:t>
+            </a:r>
+            <a:r>
+              <a:rPr lang="en-ZA" sz="4000" dirty="0">
+                <a:solidFill>
+                  <a:schemeClr val="bg1"/>
+                </a:solidFill>
+                <a:latin typeface="News Gothic" panose="020B0503020103020203" pitchFamily="34" charset="0"/>
+              </a:rPr>
+              <a:t>install </a:t>
+            </a:r>
+            <a:r>
+              <a:rPr lang="en-ZA" sz="4000" dirty="0" err="1">
+                <a:solidFill>
+                  <a:schemeClr val="bg1"/>
+                </a:solidFill>
+                <a:latin typeface="News Gothic" panose="020B0503020103020203" pitchFamily="34" charset="0"/>
+              </a:rPr>
+              <a:t>hubot</a:t>
+            </a:r>
+            <a:r>
+              <a:rPr lang="en-ZA" sz="4000" dirty="0">
+                <a:solidFill>
+                  <a:schemeClr val="bg1"/>
+                </a:solidFill>
+                <a:latin typeface="News Gothic" panose="020B0503020103020203" pitchFamily="34" charset="0"/>
+              </a:rPr>
+              <a:t>-slack --</a:t>
+            </a:r>
+            <a:r>
+              <a:rPr lang="en-ZA" sz="4000" dirty="0" smtClean="0">
+                <a:solidFill>
+                  <a:schemeClr val="bg1"/>
+                </a:solidFill>
+                <a:latin typeface="News Gothic" panose="020B0503020103020203" pitchFamily="34" charset="0"/>
+              </a:rPr>
+              <a:t>save</a:t>
+            </a:r>
+          </a:p>
+        </p:txBody>
+      </p:sp>
+      <p:sp>
+        <p:nvSpPr>
+          <p:cNvPr id="2" name="Rectangle 1"/>
+          <p:cNvSpPr/>
+          <p:nvPr/>
+        </p:nvSpPr>
+        <p:spPr>
+          <a:xfrm>
+            <a:off x="5549718" y="1186934"/>
+            <a:ext cx="1196161" cy="584775"/>
+          </a:xfrm>
+          <a:prstGeom prst="rect">
+            <a:avLst/>
+          </a:prstGeom>
+        </p:spPr>
+        <p:txBody>
+          <a:bodyPr wrap="none">
+            <a:spAutoFit/>
+          </a:bodyPr>
+          <a:lstStyle/>
+          <a:p>
+            <a:r>
+              <a:rPr lang="en-ZA" sz="3200" dirty="0" smtClean="0">
+                <a:solidFill>
+                  <a:schemeClr val="bg1">
+                    <a:lumMod val="50000"/>
+                  </a:schemeClr>
                 </a:solidFill>
                 <a:latin typeface="Myriad Pro" panose="020B0503030403020204" pitchFamily="34" charset="0"/>
               </a:rPr>
-              <a:t>n</a:t>
-            </a:r>
-            <a:r>
-              <a:rPr lang="en-ZA" sz="4000" dirty="0" smtClean="0">
-                <a:solidFill>
-                  <a:srgbClr val="464547"/>
-                </a:solidFill>
-                <a:latin typeface="Myriad Pro" panose="020B0503030403020204" pitchFamily="34" charset="0"/>
-              </a:rPr>
-              <a:t>ode.js and </a:t>
-            </a:r>
-            <a:r>
-              <a:rPr lang="en-ZA" sz="4000" dirty="0" err="1" smtClean="0">
-                <a:solidFill>
-                  <a:srgbClr val="464547"/>
-                </a:solidFill>
-                <a:latin typeface="Myriad Pro" panose="020B0503030403020204" pitchFamily="34" charset="0"/>
-              </a:rPr>
-              <a:t>npm</a:t>
-            </a:r>
-            <a:endParaRPr lang="en-ZA" sz="4000" dirty="0" smtClean="0">
-              <a:solidFill>
-                <a:srgbClr val="464547"/>
-              </a:solidFill>
+              <a:t>install</a:t>
+            </a:r>
+            <a:endParaRPr lang="en-ZA" sz="3200" dirty="0">
               <a:latin typeface="Myriad Pro" panose="020B0503030403020204" pitchFamily="34" charset="0"/>
             </a:endParaRPr>
-          </a:p>
-          <a:p>
-            <a:pPr algn="ctr"/>
-            <a:endParaRPr lang="en-ZA" sz="4000" dirty="0" smtClean="0">
-              <a:solidFill>
-                <a:srgbClr val="464547"/>
-              </a:solidFill>
-              <a:latin typeface="Myriad Pro" panose="020B0503030403020204" pitchFamily="34" charset="0"/>
-            </a:endParaRPr>
-          </a:p>
-          <a:p>
-            <a:pPr algn="ctr"/>
-            <a:r>
-              <a:rPr lang="en-ZA" sz="4000" dirty="0" err="1">
-                <a:solidFill>
-                  <a:srgbClr val="464547"/>
-                </a:solidFill>
-                <a:latin typeface="Myriad Pro" panose="020B0503030403020204" pitchFamily="34" charset="0"/>
-              </a:rPr>
-              <a:t>npm</a:t>
-            </a:r>
-            <a:r>
-              <a:rPr lang="en-ZA" sz="4000" dirty="0">
-                <a:solidFill>
-                  <a:srgbClr val="464547"/>
-                </a:solidFill>
-                <a:latin typeface="Myriad Pro" panose="020B0503030403020204" pitchFamily="34" charset="0"/>
-              </a:rPr>
-              <a:t> install –g </a:t>
-            </a:r>
-            <a:r>
-              <a:rPr lang="en-ZA" sz="4000" dirty="0" err="1">
-                <a:solidFill>
-                  <a:srgbClr val="464547"/>
-                </a:solidFill>
-                <a:latin typeface="Myriad Pro" panose="020B0503030403020204" pitchFamily="34" charset="0"/>
-              </a:rPr>
-              <a:t>yo</a:t>
-            </a:r>
-            <a:r>
-              <a:rPr lang="en-ZA" sz="4000" dirty="0">
-                <a:solidFill>
-                  <a:srgbClr val="464547"/>
-                </a:solidFill>
-                <a:latin typeface="Myriad Pro" panose="020B0503030403020204" pitchFamily="34" charset="0"/>
-              </a:rPr>
-              <a:t> </a:t>
-            </a:r>
-            <a:r>
-              <a:rPr lang="en-ZA" sz="4000" dirty="0" smtClean="0">
-                <a:solidFill>
-                  <a:srgbClr val="464547"/>
-                </a:solidFill>
-                <a:latin typeface="Myriad Pro" panose="020B0503030403020204" pitchFamily="34" charset="0"/>
-              </a:rPr>
-              <a:t>generator-</a:t>
-            </a:r>
-            <a:r>
-              <a:rPr lang="en-ZA" sz="4000" dirty="0" err="1" smtClean="0">
-                <a:solidFill>
-                  <a:srgbClr val="464547"/>
-                </a:solidFill>
-                <a:latin typeface="Myriad Pro" panose="020B0503030403020204" pitchFamily="34" charset="0"/>
-              </a:rPr>
-              <a:t>hubot</a:t>
-            </a:r>
-            <a:endParaRPr lang="en-ZA" sz="4000" dirty="0" smtClean="0">
-              <a:solidFill>
-                <a:srgbClr val="464547"/>
-              </a:solidFill>
-              <a:latin typeface="Myriad Pro" panose="020B0503030403020204" pitchFamily="34" charset="0"/>
-            </a:endParaRPr>
-          </a:p>
-          <a:p>
-            <a:pPr algn="ctr"/>
-            <a:endParaRPr lang="en-ZA" sz="4000" dirty="0" smtClean="0">
-              <a:solidFill>
-                <a:srgbClr val="464547"/>
-              </a:solidFill>
-              <a:latin typeface="Myriad Pro" panose="020B0503030403020204" pitchFamily="34" charset="0"/>
-            </a:endParaRPr>
-          </a:p>
-          <a:p>
-            <a:pPr algn="ctr"/>
-            <a:r>
-              <a:rPr lang="en-ZA" sz="4000" dirty="0" err="1">
-                <a:solidFill>
-                  <a:srgbClr val="464547"/>
-                </a:solidFill>
-                <a:latin typeface="Myriad Pro" panose="020B0503030403020204" pitchFamily="34" charset="0"/>
-              </a:rPr>
-              <a:t>yo</a:t>
-            </a:r>
-            <a:r>
-              <a:rPr lang="en-ZA" sz="4000" dirty="0">
-                <a:solidFill>
-                  <a:srgbClr val="464547"/>
-                </a:solidFill>
-                <a:latin typeface="Myriad Pro" panose="020B0503030403020204" pitchFamily="34" charset="0"/>
-              </a:rPr>
-              <a:t> </a:t>
-            </a:r>
-            <a:r>
-              <a:rPr lang="en-ZA" sz="4000" dirty="0" err="1" smtClean="0">
-                <a:solidFill>
-                  <a:srgbClr val="464547"/>
-                </a:solidFill>
-                <a:latin typeface="Myriad Pro" panose="020B0503030403020204" pitchFamily="34" charset="0"/>
-              </a:rPr>
-              <a:t>hubot</a:t>
-            </a:r>
-            <a:endParaRPr lang="en-ZA" sz="4000" dirty="0" smtClean="0">
-              <a:solidFill>
-                <a:srgbClr val="464547"/>
-              </a:solidFill>
-              <a:latin typeface="Myriad Pro" panose="020B0503030403020204" pitchFamily="34" charset="0"/>
-            </a:endParaRPr>
-          </a:p>
-          <a:p>
-            <a:pPr algn="ctr"/>
-            <a:endParaRPr lang="en-ZA" sz="4000" dirty="0" smtClean="0">
-              <a:solidFill>
-                <a:srgbClr val="464547"/>
-              </a:solidFill>
-              <a:latin typeface="Myriad Pro" panose="020B0503030403020204" pitchFamily="34" charset="0"/>
-            </a:endParaRPr>
-          </a:p>
-          <a:p>
-            <a:pPr algn="ctr"/>
-            <a:r>
-              <a:rPr lang="en-ZA" sz="4000" dirty="0" err="1">
-                <a:solidFill>
-                  <a:srgbClr val="464547"/>
-                </a:solidFill>
-                <a:latin typeface="Myriad Pro" panose="020B0503030403020204" pitchFamily="34" charset="0"/>
-              </a:rPr>
-              <a:t>npm</a:t>
-            </a:r>
-            <a:r>
-              <a:rPr lang="en-ZA" sz="4000" dirty="0">
-                <a:solidFill>
-                  <a:srgbClr val="464547"/>
-                </a:solidFill>
-                <a:latin typeface="Myriad Pro" panose="020B0503030403020204" pitchFamily="34" charset="0"/>
-              </a:rPr>
-              <a:t> install </a:t>
-            </a:r>
-            <a:r>
-              <a:rPr lang="en-ZA" sz="4000" dirty="0" err="1">
-                <a:solidFill>
-                  <a:srgbClr val="464547"/>
-                </a:solidFill>
-                <a:latin typeface="Myriad Pro" panose="020B0503030403020204" pitchFamily="34" charset="0"/>
-              </a:rPr>
-              <a:t>hubot</a:t>
-            </a:r>
-            <a:r>
-              <a:rPr lang="en-ZA" sz="4000" dirty="0">
-                <a:solidFill>
-                  <a:srgbClr val="464547"/>
-                </a:solidFill>
-                <a:latin typeface="Myriad Pro" panose="020B0503030403020204" pitchFamily="34" charset="0"/>
-              </a:rPr>
-              <a:t>-slack --</a:t>
-            </a:r>
-            <a:r>
-              <a:rPr lang="en-ZA" sz="4000" dirty="0" smtClean="0">
-                <a:solidFill>
-                  <a:srgbClr val="464547"/>
-                </a:solidFill>
-                <a:latin typeface="Myriad Pro" panose="020B0503030403020204" pitchFamily="34" charset="0"/>
-              </a:rPr>
-              <a:t>save</a:t>
-            </a:r>
           </a:p>
         </p:txBody>
       </p:sp>
@@ -9515,7 +9703,7 @@
                                         </p:attrNameLst>
                                       </p:cBhvr>
                                       <p:to>
-                                        <a:srgbClr val="D0CECE"/>
+                                        <a:srgbClr val="7F7F7F"/>
                                       </p:to>
                                     </p:animClr>
                                   </p:childTnLst>
@@ -9603,95 +9791,7 @@
                                         </p:attrNameLst>
                                       </p:cBhvr>
                                       <p:to>
-                                        <a:srgbClr val="D0CECE"/>
-                                      </p:to>
-                                    </p:animClr>
-                                  </p:childTnLst>
-                                </p:cTn>
-                              </p:par>
-                            </p:childTnLst>
-                          </p:cTn>
-                        </p:par>
-                      </p:childTnLst>
-                    </p:cTn>
-                  </p:par>
-                  <p:par>
-                    <p:cTn id="22" fill="hold">
-                      <p:stCondLst>
-                        <p:cond delay="indefinite"/>
-                      </p:stCondLst>
-                      <p:childTnLst>
-                        <p:par>
-                          <p:cTn id="23" fill="hold">
-                            <p:stCondLst>
-                              <p:cond delay="0"/>
-                            </p:stCondLst>
-                            <p:childTnLst>
-                              <p:par>
-                                <p:cTn id="24" presetID="10" presetClass="entr" presetSubtype="0" fill="hold" nodeType="clickEffect">
-                                  <p:stCondLst>
-                                    <p:cond delay="0"/>
-                                  </p:stCondLst>
-                                  <p:childTnLst>
-                                    <p:set>
-                                      <p:cBhvr>
-                                        <p:cTn id="25" dur="1" fill="hold">
-                                          <p:stCondLst>
-                                            <p:cond delay="0"/>
-                                          </p:stCondLst>
-                                        </p:cTn>
-                                        <p:tgtEl>
-                                          <p:spTgt spid="5">
-                                            <p:txEl>
-                                              <p:pRg st="6" end="6"/>
-                                            </p:txEl>
-                                          </p:spTgt>
-                                        </p:tgtEl>
-                                        <p:attrNameLst>
-                                          <p:attrName>style.visibility</p:attrName>
-                                        </p:attrNameLst>
-                                      </p:cBhvr>
-                                      <p:to>
-                                        <p:strVal val="visible"/>
-                                      </p:to>
-                                    </p:set>
-                                    <p:animEffect transition="in" filter="fade">
-                                      <p:cBhvr>
-                                        <p:cTn id="26" dur="500"/>
-                                        <p:tgtEl>
-                                          <p:spTgt spid="5">
-                                            <p:txEl>
-                                              <p:pRg st="6" end="6"/>
-                                            </p:txEl>
-                                          </p:spTgt>
-                                        </p:tgtEl>
-                                      </p:cBhvr>
-                                    </p:animEffect>
-                                  </p:childTnLst>
-                                </p:cTn>
-                              </p:par>
-                              <p:par>
-                                <p:cTn id="27" presetID="3" presetClass="emph" presetSubtype="2" fill="hold" grpId="0" nodeType="withEffect">
-                                  <p:stCondLst>
-                                    <p:cond delay="0"/>
-                                  </p:stCondLst>
-                                  <p:childTnLst>
-                                    <p:animClr clrSpc="rgb" dir="cw">
-                                      <p:cBhvr override="childStyle">
-                                        <p:cTn id="28" dur="500" fill="hold"/>
-                                        <p:tgtEl>
-                                          <p:spTgt spid="5">
-                                            <p:txEl>
-                                              <p:pRg st="4" end="4"/>
-                                            </p:txEl>
-                                          </p:spTgt>
-                                        </p:tgtEl>
-                                        <p:attrNameLst>
-                                          <p:attrName>style.color</p:attrName>
-                                        </p:attrNameLst>
-                                      </p:cBhvr>
-                                      <p:to>
-                                        <a:srgbClr val="D0CECE"/>
+                                        <a:srgbClr val="7F7F7F"/>
                                       </p:to>
                                     </p:animClr>
                                   </p:childTnLst>
@@ -10829,6 +10929,14 @@
 <file path=ppt/slides/slide30.xml><?xml version="1.0" encoding="utf-8"?>
 <p:sld xmlns:a="http://schemas.openxmlformats.org/drawingml/2006/main" xmlns:r="http://schemas.openxmlformats.org/officeDocument/2006/relationships" xmlns:p="http://schemas.openxmlformats.org/presentationml/2006/main">
   <p:cSld>
+    <p:bg>
+      <p:bgPr>
+        <a:solidFill>
+          <a:srgbClr val="272822"/>
+        </a:solidFill>
+        <a:effectLst/>
+      </p:bgPr>
+    </p:bg>
     <p:spTree>
       <p:nvGrpSpPr>
         <p:cNvPr id="1" name=""/>
@@ -10851,8 +10959,8 @@
         </p:nvSpPr>
         <p:spPr>
           <a:xfrm>
-            <a:off x="3161492" y="2470300"/>
-            <a:ext cx="5891485" cy="1938992"/>
+            <a:off x="2729177" y="2459504"/>
+            <a:ext cx="6806672" cy="1938992"/>
           </a:xfrm>
           <a:prstGeom prst="rect">
             <a:avLst/>
@@ -10868,84 +10976,147 @@
           </a:bodyPr>
           <a:lstStyle/>
           <a:p>
-            <a:pPr algn="ctr"/>
             <a:r>
               <a:rPr lang="en-ZA" sz="4000" dirty="0" smtClean="0">
                 <a:solidFill>
-                  <a:srgbClr val="464547"/>
+                  <a:schemeClr val="bg1"/>
+                </a:solidFill>
+                <a:latin typeface="News Gothic" panose="020B0503020103020203" pitchFamily="34" charset="0"/>
+              </a:rPr>
+              <a:t>&gt; </a:t>
+            </a:r>
+            <a:r>
+              <a:rPr lang="en-ZA" sz="4000" dirty="0" smtClean="0">
+                <a:solidFill>
+                  <a:schemeClr val="bg1"/>
+                </a:solidFill>
+                <a:latin typeface="News Gothic" panose="020B0503020103020203" pitchFamily="34" charset="0"/>
+              </a:rPr>
+              <a:t>bin/</a:t>
+            </a:r>
+            <a:r>
+              <a:rPr lang="en-ZA" sz="4000" dirty="0" err="1" smtClean="0">
+                <a:solidFill>
+                  <a:schemeClr val="bg1"/>
+                </a:solidFill>
+                <a:latin typeface="News Gothic" panose="020B0503020103020203" pitchFamily="34" charset="0"/>
+              </a:rPr>
+              <a:t>hubot</a:t>
+            </a:r>
+            <a:endParaRPr lang="en-ZA" sz="4000" dirty="0" smtClean="0">
+              <a:solidFill>
+                <a:schemeClr val="bg1"/>
+              </a:solidFill>
+              <a:latin typeface="News Gothic" panose="020B0503020103020203" pitchFamily="34" charset="0"/>
+            </a:endParaRPr>
+          </a:p>
+          <a:p>
+            <a:endParaRPr lang="en-ZA" sz="4000" dirty="0" smtClean="0">
+              <a:solidFill>
+                <a:schemeClr val="bg1"/>
+              </a:solidFill>
+              <a:latin typeface="News Gothic" panose="020B0503020103020203" pitchFamily="34" charset="0"/>
+            </a:endParaRPr>
+          </a:p>
+          <a:p>
+            <a:r>
+              <a:rPr lang="en-ZA" sz="4000" dirty="0" smtClean="0">
+                <a:solidFill>
+                  <a:schemeClr val="bg1"/>
+                </a:solidFill>
+                <a:latin typeface="News Gothic" panose="020B0503020103020203" pitchFamily="34" charset="0"/>
+              </a:rPr>
+              <a:t>&gt; </a:t>
+            </a:r>
+            <a:r>
+              <a:rPr lang="en-ZA" sz="4000" dirty="0" smtClean="0">
+                <a:solidFill>
+                  <a:schemeClr val="bg1"/>
+                </a:solidFill>
+                <a:latin typeface="News Gothic" panose="020B0503020103020203" pitchFamily="34" charset="0"/>
+              </a:rPr>
+              <a:t>bin/</a:t>
+            </a:r>
+            <a:r>
+              <a:rPr lang="en-ZA" sz="4000" dirty="0" err="1" smtClean="0">
+                <a:solidFill>
+                  <a:schemeClr val="bg1"/>
+                </a:solidFill>
+                <a:latin typeface="News Gothic" panose="020B0503020103020203" pitchFamily="34" charset="0"/>
+              </a:rPr>
+              <a:t>hubot</a:t>
+            </a:r>
+            <a:r>
+              <a:rPr lang="en-ZA" sz="4000" dirty="0" smtClean="0">
+                <a:solidFill>
+                  <a:schemeClr val="bg1"/>
+                </a:solidFill>
+                <a:latin typeface="News Gothic" panose="020B0503020103020203" pitchFamily="34" charset="0"/>
+              </a:rPr>
+              <a:t> </a:t>
+            </a:r>
+            <a:r>
+              <a:rPr lang="en-ZA" sz="4000" dirty="0">
+                <a:solidFill>
+                  <a:schemeClr val="bg1"/>
+                </a:solidFill>
+                <a:latin typeface="News Gothic" panose="020B0503020103020203" pitchFamily="34" charset="0"/>
+              </a:rPr>
+              <a:t>--adapter </a:t>
+            </a:r>
+            <a:r>
+              <a:rPr lang="en-ZA" sz="4000" dirty="0" smtClean="0">
+                <a:solidFill>
+                  <a:schemeClr val="bg1"/>
+                </a:solidFill>
+                <a:latin typeface="News Gothic" panose="020B0503020103020203" pitchFamily="34" charset="0"/>
+              </a:rPr>
+              <a:t>slack</a:t>
+            </a:r>
+            <a:endParaRPr lang="en-ZA" sz="4000" dirty="0">
+              <a:solidFill>
+                <a:schemeClr val="bg1"/>
+              </a:solidFill>
+              <a:latin typeface="News Gothic" panose="020B0503020103020203" pitchFamily="34" charset="0"/>
+            </a:endParaRPr>
+          </a:p>
+        </p:txBody>
+      </p:sp>
+      <p:sp>
+        <p:nvSpPr>
+          <p:cNvPr id="3" name="Rectangle 2"/>
+          <p:cNvSpPr/>
+          <p:nvPr/>
+        </p:nvSpPr>
+        <p:spPr>
+          <a:xfrm>
+            <a:off x="5759268" y="1167884"/>
+            <a:ext cx="772969" cy="1077218"/>
+          </a:xfrm>
+          <a:prstGeom prst="rect">
+            <a:avLst/>
+          </a:prstGeom>
+        </p:spPr>
+        <p:txBody>
+          <a:bodyPr wrap="none">
+            <a:spAutoFit/>
+          </a:bodyPr>
+          <a:lstStyle/>
+          <a:p>
+            <a:r>
+              <a:rPr lang="en-ZA" sz="3200" dirty="0" smtClean="0">
+                <a:solidFill>
+                  <a:schemeClr val="bg1">
+                    <a:lumMod val="50000"/>
+                  </a:schemeClr>
                 </a:solidFill>
                 <a:latin typeface="Myriad Pro" panose="020B0503030403020204" pitchFamily="34" charset="0"/>
               </a:rPr>
-              <a:t>./bin/</a:t>
-            </a:r>
-            <a:r>
-              <a:rPr lang="en-ZA" sz="4000" dirty="0" err="1" smtClean="0">
-                <a:solidFill>
-                  <a:srgbClr val="464547"/>
-                </a:solidFill>
-                <a:latin typeface="Myriad Pro" panose="020B0503030403020204" pitchFamily="34" charset="0"/>
-              </a:rPr>
-              <a:t>hubot</a:t>
-            </a:r>
-            <a:endParaRPr lang="en-ZA" sz="4000" dirty="0" smtClean="0">
-              <a:solidFill>
-                <a:srgbClr val="464547"/>
-              </a:solidFill>
-              <a:latin typeface="Myriad Pro" panose="020B0503030403020204" pitchFamily="34" charset="0"/>
-            </a:endParaRPr>
-          </a:p>
-          <a:p>
-            <a:pPr algn="ctr"/>
-            <a:endParaRPr lang="en-ZA" sz="4000" dirty="0" smtClean="0">
-              <a:solidFill>
-                <a:srgbClr val="464547"/>
-              </a:solidFill>
-              <a:latin typeface="Myriad Pro" panose="020B0503030403020204" pitchFamily="34" charset="0"/>
-            </a:endParaRPr>
-          </a:p>
-          <a:p>
-            <a:r>
-              <a:rPr lang="en-ZA" sz="4000" dirty="0">
-                <a:solidFill>
-                  <a:srgbClr val="464547"/>
-                </a:solidFill>
-                <a:latin typeface="Myriad Pro" panose="020B0503030403020204" pitchFamily="34" charset="0"/>
-              </a:rPr>
-              <a:t>./bin/</a:t>
-            </a:r>
-            <a:r>
-              <a:rPr lang="en-ZA" sz="4000" dirty="0" err="1">
-                <a:solidFill>
-                  <a:srgbClr val="464547"/>
-                </a:solidFill>
-                <a:latin typeface="Myriad Pro" panose="020B0503030403020204" pitchFamily="34" charset="0"/>
-              </a:rPr>
-              <a:t>hubot</a:t>
-            </a:r>
-            <a:r>
-              <a:rPr lang="en-ZA" sz="4000" dirty="0">
-                <a:solidFill>
-                  <a:srgbClr val="464547"/>
-                </a:solidFill>
-                <a:latin typeface="Myriad Pro" panose="020B0503030403020204" pitchFamily="34" charset="0"/>
-              </a:rPr>
-              <a:t> --adapter </a:t>
-            </a:r>
-            <a:r>
-              <a:rPr lang="en-ZA" sz="4000" dirty="0" smtClean="0">
-                <a:solidFill>
-                  <a:srgbClr val="464547"/>
-                </a:solidFill>
-                <a:latin typeface="Myriad Pro" panose="020B0503030403020204" pitchFamily="34" charset="0"/>
-              </a:rPr>
-              <a:t>slack</a:t>
-            </a:r>
-            <a:endParaRPr lang="en-ZA" sz="4000" dirty="0">
-              <a:solidFill>
-                <a:srgbClr val="464547"/>
-              </a:solidFill>
-              <a:latin typeface="Myriad Pro" panose="020B0503030403020204" pitchFamily="34" charset="0"/>
-            </a:endParaRPr>
+              <a:t>run</a:t>
+            </a:r>
+          </a:p>
+          <a:p>
+            <a:endParaRPr lang="en-ZA" sz="3200" dirty="0"/>
           </a:p>
         </p:txBody>
       </p:sp>
@@ -10962,184 +11133,9 @@
   <p:timing>
     <p:tnLst>
       <p:par>
-        <p:cTn id="1" dur="indefinite" restart="never" nodeType="tmRoot">
-          <p:childTnLst>
-            <p:seq concurrent="1" nextAc="seek">
-              <p:cTn id="2" dur="indefinite" nodeType="mainSeq">
-                <p:childTnLst>
-                  <p:par>
-                    <p:cTn id="3" fill="hold">
-                      <p:stCondLst>
-                        <p:cond delay="indefinite"/>
-                      </p:stCondLst>
-                      <p:childTnLst>
-                        <p:par>
-                          <p:cTn id="4" fill="hold">
-                            <p:stCondLst>
-                              <p:cond delay="0"/>
-                            </p:stCondLst>
-                            <p:childTnLst>
-                              <p:par>
-                                <p:cTn id="5" presetID="10" presetClass="entr" presetSubtype="0" fill="hold" nodeType="clickEffect">
-                                  <p:stCondLst>
-                                    <p:cond delay="0"/>
-                                  </p:stCondLst>
-                                  <p:childTnLst>
-                                    <p:set>
-                                      <p:cBhvr>
-                                        <p:cTn id="6" dur="1" fill="hold">
-                                          <p:stCondLst>
-                                            <p:cond delay="0"/>
-                                          </p:stCondLst>
-                                        </p:cTn>
-                                        <p:tgtEl>
-                                          <p:spTgt spid="2">
-                                            <p:txEl>
-                                              <p:pRg st="0" end="0"/>
-                                            </p:txEl>
-                                          </p:spTgt>
-                                        </p:tgtEl>
-                                        <p:attrNameLst>
-                                          <p:attrName>style.visibility</p:attrName>
-                                        </p:attrNameLst>
-                                      </p:cBhvr>
-                                      <p:to>
-                                        <p:strVal val="visible"/>
-                                      </p:to>
-                                    </p:set>
-                                    <p:animEffect transition="in" filter="fade">
-                                      <p:cBhvr>
-                                        <p:cTn id="7" dur="500"/>
-                                        <p:tgtEl>
-                                          <p:spTgt spid="2">
-                                            <p:txEl>
-                                              <p:pRg st="0" end="0"/>
-                                            </p:txEl>
-                                          </p:spTgt>
-                                        </p:tgtEl>
-                                      </p:cBhvr>
-                                    </p:animEffect>
-                                  </p:childTnLst>
-                                </p:cTn>
-                              </p:par>
-                            </p:childTnLst>
-                          </p:cTn>
-                        </p:par>
-                      </p:childTnLst>
-                    </p:cTn>
-                  </p:par>
-                  <p:par>
-                    <p:cTn id="8" fill="hold">
-                      <p:stCondLst>
-                        <p:cond delay="indefinite"/>
-                      </p:stCondLst>
-                      <p:childTnLst>
-                        <p:par>
-                          <p:cTn id="9" fill="hold">
-                            <p:stCondLst>
-                              <p:cond delay="0"/>
-                            </p:stCondLst>
-                            <p:childTnLst>
-                              <p:par>
-                                <p:cTn id="10" presetID="10" presetClass="entr" presetSubtype="0" fill="hold" nodeType="clickEffect">
-                                  <p:stCondLst>
-                                    <p:cond delay="0"/>
-                                  </p:stCondLst>
-                                  <p:childTnLst>
-                                    <p:set>
-                                      <p:cBhvr>
-                                        <p:cTn id="11" dur="1" fill="hold">
-                                          <p:stCondLst>
-                                            <p:cond delay="0"/>
-                                          </p:stCondLst>
-                                        </p:cTn>
-                                        <p:tgtEl>
-                                          <p:spTgt spid="2">
-                                            <p:txEl>
-                                              <p:pRg st="2" end="2"/>
-                                            </p:txEl>
-                                          </p:spTgt>
-                                        </p:tgtEl>
-                                        <p:attrNameLst>
-                                          <p:attrName>style.visibility</p:attrName>
-                                        </p:attrNameLst>
-                                      </p:cBhvr>
-                                      <p:to>
-                                        <p:strVal val="visible"/>
-                                      </p:to>
-                                    </p:set>
-                                    <p:animEffect transition="in" filter="fade">
-                                      <p:cBhvr>
-                                        <p:cTn id="12" dur="500"/>
-                                        <p:tgtEl>
-                                          <p:spTgt spid="2">
-                                            <p:txEl>
-                                              <p:pRg st="2" end="2"/>
-                                            </p:txEl>
-                                          </p:spTgt>
-                                        </p:tgtEl>
-                                      </p:cBhvr>
-                                    </p:animEffect>
-                                  </p:childTnLst>
-                                </p:cTn>
-                              </p:par>
-                              <p:par>
-                                <p:cTn id="13" presetID="3" presetClass="emph" presetSubtype="2" fill="hold" grpId="0" nodeType="withEffect">
-                                  <p:stCondLst>
-                                    <p:cond delay="0"/>
-                                  </p:stCondLst>
-                                  <p:childTnLst>
-                                    <p:animClr clrSpc="rgb" dir="cw">
-                                      <p:cBhvr override="childStyle">
-                                        <p:cTn id="14" dur="500" fill="hold"/>
-                                        <p:tgtEl>
-                                          <p:spTgt spid="2">
-                                            <p:txEl>
-                                              <p:pRg st="0" end="0"/>
-                                            </p:txEl>
-                                          </p:spTgt>
-                                        </p:tgtEl>
-                                        <p:attrNameLst>
-                                          <p:attrName>style.color</p:attrName>
-                                        </p:attrNameLst>
-                                      </p:cBhvr>
-                                      <p:to>
-                                        <a:srgbClr val="D0CECE"/>
-                                      </p:to>
-                                    </p:animClr>
-                                  </p:childTnLst>
-                                </p:cTn>
-                              </p:par>
-                            </p:childTnLst>
-                          </p:cTn>
-                        </p:par>
-                      </p:childTnLst>
-                    </p:cTn>
-                  </p:par>
-                </p:childTnLst>
-              </p:cTn>
-              <p:prevCondLst>
-                <p:cond evt="onPrev" delay="0">
-                  <p:tgtEl>
-                    <p:sldTgt/>
-                  </p:tgtEl>
-                </p:cond>
-              </p:prevCondLst>
-              <p:nextCondLst>
-                <p:cond evt="onNext" delay="0">
-                  <p:tgtEl>
-                    <p:sldTgt/>
-                  </p:tgtEl>
-                </p:cond>
-              </p:nextCondLst>
-            </p:seq>
-          </p:childTnLst>
-        </p:cTn>
+        <p:cTn id="1" dur="indefinite" restart="never" nodeType="tmRoot"/>
       </p:par>
     </p:tnLst>
-    <p:bldLst>
-      <p:bldP spid="2" grpId="0" uiExpand="1" build="allAtOnce"/>
-    </p:bldLst>
   </p:timing>
 </p:sld>
 </file>
@@ -11147,6 +11143,14 @@
 <file path=ppt/slides/slide31.xml><?xml version="1.0" encoding="utf-8"?>
 <p:sld xmlns:a="http://schemas.openxmlformats.org/drawingml/2006/main" xmlns:r="http://schemas.openxmlformats.org/officeDocument/2006/relationships" xmlns:p="http://schemas.openxmlformats.org/presentationml/2006/main">
   <p:cSld>
+    <p:bg>
+      <p:bgPr>
+        <a:solidFill>
+          <a:srgbClr val="272822"/>
+        </a:solidFill>
+        <a:effectLst/>
+      </p:bgPr>
+    </p:bg>
     <p:spTree>
       <p:nvGrpSpPr>
         <p:cNvPr id="1" name=""/>
@@ -11169,8 +11173,8 @@
         </p:nvSpPr>
         <p:spPr>
           <a:xfrm>
-            <a:off x="1552348" y="1242836"/>
-            <a:ext cx="9115444" cy="4401205"/>
+            <a:off x="1951528" y="2743309"/>
+            <a:ext cx="8361969" cy="1938992"/>
           </a:xfrm>
           <a:prstGeom prst="rect">
             <a:avLst/>
@@ -11188,27 +11192,72 @@
           <a:p>
             <a:pPr algn="ctr"/>
             <a:r>
-              <a:rPr lang="en-ZA" sz="4000" dirty="0" err="1">
+              <a:rPr lang="en-ZA" sz="4000" dirty="0" err="1" smtClean="0">
                 <a:solidFill>
-                  <a:srgbClr val="464547"/>
+                  <a:schemeClr val="bg1"/>
                 </a:solidFill>
                 <a:latin typeface="Myriad Pro" panose="020B0503030403020204" pitchFamily="34" charset="0"/>
               </a:rPr>
-              <a:t>module.exports</a:t>
-            </a:r>
-            <a:r>
-              <a:rPr lang="en-ZA" sz="4000" dirty="0">
+              <a:t>robot.hear</a:t>
+            </a:r>
+            <a:r>
+              <a:rPr lang="en-ZA" sz="4000" dirty="0" smtClean="0">
                 <a:solidFill>
-                  <a:srgbClr val="464547"/>
+                  <a:schemeClr val="bg1"/>
                 </a:solidFill>
                 <a:latin typeface="Myriad Pro" panose="020B0503030403020204" pitchFamily="34" charset="0"/>
               </a:rPr>
-              <a:t> = (robot) </a:t>
+              <a:t> </a:t>
+            </a:r>
+            <a:r>
+              <a:rPr lang="en-ZA" sz="4000" dirty="0">
+                <a:solidFill>
+                  <a:schemeClr val="bg1"/>
+                </a:solidFill>
+                <a:latin typeface="Myriad Pro" panose="020B0503030403020204" pitchFamily="34" charset="0"/>
+              </a:rPr>
+              <a:t>/</a:t>
+            </a:r>
+            <a:r>
+              <a:rPr lang="en-ZA" sz="4000" dirty="0">
+                <a:solidFill>
+                  <a:srgbClr val="548C94"/>
+                </a:solidFill>
+                <a:latin typeface="Myriad Pro" panose="020B0503030403020204" pitchFamily="34" charset="0"/>
+              </a:rPr>
+              <a:t>regex goes here</a:t>
+            </a:r>
+            <a:r>
+              <a:rPr lang="en-ZA" sz="4000" dirty="0">
+                <a:solidFill>
+                  <a:schemeClr val="bg1"/>
+                </a:solidFill>
+                <a:latin typeface="Myriad Pro" panose="020B0503030403020204" pitchFamily="34" charset="0"/>
+              </a:rPr>
+              <a:t>/, (</a:t>
+            </a:r>
+            <a:r>
+              <a:rPr lang="en-ZA" sz="4000" dirty="0" err="1">
+                <a:solidFill>
+                  <a:schemeClr val="bg1"/>
+                </a:solidFill>
+                <a:latin typeface="Myriad Pro" panose="020B0503030403020204" pitchFamily="34" charset="0"/>
+              </a:rPr>
+              <a:t>msg</a:t>
+            </a:r>
+            <a:r>
+              <a:rPr lang="en-ZA" sz="4000" dirty="0">
+                <a:solidFill>
+                  <a:schemeClr val="bg1"/>
+                </a:solidFill>
+                <a:latin typeface="Myriad Pro" panose="020B0503030403020204" pitchFamily="34" charset="0"/>
+              </a:rPr>
+              <a:t>) </a:t>
             </a:r>
             <a:r>
               <a:rPr lang="en-ZA" sz="4000" dirty="0" smtClean="0">
                 <a:solidFill>
-                  <a:srgbClr val="464547"/>
+                  <a:schemeClr val="bg1"/>
                 </a:solidFill>
                 <a:latin typeface="Myriad Pro" panose="020B0503030403020204" pitchFamily="34" charset="0"/>
               </a:rPr>
@@ -11216,161 +11265,120 @@
             </a:r>
           </a:p>
           <a:p>
-            <a:pPr algn="ctr"/>
-            <a:endParaRPr lang="en-ZA" sz="4000" dirty="0" smtClean="0">
-              <a:solidFill>
-                <a:srgbClr val="464547"/>
-              </a:solidFill>
-              <a:latin typeface="Myriad Pro" panose="020B0503030403020204" pitchFamily="34" charset="0"/>
-            </a:endParaRPr>
-          </a:p>
-          <a:p>
-            <a:pPr algn="ctr"/>
-            <a:r>
-              <a:rPr lang="en-ZA" sz="4000" dirty="0" err="1">
+            <a:r>
+              <a:rPr lang="en-ZA" sz="4000" dirty="0" smtClean="0">
                 <a:solidFill>
-                  <a:srgbClr val="464547"/>
+                  <a:schemeClr val="bg1"/>
                 </a:solidFill>
                 <a:latin typeface="Myriad Pro" panose="020B0503030403020204" pitchFamily="34" charset="0"/>
               </a:rPr>
-              <a:t>robot.hear</a:t>
-            </a:r>
-            <a:r>
-              <a:rPr lang="en-ZA" sz="4000" dirty="0">
+              <a:t>    </a:t>
+            </a:r>
+            <a:r>
+              <a:rPr lang="en-ZA" sz="4000" dirty="0" err="1" smtClean="0">
                 <a:solidFill>
-                  <a:srgbClr val="464547"/>
-                </a:solidFill>
-                <a:latin typeface="Myriad Pro" panose="020B0503030403020204" pitchFamily="34" charset="0"/>
-              </a:rPr>
-              <a:t> /regex goes here/, (</a:t>
-            </a:r>
-            <a:r>
-              <a:rPr lang="en-ZA" sz="4000" dirty="0" err="1">
-                <a:solidFill>
-                  <a:srgbClr val="464547"/>
-                </a:solidFill>
-                <a:latin typeface="Myriad Pro" panose="020B0503030403020204" pitchFamily="34" charset="0"/>
-              </a:rPr>
-              <a:t>msg</a:t>
-            </a:r>
-            <a:r>
-              <a:rPr lang="en-ZA" sz="4000" dirty="0">
-                <a:solidFill>
-                  <a:srgbClr val="464547"/>
-                </a:solidFill>
-                <a:latin typeface="Myriad Pro" panose="020B0503030403020204" pitchFamily="34" charset="0"/>
-              </a:rPr>
-              <a:t>) </a:t>
-            </a:r>
-            <a:r>
-              <a:rPr lang="en-ZA" sz="4000" dirty="0" smtClean="0">
-                <a:solidFill>
-                  <a:srgbClr val="464547"/>
-                </a:solidFill>
-                <a:latin typeface="Myriad Pro" panose="020B0503030403020204" pitchFamily="34" charset="0"/>
-              </a:rPr>
-              <a:t>-&gt;</a:t>
-            </a:r>
-          </a:p>
-          <a:p>
-            <a:pPr algn="ctr"/>
-            <a:endParaRPr lang="en-ZA" sz="4000" dirty="0">
-              <a:solidFill>
-                <a:srgbClr val="464547"/>
-              </a:solidFill>
-              <a:latin typeface="Myriad Pro" panose="020B0503030403020204" pitchFamily="34" charset="0"/>
-            </a:endParaRPr>
-          </a:p>
-          <a:p>
-            <a:pPr algn="ctr"/>
-            <a:r>
-              <a:rPr lang="en-ZA" sz="4000" dirty="0" err="1">
-                <a:solidFill>
-                  <a:srgbClr val="464547"/>
-                </a:solidFill>
-                <a:latin typeface="Myriad Pro" panose="020B0503030403020204" pitchFamily="34" charset="0"/>
-              </a:rPr>
-              <a:t>robot.respond</a:t>
-            </a:r>
-            <a:r>
-              <a:rPr lang="en-ZA" sz="4000" dirty="0">
-                <a:solidFill>
-                  <a:srgbClr val="464547"/>
-                </a:solidFill>
-                <a:latin typeface="Myriad Pro" panose="020B0503030403020204" pitchFamily="34" charset="0"/>
-              </a:rPr>
-              <a:t> /regex goes here/, (</a:t>
-            </a:r>
-            <a:r>
-              <a:rPr lang="en-ZA" sz="4000" dirty="0" err="1">
-                <a:solidFill>
-                  <a:srgbClr val="464547"/>
-                </a:solidFill>
-                <a:latin typeface="Myriad Pro" panose="020B0503030403020204" pitchFamily="34" charset="0"/>
-              </a:rPr>
-              <a:t>msg</a:t>
-            </a:r>
-            <a:r>
-              <a:rPr lang="en-ZA" sz="4000" dirty="0">
-                <a:solidFill>
-                  <a:srgbClr val="464547"/>
-                </a:solidFill>
-                <a:latin typeface="Myriad Pro" panose="020B0503030403020204" pitchFamily="34" charset="0"/>
-              </a:rPr>
-              <a:t>) </a:t>
-            </a:r>
-            <a:r>
-              <a:rPr lang="en-ZA" sz="4000" dirty="0" smtClean="0">
-                <a:solidFill>
-                  <a:srgbClr val="464547"/>
-                </a:solidFill>
-                <a:latin typeface="Myriad Pro" panose="020B0503030403020204" pitchFamily="34" charset="0"/>
-              </a:rPr>
-              <a:t>-&gt;</a:t>
-            </a:r>
-          </a:p>
-          <a:p>
-            <a:pPr algn="ctr"/>
-            <a:endParaRPr lang="en-ZA" sz="4000" dirty="0">
-              <a:solidFill>
-                <a:srgbClr val="464547"/>
-              </a:solidFill>
-              <a:latin typeface="Myriad Pro" panose="020B0503030403020204" pitchFamily="34" charset="0"/>
-            </a:endParaRPr>
-          </a:p>
-          <a:p>
-            <a:pPr algn="ctr"/>
-            <a:r>
-              <a:rPr lang="en-ZA" sz="4000" dirty="0" err="1">
-                <a:solidFill>
-                  <a:srgbClr val="464547"/>
+                  <a:schemeClr val="bg1"/>
                 </a:solidFill>
                 <a:latin typeface="Myriad Pro" panose="020B0503030403020204" pitchFamily="34" charset="0"/>
               </a:rPr>
               <a:t>msg.send</a:t>
             </a:r>
             <a:r>
-              <a:rPr lang="en-ZA" sz="4000" dirty="0">
+              <a:rPr lang="en-ZA" sz="4000" dirty="0" smtClean="0">
                 <a:solidFill>
-                  <a:srgbClr val="464547"/>
+                  <a:schemeClr val="bg1"/>
                 </a:solidFill>
                 <a:latin typeface="Myriad Pro" panose="020B0503030403020204" pitchFamily="34" charset="0"/>
               </a:rPr>
-              <a:t> “I’ll do all the things</a:t>
+              <a:t> ‘</a:t>
             </a:r>
             <a:r>
               <a:rPr lang="en-ZA" sz="4000" dirty="0" smtClean="0">
                 <a:solidFill>
-                  <a:srgbClr val="464547"/>
+                  <a:srgbClr val="548C94"/>
                 </a:solidFill>
                 <a:latin typeface="Myriad Pro" panose="020B0503030403020204" pitchFamily="34" charset="0"/>
               </a:rPr>
-              <a:t>”</a:t>
+              <a:t>I hear </a:t>
+            </a:r>
+            <a:r>
+              <a:rPr lang="en-ZA" sz="4000" dirty="0">
+                <a:solidFill>
+                  <a:srgbClr val="548C94"/>
+                </a:solidFill>
+                <a:latin typeface="Myriad Pro" panose="020B0503030403020204" pitchFamily="34" charset="0"/>
+              </a:rPr>
+              <a:t>all the </a:t>
+            </a:r>
+            <a:r>
+              <a:rPr lang="en-ZA" sz="4000" dirty="0" smtClean="0">
+                <a:solidFill>
+                  <a:srgbClr val="548C94"/>
+                </a:solidFill>
+                <a:latin typeface="Myriad Pro" panose="020B0503030403020204" pitchFamily="34" charset="0"/>
+              </a:rPr>
+              <a:t>things</a:t>
+            </a:r>
+            <a:r>
+              <a:rPr lang="en-ZA" sz="4000" dirty="0" smtClean="0">
+                <a:solidFill>
+                  <a:schemeClr val="bg1"/>
+                </a:solidFill>
+                <a:latin typeface="Myriad Pro" panose="020B0503030403020204" pitchFamily="34" charset="0"/>
+              </a:rPr>
+              <a:t>’</a:t>
             </a:r>
             <a:endParaRPr lang="en-ZA" sz="4000" dirty="0">
               <a:solidFill>
-                <a:srgbClr val="464547"/>
+                <a:schemeClr val="bg1"/>
               </a:solidFill>
+              <a:latin typeface="Myriad Pro" panose="020B0503030403020204" pitchFamily="34" charset="0"/>
+            </a:endParaRPr>
+          </a:p>
+          <a:p>
+            <a:pPr algn="ctr"/>
+            <a:endParaRPr lang="en-ZA" sz="4000" dirty="0" smtClean="0">
+              <a:solidFill>
+                <a:schemeClr val="bg1"/>
+              </a:solidFill>
+              <a:latin typeface="Myriad Pro" panose="020B0503030403020204" pitchFamily="34" charset="0"/>
+            </a:endParaRPr>
+          </a:p>
+        </p:txBody>
+      </p:sp>
+      <p:sp>
+        <p:nvSpPr>
+          <p:cNvPr id="3" name="Rectangle 2"/>
+          <p:cNvSpPr/>
+          <p:nvPr/>
+        </p:nvSpPr>
+        <p:spPr>
+          <a:xfrm>
+            <a:off x="5664018" y="1186934"/>
+            <a:ext cx="949299" cy="584775"/>
+          </a:xfrm>
+          <a:prstGeom prst="rect">
+            <a:avLst/>
+          </a:prstGeom>
+        </p:spPr>
+        <p:txBody>
+          <a:bodyPr wrap="none">
+            <a:spAutoFit/>
+          </a:bodyPr>
+          <a:lstStyle/>
+          <a:p>
+            <a:r>
+              <a:rPr lang="en-ZA" sz="3200" dirty="0" smtClean="0">
+                <a:solidFill>
+                  <a:schemeClr val="bg1">
+                    <a:lumMod val="50000"/>
+                  </a:schemeClr>
+                </a:solidFill>
+                <a:latin typeface="Myriad Pro" panose="020B0503030403020204" pitchFamily="34" charset="0"/>
+              </a:rPr>
+              <a:t>hear</a:t>
+            </a:r>
+            <a:endParaRPr lang="en-ZA" sz="3200" dirty="0">
               <a:latin typeface="Myriad Pro" panose="020B0503030403020204" pitchFamily="34" charset="0"/>
             </a:endParaRPr>
           </a:p>
@@ -11389,360 +11397,9 @@
   <p:timing>
     <p:tnLst>
       <p:par>
-        <p:cTn id="1" dur="indefinite" restart="never" nodeType="tmRoot">
-          <p:childTnLst>
-            <p:seq concurrent="1" nextAc="seek">
-              <p:cTn id="2" dur="indefinite" nodeType="mainSeq">
-                <p:childTnLst>
-                  <p:par>
-                    <p:cTn id="3" fill="hold">
-                      <p:stCondLst>
-                        <p:cond delay="indefinite"/>
-                      </p:stCondLst>
-                      <p:childTnLst>
-                        <p:par>
-                          <p:cTn id="4" fill="hold">
-                            <p:stCondLst>
-                              <p:cond delay="0"/>
-                            </p:stCondLst>
-                            <p:childTnLst>
-                              <p:par>
-                                <p:cTn id="5" presetID="10" presetClass="entr" presetSubtype="0" fill="hold" nodeType="clickEffect">
-                                  <p:stCondLst>
-                                    <p:cond delay="0"/>
-                                  </p:stCondLst>
-                                  <p:childTnLst>
-                                    <p:set>
-                                      <p:cBhvr>
-                                        <p:cTn id="6" dur="1" fill="hold">
-                                          <p:stCondLst>
-                                            <p:cond delay="0"/>
-                                          </p:stCondLst>
-                                        </p:cTn>
-                                        <p:tgtEl>
-                                          <p:spTgt spid="2">
-                                            <p:txEl>
-                                              <p:pRg st="0" end="0"/>
-                                            </p:txEl>
-                                          </p:spTgt>
-                                        </p:tgtEl>
-                                        <p:attrNameLst>
-                                          <p:attrName>style.visibility</p:attrName>
-                                        </p:attrNameLst>
-                                      </p:cBhvr>
-                                      <p:to>
-                                        <p:strVal val="visible"/>
-                                      </p:to>
-                                    </p:set>
-                                    <p:animEffect transition="in" filter="fade">
-                                      <p:cBhvr>
-                                        <p:cTn id="7" dur="500"/>
-                                        <p:tgtEl>
-                                          <p:spTgt spid="2">
-                                            <p:txEl>
-                                              <p:pRg st="0" end="0"/>
-                                            </p:txEl>
-                                          </p:spTgt>
-                                        </p:tgtEl>
-                                      </p:cBhvr>
-                                    </p:animEffect>
-                                  </p:childTnLst>
-                                </p:cTn>
-                              </p:par>
-                            </p:childTnLst>
-                          </p:cTn>
-                        </p:par>
-                      </p:childTnLst>
-                    </p:cTn>
-                  </p:par>
-                  <p:par>
-                    <p:cTn id="8" fill="hold">
-                      <p:stCondLst>
-                        <p:cond delay="indefinite"/>
-                      </p:stCondLst>
-                      <p:childTnLst>
-                        <p:par>
-                          <p:cTn id="9" fill="hold">
-                            <p:stCondLst>
-                              <p:cond delay="0"/>
-                            </p:stCondLst>
-                            <p:childTnLst>
-                              <p:par>
-                                <p:cTn id="10" presetID="10" presetClass="entr" presetSubtype="0" fill="hold" nodeType="clickEffect">
-                                  <p:stCondLst>
-                                    <p:cond delay="0"/>
-                                  </p:stCondLst>
-                                  <p:childTnLst>
-                                    <p:set>
-                                      <p:cBhvr>
-                                        <p:cTn id="11" dur="1" fill="hold">
-                                          <p:stCondLst>
-                                            <p:cond delay="0"/>
-                                          </p:stCondLst>
-                                        </p:cTn>
-                                        <p:tgtEl>
-                                          <p:spTgt spid="2">
-                                            <p:txEl>
-                                              <p:pRg st="2" end="2"/>
-                                            </p:txEl>
-                                          </p:spTgt>
-                                        </p:tgtEl>
-                                        <p:attrNameLst>
-                                          <p:attrName>style.visibility</p:attrName>
-                                        </p:attrNameLst>
-                                      </p:cBhvr>
-                                      <p:to>
-                                        <p:strVal val="visible"/>
-                                      </p:to>
-                                    </p:set>
-                                    <p:animEffect transition="in" filter="fade">
-                                      <p:cBhvr>
-                                        <p:cTn id="12" dur="500"/>
-                                        <p:tgtEl>
-                                          <p:spTgt spid="2">
-                                            <p:txEl>
-                                              <p:pRg st="2" end="2"/>
-                                            </p:txEl>
-                                          </p:spTgt>
-                                        </p:tgtEl>
-                                      </p:cBhvr>
-                                    </p:animEffect>
-                                  </p:childTnLst>
-                                </p:cTn>
-                              </p:par>
-                              <p:par>
-                                <p:cTn id="13" presetID="3" presetClass="emph" presetSubtype="2" fill="hold" grpId="0" nodeType="withEffect">
-                                  <p:stCondLst>
-                                    <p:cond delay="0"/>
-                                  </p:stCondLst>
-                                  <p:childTnLst>
-                                    <p:animClr clrSpc="rgb" dir="cw">
-                                      <p:cBhvr override="childStyle">
-                                        <p:cTn id="14" dur="500" fill="hold"/>
-                                        <p:tgtEl>
-                                          <p:spTgt spid="2">
-                                            <p:txEl>
-                                              <p:pRg st="0" end="0"/>
-                                            </p:txEl>
-                                          </p:spTgt>
-                                        </p:tgtEl>
-                                        <p:attrNameLst>
-                                          <p:attrName>style.color</p:attrName>
-                                        </p:attrNameLst>
-                                      </p:cBhvr>
-                                      <p:to>
-                                        <a:srgbClr val="D0CECE"/>
-                                      </p:to>
-                                    </p:animClr>
-                                  </p:childTnLst>
-                                </p:cTn>
-                              </p:par>
-                            </p:childTnLst>
-                          </p:cTn>
-                        </p:par>
-                      </p:childTnLst>
-                    </p:cTn>
-                  </p:par>
-                  <p:par>
-                    <p:cTn id="15" fill="hold">
-                      <p:stCondLst>
-                        <p:cond delay="indefinite"/>
-                      </p:stCondLst>
-                      <p:childTnLst>
-                        <p:par>
-                          <p:cTn id="16" fill="hold">
-                            <p:stCondLst>
-                              <p:cond delay="0"/>
-                            </p:stCondLst>
-                            <p:childTnLst>
-                              <p:par>
-                                <p:cTn id="17" presetID="10" presetClass="entr" presetSubtype="0" fill="hold" nodeType="clickEffect">
-                                  <p:stCondLst>
-                                    <p:cond delay="0"/>
-                                  </p:stCondLst>
-                                  <p:childTnLst>
-                                    <p:set>
-                                      <p:cBhvr>
-                                        <p:cTn id="18" dur="1" fill="hold">
-                                          <p:stCondLst>
-                                            <p:cond delay="0"/>
-                                          </p:stCondLst>
-                                        </p:cTn>
-                                        <p:tgtEl>
-                                          <p:spTgt spid="2">
-                                            <p:txEl>
-                                              <p:pRg st="4" end="4"/>
-                                            </p:txEl>
-                                          </p:spTgt>
-                                        </p:tgtEl>
-                                        <p:attrNameLst>
-                                          <p:attrName>style.visibility</p:attrName>
-                                        </p:attrNameLst>
-                                      </p:cBhvr>
-                                      <p:to>
-                                        <p:strVal val="visible"/>
-                                      </p:to>
-                                    </p:set>
-                                    <p:animEffect transition="in" filter="fade">
-                                      <p:cBhvr>
-                                        <p:cTn id="19" dur="500"/>
-                                        <p:tgtEl>
-                                          <p:spTgt spid="2">
-                                            <p:txEl>
-                                              <p:pRg st="4" end="4"/>
-                                            </p:txEl>
-                                          </p:spTgt>
-                                        </p:tgtEl>
-                                      </p:cBhvr>
-                                    </p:animEffect>
-                                  </p:childTnLst>
-                                </p:cTn>
-                              </p:par>
-                              <p:par>
-                                <p:cTn id="20" presetID="3" presetClass="emph" presetSubtype="2" fill="hold" grpId="0" nodeType="withEffect">
-                                  <p:stCondLst>
-                                    <p:cond delay="0"/>
-                                  </p:stCondLst>
-                                  <p:childTnLst>
-                                    <p:animClr clrSpc="rgb" dir="cw">
-                                      <p:cBhvr override="childStyle">
-                                        <p:cTn id="21" dur="500" fill="hold"/>
-                                        <p:tgtEl>
-                                          <p:spTgt spid="2">
-                                            <p:txEl>
-                                              <p:pRg st="2" end="2"/>
-                                            </p:txEl>
-                                          </p:spTgt>
-                                        </p:tgtEl>
-                                        <p:attrNameLst>
-                                          <p:attrName>style.color</p:attrName>
-                                        </p:attrNameLst>
-                                      </p:cBhvr>
-                                      <p:to>
-                                        <a:srgbClr val="D0CECE"/>
-                                      </p:to>
-                                    </p:animClr>
-                                  </p:childTnLst>
-                                </p:cTn>
-                              </p:par>
-                            </p:childTnLst>
-                          </p:cTn>
-                        </p:par>
-                      </p:childTnLst>
-                    </p:cTn>
-                  </p:par>
-                  <p:par>
-                    <p:cTn id="22" fill="hold">
-                      <p:stCondLst>
-                        <p:cond delay="indefinite"/>
-                      </p:stCondLst>
-                      <p:childTnLst>
-                        <p:par>
-                          <p:cTn id="23" fill="hold">
-                            <p:stCondLst>
-                              <p:cond delay="0"/>
-                            </p:stCondLst>
-                            <p:childTnLst>
-                              <p:par>
-                                <p:cTn id="24" presetID="10" presetClass="entr" presetSubtype="0" fill="hold" nodeType="clickEffect">
-                                  <p:stCondLst>
-                                    <p:cond delay="0"/>
-                                  </p:stCondLst>
-                                  <p:childTnLst>
-                                    <p:set>
-                                      <p:cBhvr>
-                                        <p:cTn id="25" dur="1" fill="hold">
-                                          <p:stCondLst>
-                                            <p:cond delay="0"/>
-                                          </p:stCondLst>
-                                        </p:cTn>
-                                        <p:tgtEl>
-                                          <p:spTgt spid="2">
-                                            <p:txEl>
-                                              <p:pRg st="6" end="6"/>
-                                            </p:txEl>
-                                          </p:spTgt>
-                                        </p:tgtEl>
-                                        <p:attrNameLst>
-                                          <p:attrName>style.visibility</p:attrName>
-                                        </p:attrNameLst>
-                                      </p:cBhvr>
-                                      <p:to>
-                                        <p:strVal val="visible"/>
-                                      </p:to>
-                                    </p:set>
-                                    <p:animEffect transition="in" filter="fade">
-                                      <p:cBhvr>
-                                        <p:cTn id="26" dur="500"/>
-                                        <p:tgtEl>
-                                          <p:spTgt spid="2">
-                                            <p:txEl>
-                                              <p:pRg st="6" end="6"/>
-                                            </p:txEl>
-                                          </p:spTgt>
-                                        </p:tgtEl>
-                                      </p:cBhvr>
-                                    </p:animEffect>
-                                  </p:childTnLst>
-                                </p:cTn>
-                              </p:par>
-                              <p:par>
-                                <p:cTn id="27" presetID="3" presetClass="emph" presetSubtype="2" fill="hold" grpId="0" nodeType="withEffect">
-                                  <p:stCondLst>
-                                    <p:cond delay="0"/>
-                                  </p:stCondLst>
-                                  <p:childTnLst>
-                                    <p:animClr clrSpc="rgb" dir="cw">
-                                      <p:cBhvr override="childStyle">
-                                        <p:cTn id="28" dur="500" fill="hold"/>
-                                        <p:tgtEl>
-                                          <p:spTgt spid="2">
-                                            <p:txEl>
-                                              <p:pRg st="4" end="4"/>
-                                            </p:txEl>
-                                          </p:spTgt>
-                                        </p:tgtEl>
-                                        <p:attrNameLst>
-                                          <p:attrName>style.color</p:attrName>
-                                        </p:attrNameLst>
-                                      </p:cBhvr>
-                                      <p:to>
-                                        <a:srgbClr val="D0CECE"/>
-                                      </p:to>
-                                    </p:animClr>
-                                  </p:childTnLst>
-                                </p:cTn>
-                              </p:par>
-                            </p:childTnLst>
-                          </p:cTn>
-                        </p:par>
-                      </p:childTnLst>
-                    </p:cTn>
-                  </p:par>
-                </p:childTnLst>
-              </p:cTn>
-              <p:prevCondLst>
-                <p:cond evt="onPrev" delay="0">
-                  <p:tgtEl>
-                    <p:sldTgt/>
-                  </p:tgtEl>
-                </p:cond>
-              </p:prevCondLst>
-              <p:nextCondLst>
-                <p:cond evt="onNext" delay="0">
-                  <p:tgtEl>
-                    <p:sldTgt/>
-                  </p:tgtEl>
-                </p:cond>
-              </p:nextCondLst>
-            </p:seq>
-          </p:childTnLst>
-        </p:cTn>
+        <p:cTn id="1" dur="indefinite" restart="never" nodeType="tmRoot"/>
       </p:par>
     </p:tnLst>
-    <p:bldLst>
-      <p:bldP spid="2" grpId="0" uiExpand="1" build="allAtOnce"/>
-    </p:bldLst>
   </p:timing>
 </p:sld>
 </file>
@@ -11780,8 +11437,908 @@
         </p:blipFill>
         <p:spPr>
           <a:xfrm>
-            <a:off x="381009" y="1966118"/>
-            <a:ext cx="11429981" cy="2925763"/>
+            <a:off x="2319867" y="598815"/>
+            <a:ext cx="7314939" cy="5660370"/>
+          </a:xfrm>
+          <a:prstGeom prst="rect">
+            <a:avLst/>
+          </a:prstGeom>
+        </p:spPr>
+      </p:pic>
+    </p:spTree>
+    <p:extLst>
+      <p:ext uri="{BB962C8B-B14F-4D97-AF65-F5344CB8AC3E}">
+        <p14:creationId xmlns:p14="http://schemas.microsoft.com/office/powerpoint/2010/main" val="555941238"/>
+      </p:ext>
+    </p:extLst>
+  </p:cSld>
+  <p:clrMapOvr>
+    <a:masterClrMapping/>
+  </p:clrMapOvr>
+  <p:timing>
+    <p:tnLst>
+      <p:par>
+        <p:cTn id="1" dur="indefinite" restart="never" nodeType="tmRoot"/>
+      </p:par>
+    </p:tnLst>
+  </p:timing>
+</p:sld>
+</file>
+
+<file path=ppt/slides/slide33.xml><?xml version="1.0" encoding="utf-8"?>
+<p:sld xmlns:a="http://schemas.openxmlformats.org/drawingml/2006/main" xmlns:r="http://schemas.openxmlformats.org/officeDocument/2006/relationships" xmlns:p="http://schemas.openxmlformats.org/presentationml/2006/main">
+  <p:cSld>
+    <p:spTree>
+      <p:nvGrpSpPr>
+        <p:cNvPr id="1" name=""/>
+        <p:cNvGrpSpPr/>
+        <p:nvPr/>
+      </p:nvGrpSpPr>
+      <p:grpSpPr>
+        <a:xfrm>
+          <a:off x="0" y="0"/>
+          <a:ext cx="0" cy="0"/>
+          <a:chOff x="0" y="0"/>
+          <a:chExt cx="0" cy="0"/>
+        </a:xfrm>
+      </p:grpSpPr>
+      <p:pic>
+        <p:nvPicPr>
+          <p:cNvPr id="2" name="Picture 1"/>
+          <p:cNvPicPr>
+            <a:picLocks noChangeAspect="1"/>
+          </p:cNvPicPr>
+          <p:nvPr/>
+        </p:nvPicPr>
+        <p:blipFill>
+          <a:blip r:embed="rId2"/>
+          <a:stretch>
+            <a:fillRect/>
+          </a:stretch>
+        </p:blipFill>
+        <p:spPr>
+          <a:xfrm>
+            <a:off x="4325769" y="2420952"/>
+            <a:ext cx="3540461" cy="2016096"/>
+          </a:xfrm>
+          <a:prstGeom prst="rect">
+            <a:avLst/>
+          </a:prstGeom>
+        </p:spPr>
+      </p:pic>
+    </p:spTree>
+    <p:extLst>
+      <p:ext uri="{BB962C8B-B14F-4D97-AF65-F5344CB8AC3E}">
+        <p14:creationId xmlns:p14="http://schemas.microsoft.com/office/powerpoint/2010/main" val="3388365657"/>
+      </p:ext>
+    </p:extLst>
+  </p:cSld>
+  <p:clrMapOvr>
+    <a:masterClrMapping/>
+  </p:clrMapOvr>
+  <p:timing>
+    <p:tnLst>
+      <p:par>
+        <p:cTn id="1" dur="indefinite" restart="never" nodeType="tmRoot"/>
+      </p:par>
+    </p:tnLst>
+  </p:timing>
+</p:sld>
+</file>
+
+<file path=ppt/slides/slide34.xml><?xml version="1.0" encoding="utf-8"?>
+<p:sld xmlns:a="http://schemas.openxmlformats.org/drawingml/2006/main" xmlns:r="http://schemas.openxmlformats.org/officeDocument/2006/relationships" xmlns:p="http://schemas.openxmlformats.org/presentationml/2006/main">
+  <p:cSld>
+    <p:bg>
+      <p:bgPr>
+        <a:solidFill>
+          <a:srgbClr val="272822"/>
+        </a:solidFill>
+        <a:effectLst/>
+      </p:bgPr>
+    </p:bg>
+    <p:spTree>
+      <p:nvGrpSpPr>
+        <p:cNvPr id="1" name=""/>
+        <p:cNvGrpSpPr/>
+        <p:nvPr/>
+      </p:nvGrpSpPr>
+      <p:grpSpPr>
+        <a:xfrm>
+          <a:off x="0" y="0"/>
+          <a:ext cx="0" cy="0"/>
+          <a:chOff x="0" y="0"/>
+          <a:chExt cx="0" cy="0"/>
+        </a:xfrm>
+      </p:grpSpPr>
+      <p:sp>
+        <p:nvSpPr>
+          <p:cNvPr id="2" name="TextBox 1"/>
+          <p:cNvSpPr txBox="1"/>
+          <p:nvPr/>
+        </p:nvSpPr>
+        <p:spPr>
+          <a:xfrm>
+            <a:off x="1574791" y="2800459"/>
+            <a:ext cx="9115444" cy="1938992"/>
+          </a:xfrm>
+          <a:prstGeom prst="rect">
+            <a:avLst/>
+          </a:prstGeom>
+          <a:noFill/>
+          <a:effectLst>
+            <a:softEdge rad="25400"/>
+          </a:effectLst>
+        </p:spPr>
+        <p:txBody>
+          <a:bodyPr wrap="none" rtlCol="0">
+            <a:spAutoFit/>
+          </a:bodyPr>
+          <a:lstStyle/>
+          <a:p>
+            <a:r>
+              <a:rPr lang="en-ZA" sz="4000" dirty="0" err="1" smtClean="0">
+                <a:solidFill>
+                  <a:schemeClr val="bg1"/>
+                </a:solidFill>
+                <a:latin typeface="Myriad Pro" panose="020B0503030403020204" pitchFamily="34" charset="0"/>
+              </a:rPr>
+              <a:t>robot.respond</a:t>
+            </a:r>
+            <a:r>
+              <a:rPr lang="en-ZA" sz="4000" dirty="0" smtClean="0">
+                <a:solidFill>
+                  <a:schemeClr val="bg1"/>
+                </a:solidFill>
+                <a:latin typeface="Myriad Pro" panose="020B0503030403020204" pitchFamily="34" charset="0"/>
+              </a:rPr>
+              <a:t> </a:t>
+            </a:r>
+            <a:r>
+              <a:rPr lang="en-ZA" sz="4000" dirty="0">
+                <a:solidFill>
+                  <a:schemeClr val="bg1"/>
+                </a:solidFill>
+                <a:latin typeface="Myriad Pro" panose="020B0503030403020204" pitchFamily="34" charset="0"/>
+              </a:rPr>
+              <a:t>/</a:t>
+            </a:r>
+            <a:r>
+              <a:rPr lang="en-ZA" sz="4000" dirty="0">
+                <a:solidFill>
+                  <a:srgbClr val="548C94"/>
+                </a:solidFill>
+                <a:latin typeface="Myriad Pro" panose="020B0503030403020204" pitchFamily="34" charset="0"/>
+              </a:rPr>
+              <a:t>regex goes here</a:t>
+            </a:r>
+            <a:r>
+              <a:rPr lang="en-ZA" sz="4000" dirty="0">
+                <a:solidFill>
+                  <a:schemeClr val="bg1"/>
+                </a:solidFill>
+                <a:latin typeface="Myriad Pro" panose="020B0503030403020204" pitchFamily="34" charset="0"/>
+              </a:rPr>
+              <a:t>/, (</a:t>
+            </a:r>
+            <a:r>
+              <a:rPr lang="en-ZA" sz="4000" dirty="0" err="1">
+                <a:solidFill>
+                  <a:schemeClr val="bg1"/>
+                </a:solidFill>
+                <a:latin typeface="Myriad Pro" panose="020B0503030403020204" pitchFamily="34" charset="0"/>
+              </a:rPr>
+              <a:t>msg</a:t>
+            </a:r>
+            <a:r>
+              <a:rPr lang="en-ZA" sz="4000" dirty="0">
+                <a:solidFill>
+                  <a:schemeClr val="bg1"/>
+                </a:solidFill>
+                <a:latin typeface="Myriad Pro" panose="020B0503030403020204" pitchFamily="34" charset="0"/>
+              </a:rPr>
+              <a:t>) </a:t>
+            </a:r>
+            <a:r>
+              <a:rPr lang="en-ZA" sz="4000" dirty="0" smtClean="0">
+                <a:solidFill>
+                  <a:schemeClr val="bg1"/>
+                </a:solidFill>
+                <a:latin typeface="Myriad Pro" panose="020B0503030403020204" pitchFamily="34" charset="0"/>
+              </a:rPr>
+              <a:t>-&gt;</a:t>
+            </a:r>
+          </a:p>
+          <a:p>
+            <a:r>
+              <a:rPr lang="en-ZA" sz="4000" dirty="0" smtClean="0">
+                <a:solidFill>
+                  <a:schemeClr val="bg1"/>
+                </a:solidFill>
+                <a:latin typeface="Myriad Pro" panose="020B0503030403020204" pitchFamily="34" charset="0"/>
+              </a:rPr>
+              <a:t>    </a:t>
+            </a:r>
+            <a:r>
+              <a:rPr lang="en-ZA" sz="4000" dirty="0" err="1" smtClean="0">
+                <a:solidFill>
+                  <a:schemeClr val="bg1"/>
+                </a:solidFill>
+                <a:latin typeface="Myriad Pro" panose="020B0503030403020204" pitchFamily="34" charset="0"/>
+              </a:rPr>
+              <a:t>msg.send</a:t>
+            </a:r>
+            <a:r>
+              <a:rPr lang="en-ZA" sz="4000" dirty="0" smtClean="0">
+                <a:solidFill>
+                  <a:schemeClr val="bg1"/>
+                </a:solidFill>
+                <a:latin typeface="Myriad Pro" panose="020B0503030403020204" pitchFamily="34" charset="0"/>
+              </a:rPr>
+              <a:t> </a:t>
+            </a:r>
+            <a:r>
+              <a:rPr lang="en-ZA" sz="4000" dirty="0">
+                <a:solidFill>
+                  <a:schemeClr val="bg1"/>
+                </a:solidFill>
+                <a:latin typeface="Myriad Pro" panose="020B0503030403020204" pitchFamily="34" charset="0"/>
+              </a:rPr>
+              <a:t>‘</a:t>
+            </a:r>
+            <a:r>
+              <a:rPr lang="en-ZA" sz="4000" dirty="0" smtClean="0">
+                <a:solidFill>
+                  <a:srgbClr val="548C94"/>
+                </a:solidFill>
+                <a:latin typeface="Myriad Pro" panose="020B0503030403020204" pitchFamily="34" charset="0"/>
+              </a:rPr>
+              <a:t>I do </a:t>
+            </a:r>
+            <a:r>
+              <a:rPr lang="en-ZA" sz="4000" dirty="0">
+                <a:solidFill>
+                  <a:srgbClr val="548C94"/>
+                </a:solidFill>
+                <a:latin typeface="Myriad Pro" panose="020B0503030403020204" pitchFamily="34" charset="0"/>
+              </a:rPr>
+              <a:t>all the things</a:t>
+            </a:r>
+            <a:r>
+              <a:rPr lang="en-ZA" sz="4000" dirty="0">
+                <a:solidFill>
+                  <a:schemeClr val="bg1"/>
+                </a:solidFill>
+                <a:latin typeface="Myriad Pro" panose="020B0503030403020204" pitchFamily="34" charset="0"/>
+              </a:rPr>
+              <a:t>’</a:t>
+            </a:r>
+          </a:p>
+          <a:p>
+            <a:pPr algn="ctr"/>
+            <a:endParaRPr lang="en-ZA" sz="4000" dirty="0">
+              <a:solidFill>
+                <a:schemeClr val="bg1"/>
+              </a:solidFill>
+              <a:latin typeface="Myriad Pro" panose="020B0503030403020204" pitchFamily="34" charset="0"/>
+            </a:endParaRPr>
+          </a:p>
+        </p:txBody>
+      </p:sp>
+      <p:sp>
+        <p:nvSpPr>
+          <p:cNvPr id="3" name="Rectangle 2"/>
+          <p:cNvSpPr/>
+          <p:nvPr/>
+        </p:nvSpPr>
+        <p:spPr>
+          <a:xfrm>
+            <a:off x="5340168" y="1186934"/>
+            <a:ext cx="1600823" cy="584775"/>
+          </a:xfrm>
+          <a:prstGeom prst="rect">
+            <a:avLst/>
+          </a:prstGeom>
+        </p:spPr>
+        <p:txBody>
+          <a:bodyPr wrap="none">
+            <a:spAutoFit/>
+          </a:bodyPr>
+          <a:lstStyle/>
+          <a:p>
+            <a:r>
+              <a:rPr lang="en-ZA" sz="3200" dirty="0" smtClean="0">
+                <a:solidFill>
+                  <a:schemeClr val="bg1">
+                    <a:lumMod val="50000"/>
+                  </a:schemeClr>
+                </a:solidFill>
+                <a:latin typeface="Myriad Pro" panose="020B0503030403020204" pitchFamily="34" charset="0"/>
+              </a:rPr>
+              <a:t>respond</a:t>
+            </a:r>
+            <a:endParaRPr lang="en-ZA" sz="3200" dirty="0">
+              <a:latin typeface="Myriad Pro" panose="020B0503030403020204" pitchFamily="34" charset="0"/>
+            </a:endParaRPr>
+          </a:p>
+        </p:txBody>
+      </p:sp>
+    </p:spTree>
+    <p:extLst>
+      <p:ext uri="{BB962C8B-B14F-4D97-AF65-F5344CB8AC3E}">
+        <p14:creationId xmlns:p14="http://schemas.microsoft.com/office/powerpoint/2010/main" val="3754541591"/>
+      </p:ext>
+    </p:extLst>
+  </p:cSld>
+  <p:clrMapOvr>
+    <a:masterClrMapping/>
+  </p:clrMapOvr>
+  <p:timing>
+    <p:tnLst>
+      <p:par>
+        <p:cTn id="1" dur="indefinite" restart="never" nodeType="tmRoot"/>
+      </p:par>
+    </p:tnLst>
+  </p:timing>
+</p:sld>
+</file>
+
+<file path=ppt/slides/slide35.xml><?xml version="1.0" encoding="utf-8"?>
+<p:sld xmlns:a="http://schemas.openxmlformats.org/drawingml/2006/main" xmlns:r="http://schemas.openxmlformats.org/officeDocument/2006/relationships" xmlns:p="http://schemas.openxmlformats.org/presentationml/2006/main">
+  <p:cSld>
+    <p:spTree>
+      <p:nvGrpSpPr>
+        <p:cNvPr id="1" name=""/>
+        <p:cNvGrpSpPr/>
+        <p:nvPr/>
+      </p:nvGrpSpPr>
+      <p:grpSpPr>
+        <a:xfrm>
+          <a:off x="0" y="0"/>
+          <a:ext cx="0" cy="0"/>
+          <a:chOff x="0" y="0"/>
+          <a:chExt cx="0" cy="0"/>
+        </a:xfrm>
+      </p:grpSpPr>
+      <p:pic>
+        <p:nvPicPr>
+          <p:cNvPr id="2" name="Picture 1"/>
+          <p:cNvPicPr>
+            <a:picLocks noChangeAspect="1"/>
+          </p:cNvPicPr>
+          <p:nvPr/>
+        </p:nvPicPr>
+        <p:blipFill>
+          <a:blip r:embed="rId2"/>
+          <a:stretch>
+            <a:fillRect/>
+          </a:stretch>
+        </p:blipFill>
+        <p:spPr>
+          <a:xfrm>
+            <a:off x="2642374" y="471544"/>
+            <a:ext cx="6501626" cy="6272156"/>
+          </a:xfrm>
+          <a:prstGeom prst="rect">
+            <a:avLst/>
+          </a:prstGeom>
+        </p:spPr>
+      </p:pic>
+    </p:spTree>
+    <p:extLst>
+      <p:ext uri="{BB962C8B-B14F-4D97-AF65-F5344CB8AC3E}">
+        <p14:creationId xmlns:p14="http://schemas.microsoft.com/office/powerpoint/2010/main" val="3983319725"/>
+      </p:ext>
+    </p:extLst>
+  </p:cSld>
+  <p:clrMapOvr>
+    <a:masterClrMapping/>
+  </p:clrMapOvr>
+  <p:timing>
+    <p:tnLst>
+      <p:par>
+        <p:cTn id="1" dur="indefinite" restart="never" nodeType="tmRoot"/>
+      </p:par>
+    </p:tnLst>
+  </p:timing>
+</p:sld>
+</file>
+
+<file path=ppt/slides/slide36.xml><?xml version="1.0" encoding="utf-8"?>
+<p:sld xmlns:a="http://schemas.openxmlformats.org/drawingml/2006/main" xmlns:r="http://schemas.openxmlformats.org/officeDocument/2006/relationships" xmlns:p="http://schemas.openxmlformats.org/presentationml/2006/main">
+  <p:cSld>
+    <p:spTree>
+      <p:nvGrpSpPr>
+        <p:cNvPr id="1" name=""/>
+        <p:cNvGrpSpPr/>
+        <p:nvPr/>
+      </p:nvGrpSpPr>
+      <p:grpSpPr>
+        <a:xfrm>
+          <a:off x="0" y="0"/>
+          <a:ext cx="0" cy="0"/>
+          <a:chOff x="0" y="0"/>
+          <a:chExt cx="0" cy="0"/>
+        </a:xfrm>
+      </p:grpSpPr>
+      <p:pic>
+        <p:nvPicPr>
+          <p:cNvPr id="2" name="Picture 1"/>
+          <p:cNvPicPr>
+            <a:picLocks noChangeAspect="1"/>
+          </p:cNvPicPr>
+          <p:nvPr/>
+        </p:nvPicPr>
+        <p:blipFill>
+          <a:blip r:embed="rId2"/>
+          <a:stretch>
+            <a:fillRect/>
+          </a:stretch>
+        </p:blipFill>
+        <p:spPr>
+          <a:xfrm>
+            <a:off x="3077620" y="2500312"/>
+            <a:ext cx="6109786" cy="1857375"/>
+          </a:xfrm>
+          <a:prstGeom prst="rect">
+            <a:avLst/>
+          </a:prstGeom>
+        </p:spPr>
+      </p:pic>
+    </p:spTree>
+    <p:extLst>
+      <p:ext uri="{BB962C8B-B14F-4D97-AF65-F5344CB8AC3E}">
+        <p14:creationId xmlns:p14="http://schemas.microsoft.com/office/powerpoint/2010/main" val="1543012471"/>
+      </p:ext>
+    </p:extLst>
+  </p:cSld>
+  <p:clrMapOvr>
+    <a:masterClrMapping/>
+  </p:clrMapOvr>
+  <p:timing>
+    <p:tnLst>
+      <p:par>
+        <p:cTn id="1" dur="indefinite" restart="never" nodeType="tmRoot"/>
+      </p:par>
+    </p:tnLst>
+  </p:timing>
+</p:sld>
+</file>
+
+<file path=ppt/slides/slide37.xml><?xml version="1.0" encoding="utf-8"?>
+<p:sld xmlns:a="http://schemas.openxmlformats.org/drawingml/2006/main" xmlns:r="http://schemas.openxmlformats.org/officeDocument/2006/relationships" xmlns:p="http://schemas.openxmlformats.org/presentationml/2006/main">
+  <p:cSld>
+    <p:spTree>
+      <p:nvGrpSpPr>
+        <p:cNvPr id="1" name=""/>
+        <p:cNvGrpSpPr/>
+        <p:nvPr/>
+      </p:nvGrpSpPr>
+      <p:grpSpPr>
+        <a:xfrm>
+          <a:off x="0" y="0"/>
+          <a:ext cx="0" cy="0"/>
+          <a:chOff x="0" y="0"/>
+          <a:chExt cx="0" cy="0"/>
+        </a:xfrm>
+      </p:grpSpPr>
+      <p:pic>
+        <p:nvPicPr>
+          <p:cNvPr id="2" name="Picture 1"/>
+          <p:cNvPicPr>
+            <a:picLocks noChangeAspect="1"/>
+          </p:cNvPicPr>
+          <p:nvPr/>
+        </p:nvPicPr>
+        <p:blipFill>
+          <a:blip r:embed="rId2"/>
+          <a:stretch>
+            <a:fillRect/>
+          </a:stretch>
+        </p:blipFill>
+        <p:spPr>
+          <a:xfrm>
+            <a:off x="4219872" y="2400300"/>
+            <a:ext cx="4576465" cy="2343150"/>
+          </a:xfrm>
+          <a:prstGeom prst="rect">
+            <a:avLst/>
+          </a:prstGeom>
+        </p:spPr>
+      </p:pic>
+    </p:spTree>
+    <p:extLst>
+      <p:ext uri="{BB962C8B-B14F-4D97-AF65-F5344CB8AC3E}">
+        <p14:creationId xmlns:p14="http://schemas.microsoft.com/office/powerpoint/2010/main" val="1233417770"/>
+      </p:ext>
+    </p:extLst>
+  </p:cSld>
+  <p:clrMapOvr>
+    <a:masterClrMapping/>
+  </p:clrMapOvr>
+  <p:timing>
+    <p:tnLst>
+      <p:par>
+        <p:cTn id="1" dur="indefinite" restart="never" nodeType="tmRoot"/>
+      </p:par>
+    </p:tnLst>
+  </p:timing>
+</p:sld>
+</file>
+
+<file path=ppt/slides/slide38.xml><?xml version="1.0" encoding="utf-8"?>
+<p:sld xmlns:a="http://schemas.openxmlformats.org/drawingml/2006/main" xmlns:r="http://schemas.openxmlformats.org/officeDocument/2006/relationships" xmlns:p="http://schemas.openxmlformats.org/presentationml/2006/main">
+  <p:cSld>
+    <p:spTree>
+      <p:nvGrpSpPr>
+        <p:cNvPr id="1" name=""/>
+        <p:cNvGrpSpPr/>
+        <p:nvPr/>
+      </p:nvGrpSpPr>
+      <p:grpSpPr>
+        <a:xfrm>
+          <a:off x="0" y="0"/>
+          <a:ext cx="0" cy="0"/>
+          <a:chOff x="0" y="0"/>
+          <a:chExt cx="0" cy="0"/>
+        </a:xfrm>
+      </p:grpSpPr>
+      <p:pic>
+        <p:nvPicPr>
+          <p:cNvPr id="2" name="Picture 1"/>
+          <p:cNvPicPr>
+            <a:picLocks noChangeAspect="1"/>
+          </p:cNvPicPr>
+          <p:nvPr/>
+        </p:nvPicPr>
+        <p:blipFill>
+          <a:blip r:embed="rId2"/>
+          <a:stretch>
+            <a:fillRect/>
+          </a:stretch>
+        </p:blipFill>
+        <p:spPr>
+          <a:xfrm>
+            <a:off x="3201216" y="546288"/>
+            <a:ext cx="5862593" cy="5765423"/>
+          </a:xfrm>
+          <a:prstGeom prst="rect">
+            <a:avLst/>
+          </a:prstGeom>
+        </p:spPr>
+      </p:pic>
+    </p:spTree>
+    <p:extLst>
+      <p:ext uri="{BB962C8B-B14F-4D97-AF65-F5344CB8AC3E}">
+        <p14:creationId xmlns:p14="http://schemas.microsoft.com/office/powerpoint/2010/main" val="2574630864"/>
+      </p:ext>
+    </p:extLst>
+  </p:cSld>
+  <p:clrMapOvr>
+    <a:masterClrMapping/>
+  </p:clrMapOvr>
+  <p:timing>
+    <p:tnLst>
+      <p:par>
+        <p:cTn id="1" dur="indefinite" restart="never" nodeType="tmRoot"/>
+      </p:par>
+    </p:tnLst>
+  </p:timing>
+</p:sld>
+</file>
+
+<file path=ppt/slides/slide39.xml><?xml version="1.0" encoding="utf-8"?>
+<p:sld xmlns:a="http://schemas.openxmlformats.org/drawingml/2006/main" xmlns:r="http://schemas.openxmlformats.org/officeDocument/2006/relationships" xmlns:p="http://schemas.openxmlformats.org/presentationml/2006/main">
+  <p:cSld>
+    <p:spTree>
+      <p:nvGrpSpPr>
+        <p:cNvPr id="1" name=""/>
+        <p:cNvGrpSpPr/>
+        <p:nvPr/>
+      </p:nvGrpSpPr>
+      <p:grpSpPr>
+        <a:xfrm>
+          <a:off x="0" y="0"/>
+          <a:ext cx="0" cy="0"/>
+          <a:chOff x="0" y="0"/>
+          <a:chExt cx="0" cy="0"/>
+        </a:xfrm>
+      </p:grpSpPr>
+      <p:pic>
+        <p:nvPicPr>
+          <p:cNvPr id="2" name="Picture 1"/>
+          <p:cNvPicPr>
+            <a:picLocks noChangeAspect="1"/>
+          </p:cNvPicPr>
+          <p:nvPr/>
+        </p:nvPicPr>
+        <p:blipFill>
+          <a:blip r:embed="rId2"/>
+          <a:stretch>
+            <a:fillRect/>
+          </a:stretch>
+        </p:blipFill>
+        <p:spPr>
+          <a:xfrm>
+            <a:off x="4289818" y="116602"/>
+            <a:ext cx="3685390" cy="6624795"/>
+          </a:xfrm>
+          <a:prstGeom prst="rect">
+            <a:avLst/>
+          </a:prstGeom>
+        </p:spPr>
+      </p:pic>
+    </p:spTree>
+    <p:extLst>
+      <p:ext uri="{BB962C8B-B14F-4D97-AF65-F5344CB8AC3E}">
+        <p14:creationId xmlns:p14="http://schemas.microsoft.com/office/powerpoint/2010/main" val="2682947923"/>
+      </p:ext>
+    </p:extLst>
+  </p:cSld>
+  <p:clrMapOvr>
+    <a:masterClrMapping/>
+  </p:clrMapOvr>
+  <p:timing>
+    <p:tnLst>
+      <p:par>
+        <p:cTn id="1" dur="indefinite" restart="never" nodeType="tmRoot"/>
+      </p:par>
+    </p:tnLst>
+  </p:timing>
+</p:sld>
+</file>
+
+<file path=ppt/slides/slide4.xml><?xml version="1.0" encoding="utf-8"?>
+<p:sld xmlns:a="http://schemas.openxmlformats.org/drawingml/2006/main" xmlns:r="http://schemas.openxmlformats.org/officeDocument/2006/relationships" xmlns:p="http://schemas.openxmlformats.org/presentationml/2006/main">
+  <p:cSld>
+    <p:bg>
+      <p:bgPr>
+        <a:solidFill>
+          <a:srgbClr val="3B6469"/>
+        </a:solidFill>
+        <a:effectLst/>
+      </p:bgPr>
+    </p:bg>
+    <p:spTree>
+      <p:nvGrpSpPr>
+        <p:cNvPr id="1" name=""/>
+        <p:cNvGrpSpPr/>
+        <p:nvPr/>
+      </p:nvGrpSpPr>
+      <p:grpSpPr>
+        <a:xfrm>
+          <a:off x="0" y="0"/>
+          <a:ext cx="0" cy="0"/>
+          <a:chOff x="0" y="0"/>
+          <a:chExt cx="0" cy="0"/>
+        </a:xfrm>
+      </p:grpSpPr>
+      <p:sp>
+        <p:nvSpPr>
+          <p:cNvPr id="4" name="TextBox 3"/>
+          <p:cNvSpPr txBox="1"/>
+          <p:nvPr/>
+        </p:nvSpPr>
+        <p:spPr>
+          <a:xfrm>
+            <a:off x="0" y="3075057"/>
+            <a:ext cx="12192000" cy="707886"/>
+          </a:xfrm>
+          <a:prstGeom prst="rect">
+            <a:avLst/>
+          </a:prstGeom>
+          <a:noFill/>
+        </p:spPr>
+        <p:txBody>
+          <a:bodyPr wrap="square" rtlCol="0" anchor="ctr">
+            <a:spAutoFit/>
+          </a:bodyPr>
+          <a:lstStyle/>
+          <a:p>
+            <a:pPr algn="ctr"/>
+            <a:r>
+              <a:rPr lang="en-ZA" sz="4000" dirty="0" smtClean="0">
+                <a:solidFill>
+                  <a:schemeClr val="bg1"/>
+                </a:solidFill>
+                <a:latin typeface="Myriad Pro" panose="020B0503030403020204" pitchFamily="34" charset="0"/>
+              </a:rPr>
+              <a:t>Why?</a:t>
+            </a:r>
+            <a:endParaRPr lang="en-ZA" sz="4000" dirty="0">
+              <a:solidFill>
+                <a:schemeClr val="bg1"/>
+              </a:solidFill>
+              <a:latin typeface="Myriad Pro" panose="020B0503030403020204" pitchFamily="34" charset="0"/>
+            </a:endParaRPr>
+          </a:p>
+        </p:txBody>
+      </p:sp>
+    </p:spTree>
+    <p:extLst>
+      <p:ext uri="{BB962C8B-B14F-4D97-AF65-F5344CB8AC3E}">
+        <p14:creationId xmlns:p14="http://schemas.microsoft.com/office/powerpoint/2010/main" val="3500482859"/>
+      </p:ext>
+    </p:extLst>
+  </p:cSld>
+  <p:clrMapOvr>
+    <a:masterClrMapping/>
+  </p:clrMapOvr>
+  <p:timing>
+    <p:tnLst>
+      <p:par>
+        <p:cTn id="1" dur="indefinite" restart="never" nodeType="tmRoot"/>
+      </p:par>
+    </p:tnLst>
+  </p:timing>
+</p:sld>
+</file>
+
+<file path=ppt/slides/slide40.xml><?xml version="1.0" encoding="utf-8"?>
+<p:sld xmlns:a="http://schemas.openxmlformats.org/drawingml/2006/main" xmlns:r="http://schemas.openxmlformats.org/officeDocument/2006/relationships" xmlns:p="http://schemas.openxmlformats.org/presentationml/2006/main">
+  <p:cSld>
+    <p:spTree>
+      <p:nvGrpSpPr>
+        <p:cNvPr id="1" name=""/>
+        <p:cNvGrpSpPr/>
+        <p:nvPr/>
+      </p:nvGrpSpPr>
+      <p:grpSpPr>
+        <a:xfrm>
+          <a:off x="0" y="0"/>
+          <a:ext cx="0" cy="0"/>
+          <a:chOff x="0" y="0"/>
+          <a:chExt cx="0" cy="0"/>
+        </a:xfrm>
+      </p:grpSpPr>
+      <p:pic>
+        <p:nvPicPr>
+          <p:cNvPr id="2" name="Picture 1"/>
+          <p:cNvPicPr>
+            <a:picLocks noChangeAspect="1"/>
+          </p:cNvPicPr>
+          <p:nvPr/>
+        </p:nvPicPr>
+        <p:blipFill>
+          <a:blip r:embed="rId2"/>
+          <a:stretch>
+            <a:fillRect/>
+          </a:stretch>
+        </p:blipFill>
+        <p:spPr>
+          <a:xfrm>
+            <a:off x="1786581" y="1852612"/>
+            <a:ext cx="8703406" cy="3252788"/>
+          </a:xfrm>
+          <a:prstGeom prst="rect">
+            <a:avLst/>
+          </a:prstGeom>
+        </p:spPr>
+      </p:pic>
+    </p:spTree>
+    <p:extLst>
+      <p:ext uri="{BB962C8B-B14F-4D97-AF65-F5344CB8AC3E}">
+        <p14:creationId xmlns:p14="http://schemas.microsoft.com/office/powerpoint/2010/main" val="602307690"/>
+      </p:ext>
+    </p:extLst>
+  </p:cSld>
+  <p:clrMapOvr>
+    <a:masterClrMapping/>
+  </p:clrMapOvr>
+  <p:timing>
+    <p:tnLst>
+      <p:par>
+        <p:cTn id="1" dur="indefinite" restart="never" nodeType="tmRoot"/>
+      </p:par>
+    </p:tnLst>
+  </p:timing>
+</p:sld>
+</file>
+
+<file path=ppt/slides/slide41.xml><?xml version="1.0" encoding="utf-8"?>
+<p:sld xmlns:a="http://schemas.openxmlformats.org/drawingml/2006/main" xmlns:r="http://schemas.openxmlformats.org/officeDocument/2006/relationships" xmlns:p="http://schemas.openxmlformats.org/presentationml/2006/main">
+  <p:cSld>
+    <p:spTree>
+      <p:nvGrpSpPr>
+        <p:cNvPr id="1" name=""/>
+        <p:cNvGrpSpPr/>
+        <p:nvPr/>
+      </p:nvGrpSpPr>
+      <p:grpSpPr>
+        <a:xfrm>
+          <a:off x="0" y="0"/>
+          <a:ext cx="0" cy="0"/>
+          <a:chOff x="0" y="0"/>
+          <a:chExt cx="0" cy="0"/>
+        </a:xfrm>
+      </p:grpSpPr>
+      <p:pic>
+        <p:nvPicPr>
+          <p:cNvPr id="2" name="Picture 1"/>
+          <p:cNvPicPr>
+            <a:picLocks noChangeAspect="1"/>
+          </p:cNvPicPr>
+          <p:nvPr/>
+        </p:nvPicPr>
+        <p:blipFill>
+          <a:blip r:embed="rId2"/>
+          <a:stretch>
+            <a:fillRect/>
+          </a:stretch>
+        </p:blipFill>
+        <p:spPr>
+          <a:xfrm>
+            <a:off x="3604506" y="1735931"/>
+            <a:ext cx="5056013" cy="3386137"/>
+          </a:xfrm>
+          <a:prstGeom prst="rect">
+            <a:avLst/>
+          </a:prstGeom>
+        </p:spPr>
+      </p:pic>
+    </p:spTree>
+    <p:extLst>
+      <p:ext uri="{BB962C8B-B14F-4D97-AF65-F5344CB8AC3E}">
+        <p14:creationId xmlns:p14="http://schemas.microsoft.com/office/powerpoint/2010/main" val="1001319533"/>
+      </p:ext>
+    </p:extLst>
+  </p:cSld>
+  <p:clrMapOvr>
+    <a:masterClrMapping/>
+  </p:clrMapOvr>
+  <p:timing>
+    <p:tnLst>
+      <p:par>
+        <p:cTn id="1" dur="indefinite" restart="never" nodeType="tmRoot"/>
+      </p:par>
+    </p:tnLst>
+  </p:timing>
+</p:sld>
+</file>
+
+<file path=ppt/slides/slide42.xml><?xml version="1.0" encoding="utf-8"?>
+<p:sld xmlns:a="http://schemas.openxmlformats.org/drawingml/2006/main" xmlns:r="http://schemas.openxmlformats.org/officeDocument/2006/relationships" xmlns:p="http://schemas.openxmlformats.org/presentationml/2006/main">
+  <p:cSld>
+    <p:bg>
+      <p:bgPr>
+        <a:solidFill>
+          <a:srgbClr val="272822"/>
+        </a:solidFill>
+        <a:effectLst/>
+      </p:bgPr>
+    </p:bg>
+    <p:spTree>
+      <p:nvGrpSpPr>
+        <p:cNvPr id="1" name=""/>
+        <p:cNvGrpSpPr/>
+        <p:nvPr/>
+      </p:nvGrpSpPr>
+      <p:grpSpPr>
+        <a:xfrm>
+          <a:off x="0" y="0"/>
+          <a:ext cx="0" cy="0"/>
+          <a:chOff x="0" y="0"/>
+          <a:chExt cx="0" cy="0"/>
+        </a:xfrm>
+      </p:grpSpPr>
+      <p:pic>
+        <p:nvPicPr>
+          <p:cNvPr id="3" name="Picture 2"/>
+          <p:cNvPicPr>
+            <a:picLocks noChangeAspect="1"/>
+          </p:cNvPicPr>
+          <p:nvPr/>
+        </p:nvPicPr>
+        <p:blipFill>
+          <a:blip r:embed="rId2"/>
+          <a:stretch>
+            <a:fillRect/>
+          </a:stretch>
+        </p:blipFill>
+        <p:spPr>
+          <a:xfrm>
+            <a:off x="762000" y="1990725"/>
+            <a:ext cx="11430000" cy="2876550"/>
           </a:xfrm>
           <a:prstGeom prst="rect">
             <a:avLst/>
@@ -11808,7 +12365,7 @@
 </p:sld>
 </file>
 
-<file path=ppt/slides/slide33.xml><?xml version="1.0" encoding="utf-8"?>
+<file path=ppt/slides/slide43.xml><?xml version="1.0" encoding="utf-8"?>
 <p:sld xmlns:a="http://schemas.openxmlformats.org/drawingml/2006/main" xmlns:r="http://schemas.openxmlformats.org/officeDocument/2006/relationships" xmlns:p="http://schemas.openxmlformats.org/presentationml/2006/main">
   <p:cSld>
     <p:spTree>
@@ -11905,7 +12462,7 @@
 </p:sld>
 </file>
 
-<file path=ppt/slides/slide34.xml><?xml version="1.0" encoding="utf-8"?>
+<file path=ppt/slides/slide44.xml><?xml version="1.0" encoding="utf-8"?>
 <p:sld xmlns:a="http://schemas.openxmlformats.org/drawingml/2006/main" xmlns:r="http://schemas.openxmlformats.org/officeDocument/2006/relationships" xmlns:p="http://schemas.openxmlformats.org/presentationml/2006/main">
   <p:cSld>
     <p:spTree>
@@ -11966,7 +12523,7 @@
 </p:sld>
 </file>
 
-<file path=ppt/slides/slide35.xml><?xml version="1.0" encoding="utf-8"?>
+<file path=ppt/slides/slide45.xml><?xml version="1.0" encoding="utf-8"?>
 <p:sld xmlns:a="http://schemas.openxmlformats.org/drawingml/2006/main" xmlns:r="http://schemas.openxmlformats.org/officeDocument/2006/relationships" xmlns:p="http://schemas.openxmlformats.org/presentationml/2006/main">
   <p:cSld>
     <p:spTree>
@@ -12051,7 +12608,7 @@
 </p:sld>
 </file>
 
-<file path=ppt/slides/slide36.xml><?xml version="1.0" encoding="utf-8"?>
+<file path=ppt/slides/slide46.xml><?xml version="1.0" encoding="utf-8"?>
 <p:sld xmlns:a="http://schemas.openxmlformats.org/drawingml/2006/main" xmlns:r="http://schemas.openxmlformats.org/officeDocument/2006/relationships" xmlns:p="http://schemas.openxmlformats.org/presentationml/2006/main">
   <p:cSld>
     <p:spTree>
@@ -12136,7 +12693,7 @@
 </p:sld>
 </file>
 
-<file path=ppt/slides/slide37.xml><?xml version="1.0" encoding="utf-8"?>
+<file path=ppt/slides/slide47.xml><?xml version="1.0" encoding="utf-8"?>
 <p:sld xmlns:a="http://schemas.openxmlformats.org/drawingml/2006/main" xmlns:r="http://schemas.openxmlformats.org/officeDocument/2006/relationships" xmlns:p="http://schemas.openxmlformats.org/presentationml/2006/main">
   <p:cSld>
     <p:bg>
@@ -12380,92 +12937,6 @@
     <p:extLst>
       <p:ext uri="{BB962C8B-B14F-4D97-AF65-F5344CB8AC3E}">
         <p14:creationId xmlns:p14="http://schemas.microsoft.com/office/powerpoint/2010/main" val="534119831"/>
-      </p:ext>
-    </p:extLst>
-  </p:cSld>
-  <p:clrMapOvr>
-    <a:masterClrMapping/>
-  </p:clrMapOvr>
-  <p:timing>
-    <p:tnLst>
-      <p:par>
-        <p:cTn id="1" dur="indefinite" restart="never" nodeType="tmRoot"/>
-      </p:par>
-    </p:tnLst>
-  </p:timing>
-</p:sld>
-</file>
-
-<file path=ppt/slides/slide4.xml><?xml version="1.0" encoding="utf-8"?>
-<p:sld xmlns:a="http://schemas.openxmlformats.org/drawingml/2006/main" xmlns:r="http://schemas.openxmlformats.org/officeDocument/2006/relationships" xmlns:p="http://schemas.openxmlformats.org/presentationml/2006/main">
-  <p:cSld>
-    <p:bg>
-      <p:bgPr>
-        <a:solidFill>
-          <a:srgbClr val="3B6469"/>
-        </a:solidFill>
-        <a:effectLst/>
-      </p:bgPr>
-    </p:bg>
-    <p:spTree>
-      <p:nvGrpSpPr>
-        <p:cNvPr id="1" name=""/>
-        <p:cNvGrpSpPr/>
-        <p:nvPr/>
-      </p:nvGrpSpPr>
-      <p:grpSpPr>
-        <a:xfrm>
-          <a:off x="0" y="0"/>
-          <a:ext cx="0" cy="0"/>
-          <a:chOff x="0" y="0"/>
-          <a:chExt cx="0" cy="0"/>
-        </a:xfrm>
-      </p:grpSpPr>
-      <p:sp>
-        <p:nvSpPr>
-          <p:cNvPr id="4" name="TextBox 3"/>
-          <p:cNvSpPr txBox="1"/>
-          <p:nvPr/>
-        </p:nvSpPr>
-        <p:spPr>
-          <a:xfrm>
-            <a:off x="0" y="3075057"/>
-            <a:ext cx="12192000" cy="707886"/>
-          </a:xfrm>
-          <a:prstGeom prst="rect">
-            <a:avLst/>
-          </a:prstGeom>
-          <a:noFill/>
-        </p:spPr>
-        <p:txBody>
-          <a:bodyPr wrap="square" rtlCol="0" anchor="ctr">
-            <a:spAutoFit/>
-          </a:bodyPr>
-          <a:lstStyle/>
-          <a:p>
-            <a:pPr algn="ctr"/>
-            <a:r>
-              <a:rPr lang="en-ZA" sz="4000" dirty="0" smtClean="0">
-                <a:solidFill>
-                  <a:schemeClr val="bg1"/>
-                </a:solidFill>
-                <a:latin typeface="Myriad Pro" panose="020B0503030403020204" pitchFamily="34" charset="0"/>
-              </a:rPr>
-              <a:t>Why?</a:t>
-            </a:r>
-            <a:endParaRPr lang="en-ZA" sz="4000" dirty="0">
-              <a:solidFill>
-                <a:schemeClr val="bg1"/>
-              </a:solidFill>
-              <a:latin typeface="Myriad Pro" panose="020B0503030403020204" pitchFamily="34" charset="0"/>
-            </a:endParaRPr>
-          </a:p>
-        </p:txBody>
-      </p:sp>
-    </p:spTree>
-    <p:extLst>
-      <p:ext uri="{BB962C8B-B14F-4D97-AF65-F5344CB8AC3E}">
-        <p14:creationId xmlns:p14="http://schemas.microsoft.com/office/powerpoint/2010/main" val="3500482859"/>
       </p:ext>
     </p:extLst>
   </p:cSld>

--- a/jsinsa ChatopsV10.pptx
+++ b/jsinsa ChatopsV10.pptx
@@ -50,10 +50,10 @@
     <p:sldId id="305" r:id="rId41"/>
     <p:sldId id="306" r:id="rId42"/>
     <p:sldId id="286" r:id="rId43"/>
-    <p:sldId id="287" r:id="rId44"/>
-    <p:sldId id="288" r:id="rId45"/>
-    <p:sldId id="289" r:id="rId46"/>
-    <p:sldId id="290" r:id="rId47"/>
+    <p:sldId id="310" r:id="rId44"/>
+    <p:sldId id="308" r:id="rId45"/>
+    <p:sldId id="287" r:id="rId46"/>
+    <p:sldId id="288" r:id="rId47"/>
     <p:sldId id="292" r:id="rId48"/>
   </p:sldIdLst>
   <p:sldSz cx="12192000" cy="6858000"/>
@@ -3137,7 +3137,7 @@
           <a:p>
             <a:fld id="{95E9F09B-B73F-41E8-9F34-ADBE2E9CAE31}" type="slidenum">
               <a:rPr lang="en-ZA" smtClean="0"/>
-              <a:t>43</a:t>
+              <a:t>45</a:t>
             </a:fld>
             <a:endParaRPr lang="en-ZA"/>
           </a:p>
@@ -3333,7 +3333,7 @@
           <a:p>
             <a:fld id="{95E9F09B-B73F-41E8-9F34-ADBE2E9CAE31}" type="slidenum">
               <a:rPr lang="en-ZA" smtClean="0"/>
-              <a:t>44</a:t>
+              <a:t>46</a:t>
             </a:fld>
             <a:endParaRPr lang="en-ZA"/>
           </a:p>
@@ -12384,6 +12384,750 @@
       </p:grpSpPr>
       <p:pic>
         <p:nvPicPr>
+          <p:cNvPr id="6" name="Picture 5"/>
+          <p:cNvPicPr>
+            <a:picLocks noChangeAspect="1"/>
+          </p:cNvPicPr>
+          <p:nvPr/>
+        </p:nvPicPr>
+        <p:blipFill>
+          <a:blip r:embed="rId2"/>
+          <a:stretch>
+            <a:fillRect/>
+          </a:stretch>
+        </p:blipFill>
+        <p:spPr>
+          <a:xfrm>
+            <a:off x="1658087" y="558226"/>
+            <a:ext cx="5980226" cy="1238761"/>
+          </a:xfrm>
+          <a:prstGeom prst="rect">
+            <a:avLst/>
+          </a:prstGeom>
+        </p:spPr>
+      </p:pic>
+      <p:pic>
+        <p:nvPicPr>
+          <p:cNvPr id="2" name="Picture 1"/>
+          <p:cNvPicPr>
+            <a:picLocks noChangeAspect="1"/>
+          </p:cNvPicPr>
+          <p:nvPr/>
+        </p:nvPicPr>
+        <p:blipFill>
+          <a:blip r:embed="rId3"/>
+          <a:stretch>
+            <a:fillRect/>
+          </a:stretch>
+        </p:blipFill>
+        <p:spPr>
+          <a:xfrm>
+            <a:off x="1544524" y="1737408"/>
+            <a:ext cx="3141776" cy="806672"/>
+          </a:xfrm>
+          <a:prstGeom prst="rect">
+            <a:avLst/>
+          </a:prstGeom>
+        </p:spPr>
+      </p:pic>
+      <p:pic>
+        <p:nvPicPr>
+          <p:cNvPr id="3" name="Picture 2"/>
+          <p:cNvPicPr>
+            <a:picLocks noChangeAspect="1"/>
+          </p:cNvPicPr>
+          <p:nvPr/>
+        </p:nvPicPr>
+        <p:blipFill>
+          <a:blip r:embed="rId4"/>
+          <a:stretch>
+            <a:fillRect/>
+          </a:stretch>
+        </p:blipFill>
+        <p:spPr>
+          <a:xfrm>
+            <a:off x="1544524" y="2616137"/>
+            <a:ext cx="3484676" cy="755713"/>
+          </a:xfrm>
+          <a:prstGeom prst="rect">
+            <a:avLst/>
+          </a:prstGeom>
+        </p:spPr>
+      </p:pic>
+      <p:pic>
+        <p:nvPicPr>
+          <p:cNvPr id="4" name="Picture 3"/>
+          <p:cNvPicPr>
+            <a:picLocks noChangeAspect="1"/>
+          </p:cNvPicPr>
+          <p:nvPr/>
+        </p:nvPicPr>
+        <p:blipFill>
+          <a:blip r:embed="rId5"/>
+          <a:stretch>
+            <a:fillRect/>
+          </a:stretch>
+        </p:blipFill>
+        <p:spPr>
+          <a:xfrm>
+            <a:off x="1582624" y="3474244"/>
+            <a:ext cx="6538571" cy="1535906"/>
+          </a:xfrm>
+          <a:prstGeom prst="rect">
+            <a:avLst/>
+          </a:prstGeom>
+        </p:spPr>
+      </p:pic>
+      <p:pic>
+        <p:nvPicPr>
+          <p:cNvPr id="5" name="Picture 4"/>
+          <p:cNvPicPr>
+            <a:picLocks noChangeAspect="1"/>
+          </p:cNvPicPr>
+          <p:nvPr/>
+        </p:nvPicPr>
+        <p:blipFill>
+          <a:blip r:embed="rId6"/>
+          <a:stretch>
+            <a:fillRect/>
+          </a:stretch>
+        </p:blipFill>
+        <p:spPr>
+          <a:xfrm>
+            <a:off x="1544524" y="5010150"/>
+            <a:ext cx="10280877" cy="1314450"/>
+          </a:xfrm>
+          <a:prstGeom prst="rect">
+            <a:avLst/>
+          </a:prstGeom>
+        </p:spPr>
+      </p:pic>
+    </p:spTree>
+    <p:extLst>
+      <p:ext uri="{BB962C8B-B14F-4D97-AF65-F5344CB8AC3E}">
+        <p14:creationId xmlns:p14="http://schemas.microsoft.com/office/powerpoint/2010/main" val="352852900"/>
+      </p:ext>
+    </p:extLst>
+  </p:cSld>
+  <p:clrMapOvr>
+    <a:masterClrMapping/>
+  </p:clrMapOvr>
+  <p:timing>
+    <p:tnLst>
+      <p:par>
+        <p:cTn id="1" dur="indefinite" restart="never" nodeType="tmRoot">
+          <p:childTnLst>
+            <p:seq concurrent="1" nextAc="seek">
+              <p:cTn id="2" dur="indefinite" nodeType="mainSeq">
+                <p:childTnLst>
+                  <p:par>
+                    <p:cTn id="3" fill="hold">
+                      <p:stCondLst>
+                        <p:cond delay="indefinite"/>
+                      </p:stCondLst>
+                      <p:childTnLst>
+                        <p:par>
+                          <p:cTn id="4" fill="hold">
+                            <p:stCondLst>
+                              <p:cond delay="0"/>
+                            </p:stCondLst>
+                            <p:childTnLst>
+                              <p:par>
+                                <p:cTn id="5" presetID="1" presetClass="entr" presetSubtype="0" fill="hold" nodeType="clickEffect">
+                                  <p:stCondLst>
+                                    <p:cond delay="0"/>
+                                  </p:stCondLst>
+                                  <p:childTnLst>
+                                    <p:set>
+                                      <p:cBhvr>
+                                        <p:cTn id="6" dur="1" fill="hold">
+                                          <p:stCondLst>
+                                            <p:cond delay="0"/>
+                                          </p:stCondLst>
+                                        </p:cTn>
+                                        <p:tgtEl>
+                                          <p:spTgt spid="6"/>
+                                        </p:tgtEl>
+                                        <p:attrNameLst>
+                                          <p:attrName>style.visibility</p:attrName>
+                                        </p:attrNameLst>
+                                      </p:cBhvr>
+                                      <p:to>
+                                        <p:strVal val="visible"/>
+                                      </p:to>
+                                    </p:set>
+                                  </p:childTnLst>
+                                </p:cTn>
+                              </p:par>
+                            </p:childTnLst>
+                          </p:cTn>
+                        </p:par>
+                      </p:childTnLst>
+                    </p:cTn>
+                  </p:par>
+                  <p:par>
+                    <p:cTn id="7" fill="hold">
+                      <p:stCondLst>
+                        <p:cond delay="indefinite"/>
+                      </p:stCondLst>
+                      <p:childTnLst>
+                        <p:par>
+                          <p:cTn id="8" fill="hold">
+                            <p:stCondLst>
+                              <p:cond delay="0"/>
+                            </p:stCondLst>
+                            <p:childTnLst>
+                              <p:par>
+                                <p:cTn id="9" presetID="1" presetClass="entr" presetSubtype="0" fill="hold" nodeType="clickEffect">
+                                  <p:stCondLst>
+                                    <p:cond delay="0"/>
+                                  </p:stCondLst>
+                                  <p:childTnLst>
+                                    <p:set>
+                                      <p:cBhvr>
+                                        <p:cTn id="10" dur="1" fill="hold">
+                                          <p:stCondLst>
+                                            <p:cond delay="0"/>
+                                          </p:stCondLst>
+                                        </p:cTn>
+                                        <p:tgtEl>
+                                          <p:spTgt spid="2"/>
+                                        </p:tgtEl>
+                                        <p:attrNameLst>
+                                          <p:attrName>style.visibility</p:attrName>
+                                        </p:attrNameLst>
+                                      </p:cBhvr>
+                                      <p:to>
+                                        <p:strVal val="visible"/>
+                                      </p:to>
+                                    </p:set>
+                                  </p:childTnLst>
+                                </p:cTn>
+                              </p:par>
+                            </p:childTnLst>
+                          </p:cTn>
+                        </p:par>
+                      </p:childTnLst>
+                    </p:cTn>
+                  </p:par>
+                  <p:par>
+                    <p:cTn id="11" fill="hold">
+                      <p:stCondLst>
+                        <p:cond delay="indefinite"/>
+                      </p:stCondLst>
+                      <p:childTnLst>
+                        <p:par>
+                          <p:cTn id="12" fill="hold">
+                            <p:stCondLst>
+                              <p:cond delay="0"/>
+                            </p:stCondLst>
+                            <p:childTnLst>
+                              <p:par>
+                                <p:cTn id="13" presetID="1" presetClass="entr" presetSubtype="0" fill="hold" nodeType="clickEffect">
+                                  <p:stCondLst>
+                                    <p:cond delay="0"/>
+                                  </p:stCondLst>
+                                  <p:childTnLst>
+                                    <p:set>
+                                      <p:cBhvr>
+                                        <p:cTn id="14" dur="1" fill="hold">
+                                          <p:stCondLst>
+                                            <p:cond delay="0"/>
+                                          </p:stCondLst>
+                                        </p:cTn>
+                                        <p:tgtEl>
+                                          <p:spTgt spid="3"/>
+                                        </p:tgtEl>
+                                        <p:attrNameLst>
+                                          <p:attrName>style.visibility</p:attrName>
+                                        </p:attrNameLst>
+                                      </p:cBhvr>
+                                      <p:to>
+                                        <p:strVal val="visible"/>
+                                      </p:to>
+                                    </p:set>
+                                  </p:childTnLst>
+                                </p:cTn>
+                              </p:par>
+                            </p:childTnLst>
+                          </p:cTn>
+                        </p:par>
+                      </p:childTnLst>
+                    </p:cTn>
+                  </p:par>
+                  <p:par>
+                    <p:cTn id="15" fill="hold">
+                      <p:stCondLst>
+                        <p:cond delay="indefinite"/>
+                      </p:stCondLst>
+                      <p:childTnLst>
+                        <p:par>
+                          <p:cTn id="16" fill="hold">
+                            <p:stCondLst>
+                              <p:cond delay="0"/>
+                            </p:stCondLst>
+                            <p:childTnLst>
+                              <p:par>
+                                <p:cTn id="17" presetID="1" presetClass="entr" presetSubtype="0" fill="hold" nodeType="clickEffect">
+                                  <p:stCondLst>
+                                    <p:cond delay="0"/>
+                                  </p:stCondLst>
+                                  <p:childTnLst>
+                                    <p:set>
+                                      <p:cBhvr>
+                                        <p:cTn id="18" dur="1" fill="hold">
+                                          <p:stCondLst>
+                                            <p:cond delay="0"/>
+                                          </p:stCondLst>
+                                        </p:cTn>
+                                        <p:tgtEl>
+                                          <p:spTgt spid="4"/>
+                                        </p:tgtEl>
+                                        <p:attrNameLst>
+                                          <p:attrName>style.visibility</p:attrName>
+                                        </p:attrNameLst>
+                                      </p:cBhvr>
+                                      <p:to>
+                                        <p:strVal val="visible"/>
+                                      </p:to>
+                                    </p:set>
+                                  </p:childTnLst>
+                                </p:cTn>
+                              </p:par>
+                            </p:childTnLst>
+                          </p:cTn>
+                        </p:par>
+                      </p:childTnLst>
+                    </p:cTn>
+                  </p:par>
+                  <p:par>
+                    <p:cTn id="19" fill="hold">
+                      <p:stCondLst>
+                        <p:cond delay="indefinite"/>
+                      </p:stCondLst>
+                      <p:childTnLst>
+                        <p:par>
+                          <p:cTn id="20" fill="hold">
+                            <p:stCondLst>
+                              <p:cond delay="0"/>
+                            </p:stCondLst>
+                            <p:childTnLst>
+                              <p:par>
+                                <p:cTn id="21" presetID="1" presetClass="entr" presetSubtype="0" fill="hold" nodeType="clickEffect">
+                                  <p:stCondLst>
+                                    <p:cond delay="0"/>
+                                  </p:stCondLst>
+                                  <p:childTnLst>
+                                    <p:set>
+                                      <p:cBhvr>
+                                        <p:cTn id="22" dur="1" fill="hold">
+                                          <p:stCondLst>
+                                            <p:cond delay="0"/>
+                                          </p:stCondLst>
+                                        </p:cTn>
+                                        <p:tgtEl>
+                                          <p:spTgt spid="5"/>
+                                        </p:tgtEl>
+                                        <p:attrNameLst>
+                                          <p:attrName>style.visibility</p:attrName>
+                                        </p:attrNameLst>
+                                      </p:cBhvr>
+                                      <p:to>
+                                        <p:strVal val="visible"/>
+                                      </p:to>
+                                    </p:set>
+                                  </p:childTnLst>
+                                </p:cTn>
+                              </p:par>
+                            </p:childTnLst>
+                          </p:cTn>
+                        </p:par>
+                      </p:childTnLst>
+                    </p:cTn>
+                  </p:par>
+                </p:childTnLst>
+              </p:cTn>
+              <p:prevCondLst>
+                <p:cond evt="onPrev" delay="0">
+                  <p:tgtEl>
+                    <p:sldTgt/>
+                  </p:tgtEl>
+                </p:cond>
+              </p:prevCondLst>
+              <p:nextCondLst>
+                <p:cond evt="onNext" delay="0">
+                  <p:tgtEl>
+                    <p:sldTgt/>
+                  </p:tgtEl>
+                </p:cond>
+              </p:nextCondLst>
+            </p:seq>
+          </p:childTnLst>
+        </p:cTn>
+      </p:par>
+    </p:tnLst>
+  </p:timing>
+</p:sld>
+</file>
+
+<file path=ppt/slides/slide44.xml><?xml version="1.0" encoding="utf-8"?>
+<p:sld xmlns:a="http://schemas.openxmlformats.org/drawingml/2006/main" xmlns:r="http://schemas.openxmlformats.org/officeDocument/2006/relationships" xmlns:p="http://schemas.openxmlformats.org/presentationml/2006/main">
+  <p:cSld>
+    <p:spTree>
+      <p:nvGrpSpPr>
+        <p:cNvPr id="1" name=""/>
+        <p:cNvGrpSpPr/>
+        <p:nvPr/>
+      </p:nvGrpSpPr>
+      <p:grpSpPr>
+        <a:xfrm>
+          <a:off x="0" y="0"/>
+          <a:ext cx="0" cy="0"/>
+          <a:chOff x="0" y="0"/>
+          <a:chExt cx="0" cy="0"/>
+        </a:xfrm>
+      </p:grpSpPr>
+      <p:pic>
+        <p:nvPicPr>
+          <p:cNvPr id="4" name="Picture 3"/>
+          <p:cNvPicPr>
+            <a:picLocks noChangeAspect="1"/>
+          </p:cNvPicPr>
+          <p:nvPr/>
+        </p:nvPicPr>
+        <p:blipFill>
+          <a:blip r:embed="rId2"/>
+          <a:stretch>
+            <a:fillRect/>
+          </a:stretch>
+        </p:blipFill>
+        <p:spPr>
+          <a:xfrm>
+            <a:off x="2622072" y="566736"/>
+            <a:ext cx="3510441" cy="900113"/>
+          </a:xfrm>
+          <a:prstGeom prst="rect">
+            <a:avLst/>
+          </a:prstGeom>
+        </p:spPr>
+      </p:pic>
+      <p:pic>
+        <p:nvPicPr>
+          <p:cNvPr id="5" name="Picture 4"/>
+          <p:cNvPicPr>
+            <a:picLocks noChangeAspect="1"/>
+          </p:cNvPicPr>
+          <p:nvPr/>
+        </p:nvPicPr>
+        <p:blipFill>
+          <a:blip r:embed="rId3"/>
+          <a:stretch>
+            <a:fillRect/>
+          </a:stretch>
+        </p:blipFill>
+        <p:spPr>
+          <a:xfrm>
+            <a:off x="2660172" y="1466849"/>
+            <a:ext cx="8311756" cy="2228851"/>
+          </a:xfrm>
+          <a:prstGeom prst="rect">
+            <a:avLst/>
+          </a:prstGeom>
+        </p:spPr>
+      </p:pic>
+      <p:pic>
+        <p:nvPicPr>
+          <p:cNvPr id="6" name="Picture 5"/>
+          <p:cNvPicPr>
+            <a:picLocks noChangeAspect="1"/>
+          </p:cNvPicPr>
+          <p:nvPr/>
+        </p:nvPicPr>
+        <p:blipFill>
+          <a:blip r:embed="rId4"/>
+          <a:stretch>
+            <a:fillRect/>
+          </a:stretch>
+        </p:blipFill>
+        <p:spPr>
+          <a:xfrm>
+            <a:off x="2622072" y="3657600"/>
+            <a:ext cx="5188428" cy="999605"/>
+          </a:xfrm>
+          <a:prstGeom prst="rect">
+            <a:avLst/>
+          </a:prstGeom>
+        </p:spPr>
+      </p:pic>
+      <p:pic>
+        <p:nvPicPr>
+          <p:cNvPr id="7" name="Picture 6"/>
+          <p:cNvPicPr>
+            <a:picLocks noChangeAspect="1"/>
+          </p:cNvPicPr>
+          <p:nvPr/>
+        </p:nvPicPr>
+        <p:blipFill>
+          <a:blip r:embed="rId5"/>
+          <a:stretch>
+            <a:fillRect/>
+          </a:stretch>
+        </p:blipFill>
+        <p:spPr>
+          <a:xfrm>
+            <a:off x="2622072" y="4839179"/>
+            <a:ext cx="7535852" cy="846725"/>
+          </a:xfrm>
+          <a:prstGeom prst="rect">
+            <a:avLst/>
+          </a:prstGeom>
+        </p:spPr>
+      </p:pic>
+    </p:spTree>
+    <p:extLst>
+      <p:ext uri="{BB962C8B-B14F-4D97-AF65-F5344CB8AC3E}">
+        <p14:creationId xmlns:p14="http://schemas.microsoft.com/office/powerpoint/2010/main" val="262313488"/>
+      </p:ext>
+    </p:extLst>
+  </p:cSld>
+  <p:clrMapOvr>
+    <a:masterClrMapping/>
+  </p:clrMapOvr>
+  <p:timing>
+    <p:tnLst>
+      <p:par>
+        <p:cTn id="1" dur="indefinite" restart="never" nodeType="tmRoot">
+          <p:childTnLst>
+            <p:seq concurrent="1" nextAc="seek">
+              <p:cTn id="2" dur="indefinite" nodeType="mainSeq">
+                <p:childTnLst>
+                  <p:par>
+                    <p:cTn id="3" fill="hold">
+                      <p:stCondLst>
+                        <p:cond delay="indefinite"/>
+                        <p:cond evt="onBegin" delay="0">
+                          <p:tn val="2"/>
+                        </p:cond>
+                      </p:stCondLst>
+                      <p:childTnLst>
+                        <p:par>
+                          <p:cTn id="4" fill="hold">
+                            <p:stCondLst>
+                              <p:cond delay="0"/>
+                            </p:stCondLst>
+                            <p:childTnLst>
+                              <p:par>
+                                <p:cTn id="5" presetID="1" presetClass="entr" presetSubtype="0" fill="hold" nodeType="withEffect">
+                                  <p:stCondLst>
+                                    <p:cond delay="0"/>
+                                  </p:stCondLst>
+                                  <p:childTnLst>
+                                    <p:set>
+                                      <p:cBhvr>
+                                        <p:cTn id="6" dur="1" fill="hold">
+                                          <p:stCondLst>
+                                            <p:cond delay="0"/>
+                                          </p:stCondLst>
+                                        </p:cTn>
+                                        <p:tgtEl>
+                                          <p:spTgt spid="4"/>
+                                        </p:tgtEl>
+                                        <p:attrNameLst>
+                                          <p:attrName>style.visibility</p:attrName>
+                                        </p:attrNameLst>
+                                      </p:cBhvr>
+                                      <p:to>
+                                        <p:strVal val="visible"/>
+                                      </p:to>
+                                    </p:set>
+                                  </p:childTnLst>
+                                </p:cTn>
+                              </p:par>
+                            </p:childTnLst>
+                          </p:cTn>
+                        </p:par>
+                      </p:childTnLst>
+                    </p:cTn>
+                  </p:par>
+                  <p:par>
+                    <p:cTn id="7" fill="hold">
+                      <p:stCondLst>
+                        <p:cond delay="indefinite"/>
+                      </p:stCondLst>
+                      <p:childTnLst>
+                        <p:par>
+                          <p:cTn id="8" fill="hold">
+                            <p:stCondLst>
+                              <p:cond delay="0"/>
+                            </p:stCondLst>
+                            <p:childTnLst>
+                              <p:par>
+                                <p:cTn id="9" presetID="1" presetClass="entr" presetSubtype="0" fill="hold" nodeType="clickEffect">
+                                  <p:stCondLst>
+                                    <p:cond delay="0"/>
+                                  </p:stCondLst>
+                                  <p:childTnLst>
+                                    <p:set>
+                                      <p:cBhvr>
+                                        <p:cTn id="10" dur="1" fill="hold">
+                                          <p:stCondLst>
+                                            <p:cond delay="0"/>
+                                          </p:stCondLst>
+                                        </p:cTn>
+                                        <p:tgtEl>
+                                          <p:spTgt spid="5"/>
+                                        </p:tgtEl>
+                                        <p:attrNameLst>
+                                          <p:attrName>style.visibility</p:attrName>
+                                        </p:attrNameLst>
+                                      </p:cBhvr>
+                                      <p:to>
+                                        <p:strVal val="visible"/>
+                                      </p:to>
+                                    </p:set>
+                                  </p:childTnLst>
+                                </p:cTn>
+                              </p:par>
+                            </p:childTnLst>
+                          </p:cTn>
+                        </p:par>
+                      </p:childTnLst>
+                    </p:cTn>
+                  </p:par>
+                  <p:par>
+                    <p:cTn id="11" fill="hold">
+                      <p:stCondLst>
+                        <p:cond delay="indefinite"/>
+                      </p:stCondLst>
+                      <p:childTnLst>
+                        <p:par>
+                          <p:cTn id="12" fill="hold">
+                            <p:stCondLst>
+                              <p:cond delay="0"/>
+                            </p:stCondLst>
+                            <p:childTnLst>
+                              <p:par>
+                                <p:cTn id="13" presetID="1" presetClass="entr" presetSubtype="0" fill="hold" nodeType="clickEffect">
+                                  <p:stCondLst>
+                                    <p:cond delay="0"/>
+                                  </p:stCondLst>
+                                  <p:childTnLst>
+                                    <p:set>
+                                      <p:cBhvr>
+                                        <p:cTn id="14" dur="1" fill="hold">
+                                          <p:stCondLst>
+                                            <p:cond delay="0"/>
+                                          </p:stCondLst>
+                                        </p:cTn>
+                                        <p:tgtEl>
+                                          <p:spTgt spid="6"/>
+                                        </p:tgtEl>
+                                        <p:attrNameLst>
+                                          <p:attrName>style.visibility</p:attrName>
+                                        </p:attrNameLst>
+                                      </p:cBhvr>
+                                      <p:to>
+                                        <p:strVal val="visible"/>
+                                      </p:to>
+                                    </p:set>
+                                  </p:childTnLst>
+                                </p:cTn>
+                              </p:par>
+                            </p:childTnLst>
+                          </p:cTn>
+                        </p:par>
+                      </p:childTnLst>
+                    </p:cTn>
+                  </p:par>
+                  <p:par>
+                    <p:cTn id="15" fill="hold">
+                      <p:stCondLst>
+                        <p:cond delay="indefinite"/>
+                      </p:stCondLst>
+                      <p:childTnLst>
+                        <p:par>
+                          <p:cTn id="16" fill="hold">
+                            <p:stCondLst>
+                              <p:cond delay="0"/>
+                            </p:stCondLst>
+                            <p:childTnLst>
+                              <p:par>
+                                <p:cTn id="17" presetID="1" presetClass="entr" presetSubtype="0" fill="hold" nodeType="clickEffect">
+                                  <p:stCondLst>
+                                    <p:cond delay="0"/>
+                                  </p:stCondLst>
+                                  <p:childTnLst>
+                                    <p:set>
+                                      <p:cBhvr>
+                                        <p:cTn id="18" dur="1" fill="hold">
+                                          <p:stCondLst>
+                                            <p:cond delay="0"/>
+                                          </p:stCondLst>
+                                        </p:cTn>
+                                        <p:tgtEl>
+                                          <p:spTgt spid="7"/>
+                                        </p:tgtEl>
+                                        <p:attrNameLst>
+                                          <p:attrName>style.visibility</p:attrName>
+                                        </p:attrNameLst>
+                                      </p:cBhvr>
+                                      <p:to>
+                                        <p:strVal val="visible"/>
+                                      </p:to>
+                                    </p:set>
+                                  </p:childTnLst>
+                                </p:cTn>
+                              </p:par>
+                            </p:childTnLst>
+                          </p:cTn>
+                        </p:par>
+                      </p:childTnLst>
+                    </p:cTn>
+                  </p:par>
+                </p:childTnLst>
+              </p:cTn>
+              <p:prevCondLst>
+                <p:cond evt="onPrev" delay="0">
+                  <p:tgtEl>
+                    <p:sldTgt/>
+                  </p:tgtEl>
+                </p:cond>
+              </p:prevCondLst>
+              <p:nextCondLst>
+                <p:cond evt="onNext" delay="0">
+                  <p:tgtEl>
+                    <p:sldTgt/>
+                  </p:tgtEl>
+                </p:cond>
+              </p:nextCondLst>
+            </p:seq>
+          </p:childTnLst>
+        </p:cTn>
+      </p:par>
+    </p:tnLst>
+  </p:timing>
+</p:sld>
+</file>
+
+<file path=ppt/slides/slide45.xml><?xml version="1.0" encoding="utf-8"?>
+<p:sld xmlns:a="http://schemas.openxmlformats.org/drawingml/2006/main" xmlns:r="http://schemas.openxmlformats.org/officeDocument/2006/relationships" xmlns:p="http://schemas.openxmlformats.org/presentationml/2006/main">
+  <p:cSld>
+    <p:spTree>
+      <p:nvGrpSpPr>
+        <p:cNvPr id="1" name=""/>
+        <p:cNvGrpSpPr/>
+        <p:nvPr/>
+      </p:nvGrpSpPr>
+      <p:grpSpPr>
+        <a:xfrm>
+          <a:off x="0" y="0"/>
+          <a:ext cx="0" cy="0"/>
+          <a:chOff x="0" y="0"/>
+          <a:chExt cx="0" cy="0"/>
+        </a:xfrm>
+      </p:grpSpPr>
+      <p:pic>
+        <p:nvPicPr>
           <p:cNvPr id="3" name="Picture 2"/>
           <p:cNvPicPr>
             <a:picLocks noChangeAspect="1"/>
@@ -12462,7 +13206,7 @@
 </p:sld>
 </file>
 
-<file path=ppt/slides/slide44.xml><?xml version="1.0" encoding="utf-8"?>
+<file path=ppt/slides/slide46.xml><?xml version="1.0" encoding="utf-8"?>
 <p:sld xmlns:a="http://schemas.openxmlformats.org/drawingml/2006/main" xmlns:r="http://schemas.openxmlformats.org/officeDocument/2006/relationships" xmlns:p="http://schemas.openxmlformats.org/presentationml/2006/main">
   <p:cSld>
     <p:spTree>
@@ -12507,176 +13251,6 @@
     <p:extLst>
       <p:ext uri="{BB962C8B-B14F-4D97-AF65-F5344CB8AC3E}">
         <p14:creationId xmlns:p14="http://schemas.microsoft.com/office/powerpoint/2010/main" val="928613448"/>
-      </p:ext>
-    </p:extLst>
-  </p:cSld>
-  <p:clrMapOvr>
-    <a:masterClrMapping/>
-  </p:clrMapOvr>
-  <p:timing>
-    <p:tnLst>
-      <p:par>
-        <p:cTn id="1" dur="indefinite" restart="never" nodeType="tmRoot"/>
-      </p:par>
-    </p:tnLst>
-  </p:timing>
-</p:sld>
-</file>
-
-<file path=ppt/slides/slide45.xml><?xml version="1.0" encoding="utf-8"?>
-<p:sld xmlns:a="http://schemas.openxmlformats.org/drawingml/2006/main" xmlns:r="http://schemas.openxmlformats.org/officeDocument/2006/relationships" xmlns:p="http://schemas.openxmlformats.org/presentationml/2006/main">
-  <p:cSld>
-    <p:spTree>
-      <p:nvGrpSpPr>
-        <p:cNvPr id="1" name=""/>
-        <p:cNvGrpSpPr/>
-        <p:nvPr/>
-      </p:nvGrpSpPr>
-      <p:grpSpPr>
-        <a:xfrm>
-          <a:off x="0" y="0"/>
-          <a:ext cx="0" cy="0"/>
-          <a:chOff x="0" y="0"/>
-          <a:chExt cx="0" cy="0"/>
-        </a:xfrm>
-      </p:grpSpPr>
-      <p:pic>
-        <p:nvPicPr>
-          <p:cNvPr id="2" name="Picture 1"/>
-          <p:cNvPicPr>
-            <a:picLocks noChangeAspect="1"/>
-          </p:cNvPicPr>
-          <p:nvPr/>
-        </p:nvPicPr>
-        <p:blipFill>
-          <a:blip r:embed="rId2"/>
-          <a:stretch>
-            <a:fillRect/>
-          </a:stretch>
-        </p:blipFill>
-        <p:spPr>
-          <a:xfrm>
-            <a:off x="1434557" y="195409"/>
-            <a:ext cx="9322886" cy="2210167"/>
-          </a:xfrm>
-          <a:prstGeom prst="rect">
-            <a:avLst/>
-          </a:prstGeom>
-        </p:spPr>
-      </p:pic>
-      <p:pic>
-        <p:nvPicPr>
-          <p:cNvPr id="3" name="Picture 2"/>
-          <p:cNvPicPr>
-            <a:picLocks noChangeAspect="1"/>
-          </p:cNvPicPr>
-          <p:nvPr/>
-        </p:nvPicPr>
-        <p:blipFill>
-          <a:blip r:embed="rId3"/>
-          <a:stretch>
-            <a:fillRect/>
-          </a:stretch>
-        </p:blipFill>
-        <p:spPr>
-          <a:xfrm>
-            <a:off x="1336081" y="2405576"/>
-            <a:ext cx="8075203" cy="3154376"/>
-          </a:xfrm>
-          <a:prstGeom prst="rect">
-            <a:avLst/>
-          </a:prstGeom>
-        </p:spPr>
-      </p:pic>
-    </p:spTree>
-    <p:extLst>
-      <p:ext uri="{BB962C8B-B14F-4D97-AF65-F5344CB8AC3E}">
-        <p14:creationId xmlns:p14="http://schemas.microsoft.com/office/powerpoint/2010/main" val="3789334430"/>
-      </p:ext>
-    </p:extLst>
-  </p:cSld>
-  <p:clrMapOvr>
-    <a:masterClrMapping/>
-  </p:clrMapOvr>
-  <p:timing>
-    <p:tnLst>
-      <p:par>
-        <p:cTn id="1" dur="indefinite" restart="never" nodeType="tmRoot"/>
-      </p:par>
-    </p:tnLst>
-  </p:timing>
-</p:sld>
-</file>
-
-<file path=ppt/slides/slide46.xml><?xml version="1.0" encoding="utf-8"?>
-<p:sld xmlns:a="http://schemas.openxmlformats.org/drawingml/2006/main" xmlns:r="http://schemas.openxmlformats.org/officeDocument/2006/relationships" xmlns:p="http://schemas.openxmlformats.org/presentationml/2006/main">
-  <p:cSld>
-    <p:spTree>
-      <p:nvGrpSpPr>
-        <p:cNvPr id="1" name=""/>
-        <p:cNvGrpSpPr/>
-        <p:nvPr/>
-      </p:nvGrpSpPr>
-      <p:grpSpPr>
-        <a:xfrm>
-          <a:off x="0" y="0"/>
-          <a:ext cx="0" cy="0"/>
-          <a:chOff x="0" y="0"/>
-          <a:chExt cx="0" cy="0"/>
-        </a:xfrm>
-      </p:grpSpPr>
-      <p:pic>
-        <p:nvPicPr>
-          <p:cNvPr id="2" name="Picture 1"/>
-          <p:cNvPicPr>
-            <a:picLocks noChangeAspect="1"/>
-          </p:cNvPicPr>
-          <p:nvPr/>
-        </p:nvPicPr>
-        <p:blipFill>
-          <a:blip r:embed="rId2"/>
-          <a:stretch>
-            <a:fillRect/>
-          </a:stretch>
-        </p:blipFill>
-        <p:spPr>
-          <a:xfrm>
-            <a:off x="1605548" y="349274"/>
-            <a:ext cx="9637620" cy="2773754"/>
-          </a:xfrm>
-          <a:prstGeom prst="rect">
-            <a:avLst/>
-          </a:prstGeom>
-        </p:spPr>
-      </p:pic>
-      <p:pic>
-        <p:nvPicPr>
-          <p:cNvPr id="3" name="Picture 2"/>
-          <p:cNvPicPr>
-            <a:picLocks noChangeAspect="1"/>
-          </p:cNvPicPr>
-          <p:nvPr/>
-        </p:nvPicPr>
-        <p:blipFill>
-          <a:blip r:embed="rId3"/>
-          <a:stretch>
-            <a:fillRect/>
-          </a:stretch>
-        </p:blipFill>
-        <p:spPr>
-          <a:xfrm>
-            <a:off x="1838637" y="3123028"/>
-            <a:ext cx="8514726" cy="1856935"/>
-          </a:xfrm>
-          <a:prstGeom prst="rect">
-            <a:avLst/>
-          </a:prstGeom>
-        </p:spPr>
-      </p:pic>
-    </p:spTree>
-    <p:extLst>
-      <p:ext uri="{BB962C8B-B14F-4D97-AF65-F5344CB8AC3E}">
-        <p14:creationId xmlns:p14="http://schemas.microsoft.com/office/powerpoint/2010/main" val="751957139"/>
       </p:ext>
     </p:extLst>
   </p:cSld>

--- a/jsinsa ChatopsV10.pptx
+++ b/jsinsa ChatopsV10.pptx
@@ -5,7 +5,7 @@
     <p:sldMasterId id="2147483648" r:id="rId1"/>
   </p:sldMasterIdLst>
   <p:notesMasterIdLst>
-    <p:notesMasterId r:id="rId49"/>
+    <p:notesMasterId r:id="rId48"/>
   </p:notesMasterIdLst>
   <p:sldIdLst>
     <p:sldId id="256" r:id="rId2"/>
@@ -26,35 +26,34 @@
     <p:sldId id="274" r:id="rId17"/>
     <p:sldId id="275" r:id="rId18"/>
     <p:sldId id="294" r:id="rId19"/>
-    <p:sldId id="295" r:id="rId20"/>
-    <p:sldId id="296" r:id="rId21"/>
-    <p:sldId id="276" r:id="rId22"/>
-    <p:sldId id="277" r:id="rId23"/>
-    <p:sldId id="278" r:id="rId24"/>
-    <p:sldId id="281" r:id="rId25"/>
-    <p:sldId id="293" r:id="rId26"/>
-    <p:sldId id="282" r:id="rId27"/>
-    <p:sldId id="259" r:id="rId28"/>
-    <p:sldId id="283" r:id="rId29"/>
-    <p:sldId id="284" r:id="rId30"/>
-    <p:sldId id="285" r:id="rId31"/>
-    <p:sldId id="291" r:id="rId32"/>
-    <p:sldId id="299" r:id="rId33"/>
-    <p:sldId id="300" r:id="rId34"/>
-    <p:sldId id="297" r:id="rId35"/>
-    <p:sldId id="301" r:id="rId36"/>
-    <p:sldId id="302" r:id="rId37"/>
-    <p:sldId id="303" r:id="rId38"/>
-    <p:sldId id="307" r:id="rId39"/>
-    <p:sldId id="304" r:id="rId40"/>
-    <p:sldId id="305" r:id="rId41"/>
-    <p:sldId id="306" r:id="rId42"/>
-    <p:sldId id="286" r:id="rId43"/>
-    <p:sldId id="310" r:id="rId44"/>
-    <p:sldId id="308" r:id="rId45"/>
-    <p:sldId id="287" r:id="rId46"/>
-    <p:sldId id="288" r:id="rId47"/>
-    <p:sldId id="292" r:id="rId48"/>
+    <p:sldId id="296" r:id="rId20"/>
+    <p:sldId id="276" r:id="rId21"/>
+    <p:sldId id="277" r:id="rId22"/>
+    <p:sldId id="278" r:id="rId23"/>
+    <p:sldId id="281" r:id="rId24"/>
+    <p:sldId id="293" r:id="rId25"/>
+    <p:sldId id="282" r:id="rId26"/>
+    <p:sldId id="259" r:id="rId27"/>
+    <p:sldId id="283" r:id="rId28"/>
+    <p:sldId id="284" r:id="rId29"/>
+    <p:sldId id="285" r:id="rId30"/>
+    <p:sldId id="291" r:id="rId31"/>
+    <p:sldId id="299" r:id="rId32"/>
+    <p:sldId id="300" r:id="rId33"/>
+    <p:sldId id="297" r:id="rId34"/>
+    <p:sldId id="301" r:id="rId35"/>
+    <p:sldId id="302" r:id="rId36"/>
+    <p:sldId id="303" r:id="rId37"/>
+    <p:sldId id="307" r:id="rId38"/>
+    <p:sldId id="304" r:id="rId39"/>
+    <p:sldId id="305" r:id="rId40"/>
+    <p:sldId id="306" r:id="rId41"/>
+    <p:sldId id="286" r:id="rId42"/>
+    <p:sldId id="310" r:id="rId43"/>
+    <p:sldId id="308" r:id="rId44"/>
+    <p:sldId id="287" r:id="rId45"/>
+    <p:sldId id="288" r:id="rId46"/>
+    <p:sldId id="292" r:id="rId47"/>
   </p:sldIdLst>
   <p:sldSz cx="12192000" cy="6858000"/>
   <p:notesSz cx="6858000" cy="9144000"/>
@@ -1440,7 +1439,7 @@
           <a:p>
             <a:fld id="{95E9F09B-B73F-41E8-9F34-ADBE2E9CAE31}" type="slidenum">
               <a:rPr lang="en-ZA" smtClean="0"/>
-              <a:t>20</a:t>
+              <a:t>19</a:t>
             </a:fld>
             <a:endParaRPr lang="en-ZA"/>
           </a:p>
@@ -1562,7 +1561,7 @@
           <a:p>
             <a:fld id="{95E9F09B-B73F-41E8-9F34-ADBE2E9CAE31}" type="slidenum">
               <a:rPr lang="en-ZA" smtClean="0"/>
-              <a:t>21</a:t>
+              <a:t>20</a:t>
             </a:fld>
             <a:endParaRPr lang="en-ZA"/>
           </a:p>
@@ -1682,7 +1681,7 @@
           <a:p>
             <a:fld id="{95E9F09B-B73F-41E8-9F34-ADBE2E9CAE31}" type="slidenum">
               <a:rPr lang="en-ZA" smtClean="0"/>
-              <a:t>22</a:t>
+              <a:t>21</a:t>
             </a:fld>
             <a:endParaRPr lang="en-ZA"/>
           </a:p>
@@ -1774,7 +1773,7 @@
           <a:p>
             <a:fld id="{95E9F09B-B73F-41E8-9F34-ADBE2E9CAE31}" type="slidenum">
               <a:rPr lang="en-ZA" smtClean="0"/>
-              <a:t>23</a:t>
+              <a:t>22</a:t>
             </a:fld>
             <a:endParaRPr lang="en-ZA"/>
           </a:p>
@@ -2029,7 +2028,7 @@
           <a:p>
             <a:fld id="{95E9F09B-B73F-41E8-9F34-ADBE2E9CAE31}" type="slidenum">
               <a:rPr lang="en-ZA" smtClean="0"/>
-              <a:t>24</a:t>
+              <a:t>23</a:t>
             </a:fld>
             <a:endParaRPr lang="en-ZA"/>
           </a:p>
@@ -2167,7 +2166,7 @@
           <a:p>
             <a:fld id="{95E9F09B-B73F-41E8-9F34-ADBE2E9CAE31}" type="slidenum">
               <a:rPr lang="en-ZA" smtClean="0"/>
-              <a:t>25</a:t>
+              <a:t>24</a:t>
             </a:fld>
             <a:endParaRPr lang="en-ZA"/>
           </a:p>
@@ -2307,7 +2306,7 @@
           <a:p>
             <a:fld id="{95E9F09B-B73F-41E8-9F34-ADBE2E9CAE31}" type="slidenum">
               <a:rPr lang="en-ZA" smtClean="0"/>
-              <a:t>26</a:t>
+              <a:t>25</a:t>
             </a:fld>
             <a:endParaRPr lang="en-ZA"/>
           </a:p>
@@ -2446,7 +2445,7 @@
           <a:p>
             <a:fld id="{95E9F09B-B73F-41E8-9F34-ADBE2E9CAE31}" type="slidenum">
               <a:rPr lang="en-ZA" smtClean="0"/>
-              <a:t>27</a:t>
+              <a:t>26</a:t>
             </a:fld>
             <a:endParaRPr lang="en-ZA"/>
           </a:p>
@@ -2534,7 +2533,7 @@
           <a:p>
             <a:fld id="{95E9F09B-B73F-41E8-9F34-ADBE2E9CAE31}" type="slidenum">
               <a:rPr lang="en-ZA" smtClean="0"/>
-              <a:t>28</a:t>
+              <a:t>27</a:t>
             </a:fld>
             <a:endParaRPr lang="en-ZA"/>
           </a:p>
@@ -2665,7 +2664,7 @@
           <a:p>
             <a:fld id="{95E9F09B-B73F-41E8-9F34-ADBE2E9CAE31}" type="slidenum">
               <a:rPr lang="en-ZA" smtClean="0"/>
-              <a:t>29</a:t>
+              <a:t>28</a:t>
             </a:fld>
             <a:endParaRPr lang="en-ZA"/>
           </a:p>
@@ -2763,7 +2762,7 @@
           <a:p>
             <a:fld id="{95E9F09B-B73F-41E8-9F34-ADBE2E9CAE31}" type="slidenum">
               <a:rPr lang="en-ZA" smtClean="0"/>
-              <a:t>30</a:t>
+              <a:t>29</a:t>
             </a:fld>
             <a:endParaRPr lang="en-ZA"/>
           </a:p>
@@ -2900,7 +2899,7 @@
           <a:p>
             <a:fld id="{95E9F09B-B73F-41E8-9F34-ADBE2E9CAE31}" type="slidenum">
               <a:rPr lang="en-ZA" smtClean="0"/>
-              <a:t>31</a:t>
+              <a:t>30</a:t>
             </a:fld>
             <a:endParaRPr lang="en-ZA"/>
           </a:p>
@@ -3037,7 +3036,7 @@
           <a:p>
             <a:fld id="{95E9F09B-B73F-41E8-9F34-ADBE2E9CAE31}" type="slidenum">
               <a:rPr lang="en-ZA" smtClean="0"/>
-              <a:t>34</a:t>
+              <a:t>33</a:t>
             </a:fld>
             <a:endParaRPr lang="en-ZA"/>
           </a:p>
@@ -3137,7 +3136,7 @@
           <a:p>
             <a:fld id="{95E9F09B-B73F-41E8-9F34-ADBE2E9CAE31}" type="slidenum">
               <a:rPr lang="en-ZA" smtClean="0"/>
-              <a:t>45</a:t>
+              <a:t>44</a:t>
             </a:fld>
             <a:endParaRPr lang="en-ZA"/>
           </a:p>
@@ -3333,7 +3332,7 @@
           <a:p>
             <a:fld id="{95E9F09B-B73F-41E8-9F34-ADBE2E9CAE31}" type="slidenum">
               <a:rPr lang="en-ZA" smtClean="0"/>
-              <a:t>46</a:t>
+              <a:t>45</a:t>
             </a:fld>
             <a:endParaRPr lang="en-ZA"/>
           </a:p>
@@ -3417,7 +3416,7 @@
           <a:p>
             <a:fld id="{95E9F09B-B73F-41E8-9F34-ADBE2E9CAE31}" type="slidenum">
               <a:rPr lang="en-ZA" smtClean="0"/>
-              <a:t>47</a:t>
+              <a:t>46</a:t>
             </a:fld>
             <a:endParaRPr lang="en-ZA"/>
           </a:p>
@@ -7320,8 +7319,8 @@
         </p:blipFill>
         <p:spPr>
           <a:xfrm>
-            <a:off x="4059334" y="874514"/>
-            <a:ext cx="4330460" cy="4330460"/>
+            <a:off x="4606351" y="1609725"/>
+            <a:ext cx="3052324" cy="3052324"/>
           </a:xfrm>
           <a:prstGeom prst="rect">
             <a:avLst/>
@@ -8069,7 +8068,7 @@
           <p:nvPr/>
         </p:nvPicPr>
         <p:blipFill>
-          <a:blip r:embed="rId2">
+          <a:blip r:embed="rId3">
             <a:extLst>
               <a:ext uri="{28A0092B-C50C-407E-A947-70E740481C1C}">
                 <a14:useLocalDpi xmlns:a14="http://schemas.microsoft.com/office/drawing/2010/main" val="0"/>
@@ -8082,8 +8081,8 @@
         </p:blipFill>
         <p:spPr>
           <a:xfrm>
-            <a:off x="1767747" y="626534"/>
-            <a:ext cx="9069586" cy="5203079"/>
+            <a:off x="2006600" y="407532"/>
+            <a:ext cx="8178800" cy="6042935"/>
           </a:xfrm>
           <a:prstGeom prst="rect">
             <a:avLst/>
@@ -8093,7 +8092,7 @@
     </p:spTree>
     <p:extLst>
       <p:ext uri="{BB962C8B-B14F-4D97-AF65-F5344CB8AC3E}">
-        <p14:creationId xmlns:p14="http://schemas.microsoft.com/office/powerpoint/2010/main" val="2404111278"/>
+        <p14:creationId xmlns:p14="http://schemas.microsoft.com/office/powerpoint/2010/main" val="3293019017"/>
       </p:ext>
     </p:extLst>
   </p:cSld>
@@ -8197,73 +8196,6 @@
 </file>
 
 <file path=ppt/slides/slide20.xml><?xml version="1.0" encoding="utf-8"?>
-<p:sld xmlns:a="http://schemas.openxmlformats.org/drawingml/2006/main" xmlns:r="http://schemas.openxmlformats.org/officeDocument/2006/relationships" xmlns:p="http://schemas.openxmlformats.org/presentationml/2006/main">
-  <p:cSld>
-    <p:spTree>
-      <p:nvGrpSpPr>
-        <p:cNvPr id="1" name=""/>
-        <p:cNvGrpSpPr/>
-        <p:nvPr/>
-      </p:nvGrpSpPr>
-      <p:grpSpPr>
-        <a:xfrm>
-          <a:off x="0" y="0"/>
-          <a:ext cx="0" cy="0"/>
-          <a:chOff x="0" y="0"/>
-          <a:chExt cx="0" cy="0"/>
-        </a:xfrm>
-      </p:grpSpPr>
-      <p:pic>
-        <p:nvPicPr>
-          <p:cNvPr id="2" name="Picture 1"/>
-          <p:cNvPicPr>
-            <a:picLocks noChangeAspect="1"/>
-          </p:cNvPicPr>
-          <p:nvPr/>
-        </p:nvPicPr>
-        <p:blipFill>
-          <a:blip r:embed="rId3">
-            <a:extLst>
-              <a:ext uri="{28A0092B-C50C-407E-A947-70E740481C1C}">
-                <a14:useLocalDpi xmlns:a14="http://schemas.microsoft.com/office/drawing/2010/main" val="0"/>
-              </a:ext>
-            </a:extLst>
-          </a:blip>
-          <a:stretch>
-            <a:fillRect/>
-          </a:stretch>
-        </p:blipFill>
-        <p:spPr>
-          <a:xfrm>
-            <a:off x="2006600" y="407532"/>
-            <a:ext cx="8178800" cy="6042935"/>
-          </a:xfrm>
-          <a:prstGeom prst="rect">
-            <a:avLst/>
-          </a:prstGeom>
-        </p:spPr>
-      </p:pic>
-    </p:spTree>
-    <p:extLst>
-      <p:ext uri="{BB962C8B-B14F-4D97-AF65-F5344CB8AC3E}">
-        <p14:creationId xmlns:p14="http://schemas.microsoft.com/office/powerpoint/2010/main" val="3293019017"/>
-      </p:ext>
-    </p:extLst>
-  </p:cSld>
-  <p:clrMapOvr>
-    <a:masterClrMapping/>
-  </p:clrMapOvr>
-  <p:timing>
-    <p:tnLst>
-      <p:par>
-        <p:cTn id="1" dur="indefinite" restart="never" nodeType="tmRoot"/>
-      </p:par>
-    </p:tnLst>
-  </p:timing>
-</p:sld>
-</file>
-
-<file path=ppt/slides/slide21.xml><?xml version="1.0" encoding="utf-8"?>
 <p:sld xmlns:a="http://schemas.openxmlformats.org/drawingml/2006/main" xmlns:r="http://schemas.openxmlformats.org/officeDocument/2006/relationships" xmlns:p="http://schemas.openxmlformats.org/presentationml/2006/main">
   <p:cSld>
     <p:spTree>
@@ -8348,7 +8280,7 @@
 </p:sld>
 </file>
 
-<file path=ppt/slides/slide22.xml><?xml version="1.0" encoding="utf-8"?>
+<file path=ppt/slides/slide21.xml><?xml version="1.0" encoding="utf-8"?>
 <p:sld xmlns:a="http://schemas.openxmlformats.org/drawingml/2006/main" xmlns:r="http://schemas.openxmlformats.org/officeDocument/2006/relationships" xmlns:p="http://schemas.openxmlformats.org/presentationml/2006/main">
   <p:cSld>
     <p:spTree>
@@ -8418,7 +8350,7 @@
 </p:sld>
 </file>
 
-<file path=ppt/slides/slide23.xml><?xml version="1.0" encoding="utf-8"?>
+<file path=ppt/slides/slide22.xml><?xml version="1.0" encoding="utf-8"?>
 <p:sld xmlns:a="http://schemas.openxmlformats.org/drawingml/2006/main" xmlns:r="http://schemas.openxmlformats.org/officeDocument/2006/relationships" xmlns:p="http://schemas.openxmlformats.org/presentationml/2006/main">
   <p:cSld>
     <p:spTree>
@@ -8496,7 +8428,7 @@
 </p:sld>
 </file>
 
-<file path=ppt/slides/slide24.xml><?xml version="1.0" encoding="utf-8"?>
+<file path=ppt/slides/slide23.xml><?xml version="1.0" encoding="utf-8"?>
 <p:sld xmlns:a="http://schemas.openxmlformats.org/drawingml/2006/main" xmlns:r="http://schemas.openxmlformats.org/officeDocument/2006/relationships" xmlns:p="http://schemas.openxmlformats.org/presentationml/2006/main">
   <p:cSld>
     <p:spTree>
@@ -8890,7 +8822,7 @@
 </p:sld>
 </file>
 
-<file path=ppt/slides/slide25.xml><?xml version="1.0" encoding="utf-8"?>
+<file path=ppt/slides/slide24.xml><?xml version="1.0" encoding="utf-8"?>
 <p:sld xmlns:a="http://schemas.openxmlformats.org/drawingml/2006/main" xmlns:r="http://schemas.openxmlformats.org/officeDocument/2006/relationships" xmlns:p="http://schemas.openxmlformats.org/presentationml/2006/main">
   <p:cSld>
     <p:spTree>
@@ -9008,7 +8940,7 @@
 </p:sld>
 </file>
 
-<file path=ppt/slides/slide26.xml><?xml version="1.0" encoding="utf-8"?>
+<file path=ppt/slides/slide25.xml><?xml version="1.0" encoding="utf-8"?>
 <p:sld xmlns:a="http://schemas.openxmlformats.org/drawingml/2006/main" xmlns:r="http://schemas.openxmlformats.org/officeDocument/2006/relationships" xmlns:p="http://schemas.openxmlformats.org/presentationml/2006/main">
   <p:cSld>
     <p:bg>
@@ -9094,7 +9026,7 @@
 </p:sld>
 </file>
 
-<file path=ppt/slides/slide27.xml><?xml version="1.0" encoding="utf-8"?>
+<file path=ppt/slides/slide26.xml><?xml version="1.0" encoding="utf-8"?>
 <p:sld xmlns:a="http://schemas.openxmlformats.org/drawingml/2006/main" xmlns:r="http://schemas.openxmlformats.org/officeDocument/2006/relationships" xmlns:p="http://schemas.openxmlformats.org/presentationml/2006/main">
   <p:cSld>
     <p:spTree>
@@ -9179,7 +9111,7 @@
 </p:sld>
 </file>
 
-<file path=ppt/slides/slide28.xml><?xml version="1.0" encoding="utf-8"?>
+<file path=ppt/slides/slide27.xml><?xml version="1.0" encoding="utf-8"?>
 <p:sld xmlns:a="http://schemas.openxmlformats.org/drawingml/2006/main" xmlns:r="http://schemas.openxmlformats.org/officeDocument/2006/relationships" xmlns:p="http://schemas.openxmlformats.org/presentationml/2006/main">
   <p:cSld>
     <p:spTree>
@@ -9257,7 +9189,7 @@
 </p:sld>
 </file>
 
-<file path=ppt/slides/slide29.xml><?xml version="1.0" encoding="utf-8"?>
+<file path=ppt/slides/slide28.xml><?xml version="1.0" encoding="utf-8"?>
 <p:sld xmlns:a="http://schemas.openxmlformats.org/drawingml/2006/main" xmlns:r="http://schemas.openxmlformats.org/officeDocument/2006/relationships" xmlns:p="http://schemas.openxmlformats.org/presentationml/2006/main">
   <p:cSld>
     <p:bg>
@@ -9827,6 +9759,220 @@
     <p:bldLst>
       <p:bldP spid="5" grpId="0" uiExpand="1" build="allAtOnce"/>
     </p:bldLst>
+  </p:timing>
+</p:sld>
+</file>
+
+<file path=ppt/slides/slide29.xml><?xml version="1.0" encoding="utf-8"?>
+<p:sld xmlns:a="http://schemas.openxmlformats.org/drawingml/2006/main" xmlns:r="http://schemas.openxmlformats.org/officeDocument/2006/relationships" xmlns:p="http://schemas.openxmlformats.org/presentationml/2006/main">
+  <p:cSld>
+    <p:bg>
+      <p:bgPr>
+        <a:solidFill>
+          <a:srgbClr val="272822"/>
+        </a:solidFill>
+        <a:effectLst/>
+      </p:bgPr>
+    </p:bg>
+    <p:spTree>
+      <p:nvGrpSpPr>
+        <p:cNvPr id="1" name=""/>
+        <p:cNvGrpSpPr/>
+        <p:nvPr/>
+      </p:nvGrpSpPr>
+      <p:grpSpPr>
+        <a:xfrm>
+          <a:off x="0" y="0"/>
+          <a:ext cx="0" cy="0"/>
+          <a:chOff x="0" y="0"/>
+          <a:chExt cx="0" cy="0"/>
+        </a:xfrm>
+      </p:grpSpPr>
+      <p:sp>
+        <p:nvSpPr>
+          <p:cNvPr id="2" name="TextBox 1"/>
+          <p:cNvSpPr txBox="1"/>
+          <p:nvPr/>
+        </p:nvSpPr>
+        <p:spPr>
+          <a:xfrm>
+            <a:off x="2729177" y="2459504"/>
+            <a:ext cx="6806672" cy="1938992"/>
+          </a:xfrm>
+          <a:prstGeom prst="rect">
+            <a:avLst/>
+          </a:prstGeom>
+          <a:noFill/>
+          <a:effectLst>
+            <a:softEdge rad="25400"/>
+          </a:effectLst>
+        </p:spPr>
+        <p:txBody>
+          <a:bodyPr wrap="none" rtlCol="0">
+            <a:spAutoFit/>
+          </a:bodyPr>
+          <a:lstStyle/>
+          <a:p>
+            <a:r>
+              <a:rPr lang="en-ZA" sz="4000" dirty="0" smtClean="0">
+                <a:solidFill>
+                  <a:schemeClr val="bg1"/>
+                </a:solidFill>
+                <a:latin typeface="News Gothic" panose="020B0503020103020203" pitchFamily="34" charset="0"/>
+              </a:rPr>
+              <a:t>&gt; </a:t>
+            </a:r>
+            <a:r>
+              <a:rPr lang="en-ZA" sz="4000" dirty="0" smtClean="0">
+                <a:solidFill>
+                  <a:schemeClr val="bg1"/>
+                </a:solidFill>
+                <a:latin typeface="News Gothic" panose="020B0503020103020203" pitchFamily="34" charset="0"/>
+              </a:rPr>
+              <a:t>bin/</a:t>
+            </a:r>
+            <a:r>
+              <a:rPr lang="en-ZA" sz="4000" dirty="0" err="1" smtClean="0">
+                <a:solidFill>
+                  <a:schemeClr val="bg1"/>
+                </a:solidFill>
+                <a:latin typeface="News Gothic" panose="020B0503020103020203" pitchFamily="34" charset="0"/>
+              </a:rPr>
+              <a:t>hubot</a:t>
+            </a:r>
+            <a:endParaRPr lang="en-ZA" sz="4000" dirty="0" smtClean="0">
+              <a:solidFill>
+                <a:schemeClr val="bg1"/>
+              </a:solidFill>
+              <a:latin typeface="News Gothic" panose="020B0503020103020203" pitchFamily="34" charset="0"/>
+            </a:endParaRPr>
+          </a:p>
+          <a:p>
+            <a:endParaRPr lang="en-ZA" sz="4000" dirty="0" smtClean="0">
+              <a:solidFill>
+                <a:schemeClr val="bg1"/>
+              </a:solidFill>
+              <a:latin typeface="News Gothic" panose="020B0503020103020203" pitchFamily="34" charset="0"/>
+            </a:endParaRPr>
+          </a:p>
+          <a:p>
+            <a:r>
+              <a:rPr lang="en-ZA" sz="4000" dirty="0" smtClean="0">
+                <a:solidFill>
+                  <a:schemeClr val="bg1"/>
+                </a:solidFill>
+                <a:latin typeface="News Gothic" panose="020B0503020103020203" pitchFamily="34" charset="0"/>
+              </a:rPr>
+              <a:t>&gt; </a:t>
+            </a:r>
+            <a:r>
+              <a:rPr lang="en-ZA" sz="4000" dirty="0" smtClean="0">
+                <a:solidFill>
+                  <a:schemeClr val="bg1"/>
+                </a:solidFill>
+                <a:latin typeface="News Gothic" panose="020B0503020103020203" pitchFamily="34" charset="0"/>
+              </a:rPr>
+              <a:t>bin/</a:t>
+            </a:r>
+            <a:r>
+              <a:rPr lang="en-ZA" sz="4000" dirty="0" err="1" smtClean="0">
+                <a:solidFill>
+                  <a:schemeClr val="bg1"/>
+                </a:solidFill>
+                <a:latin typeface="News Gothic" panose="020B0503020103020203" pitchFamily="34" charset="0"/>
+              </a:rPr>
+              <a:t>hubot</a:t>
+            </a:r>
+            <a:r>
+              <a:rPr lang="en-ZA" sz="4000" dirty="0" smtClean="0">
+                <a:solidFill>
+                  <a:schemeClr val="bg1"/>
+                </a:solidFill>
+                <a:latin typeface="News Gothic" panose="020B0503020103020203" pitchFamily="34" charset="0"/>
+              </a:rPr>
+              <a:t> </a:t>
+            </a:r>
+            <a:r>
+              <a:rPr lang="en-ZA" sz="4000" dirty="0">
+                <a:solidFill>
+                  <a:schemeClr val="bg1"/>
+                </a:solidFill>
+                <a:latin typeface="News Gothic" panose="020B0503020103020203" pitchFamily="34" charset="0"/>
+              </a:rPr>
+              <a:t>--adapter </a:t>
+            </a:r>
+            <a:r>
+              <a:rPr lang="en-ZA" sz="4000" dirty="0" smtClean="0">
+                <a:solidFill>
+                  <a:schemeClr val="bg1"/>
+                </a:solidFill>
+                <a:latin typeface="News Gothic" panose="020B0503020103020203" pitchFamily="34" charset="0"/>
+              </a:rPr>
+              <a:t>slack</a:t>
+            </a:r>
+            <a:endParaRPr lang="en-ZA" sz="4000" dirty="0">
+              <a:solidFill>
+                <a:schemeClr val="bg1"/>
+              </a:solidFill>
+              <a:latin typeface="News Gothic" panose="020B0503020103020203" pitchFamily="34" charset="0"/>
+            </a:endParaRPr>
+          </a:p>
+        </p:txBody>
+      </p:sp>
+      <p:sp>
+        <p:nvSpPr>
+          <p:cNvPr id="3" name="Rectangle 2"/>
+          <p:cNvSpPr/>
+          <p:nvPr/>
+        </p:nvSpPr>
+        <p:spPr>
+          <a:xfrm>
+            <a:off x="5759268" y="1167884"/>
+            <a:ext cx="772969" cy="1077218"/>
+          </a:xfrm>
+          <a:prstGeom prst="rect">
+            <a:avLst/>
+          </a:prstGeom>
+        </p:spPr>
+        <p:txBody>
+          <a:bodyPr wrap="none">
+            <a:spAutoFit/>
+          </a:bodyPr>
+          <a:lstStyle/>
+          <a:p>
+            <a:r>
+              <a:rPr lang="en-ZA" sz="3200" dirty="0" smtClean="0">
+                <a:solidFill>
+                  <a:schemeClr val="bg1">
+                    <a:lumMod val="50000"/>
+                  </a:schemeClr>
+                </a:solidFill>
+                <a:latin typeface="Myriad Pro" panose="020B0503030403020204" pitchFamily="34" charset="0"/>
+              </a:rPr>
+              <a:t>run</a:t>
+            </a:r>
+          </a:p>
+          <a:p>
+            <a:endParaRPr lang="en-ZA" sz="3200" dirty="0"/>
+          </a:p>
+        </p:txBody>
+      </p:sp>
+    </p:spTree>
+    <p:extLst>
+      <p:ext uri="{BB962C8B-B14F-4D97-AF65-F5344CB8AC3E}">
+        <p14:creationId xmlns:p14="http://schemas.microsoft.com/office/powerpoint/2010/main" val="2432139762"/>
+      </p:ext>
+    </p:extLst>
+  </p:cSld>
+  <p:clrMapOvr>
+    <a:masterClrMapping/>
+  </p:clrMapOvr>
+  <p:timing>
+    <p:tnLst>
+      <p:par>
+        <p:cTn id="1" dur="indefinite" restart="never" nodeType="tmRoot"/>
+      </p:par>
+    </p:tnLst>
   </p:timing>
 </p:sld>
 </file>
@@ -10959,220 +11105,6 @@
         </p:nvSpPr>
         <p:spPr>
           <a:xfrm>
-            <a:off x="2729177" y="2459504"/>
-            <a:ext cx="6806672" cy="1938992"/>
-          </a:xfrm>
-          <a:prstGeom prst="rect">
-            <a:avLst/>
-          </a:prstGeom>
-          <a:noFill/>
-          <a:effectLst>
-            <a:softEdge rad="25400"/>
-          </a:effectLst>
-        </p:spPr>
-        <p:txBody>
-          <a:bodyPr wrap="none" rtlCol="0">
-            <a:spAutoFit/>
-          </a:bodyPr>
-          <a:lstStyle/>
-          <a:p>
-            <a:r>
-              <a:rPr lang="en-ZA" sz="4000" dirty="0" smtClean="0">
-                <a:solidFill>
-                  <a:schemeClr val="bg1"/>
-                </a:solidFill>
-                <a:latin typeface="News Gothic" panose="020B0503020103020203" pitchFamily="34" charset="0"/>
-              </a:rPr>
-              <a:t>&gt; </a:t>
-            </a:r>
-            <a:r>
-              <a:rPr lang="en-ZA" sz="4000" dirty="0" smtClean="0">
-                <a:solidFill>
-                  <a:schemeClr val="bg1"/>
-                </a:solidFill>
-                <a:latin typeface="News Gothic" panose="020B0503020103020203" pitchFamily="34" charset="0"/>
-              </a:rPr>
-              <a:t>bin/</a:t>
-            </a:r>
-            <a:r>
-              <a:rPr lang="en-ZA" sz="4000" dirty="0" err="1" smtClean="0">
-                <a:solidFill>
-                  <a:schemeClr val="bg1"/>
-                </a:solidFill>
-                <a:latin typeface="News Gothic" panose="020B0503020103020203" pitchFamily="34" charset="0"/>
-              </a:rPr>
-              <a:t>hubot</a:t>
-            </a:r>
-            <a:endParaRPr lang="en-ZA" sz="4000" dirty="0" smtClean="0">
-              <a:solidFill>
-                <a:schemeClr val="bg1"/>
-              </a:solidFill>
-              <a:latin typeface="News Gothic" panose="020B0503020103020203" pitchFamily="34" charset="0"/>
-            </a:endParaRPr>
-          </a:p>
-          <a:p>
-            <a:endParaRPr lang="en-ZA" sz="4000" dirty="0" smtClean="0">
-              <a:solidFill>
-                <a:schemeClr val="bg1"/>
-              </a:solidFill>
-              <a:latin typeface="News Gothic" panose="020B0503020103020203" pitchFamily="34" charset="0"/>
-            </a:endParaRPr>
-          </a:p>
-          <a:p>
-            <a:r>
-              <a:rPr lang="en-ZA" sz="4000" dirty="0" smtClean="0">
-                <a:solidFill>
-                  <a:schemeClr val="bg1"/>
-                </a:solidFill>
-                <a:latin typeface="News Gothic" panose="020B0503020103020203" pitchFamily="34" charset="0"/>
-              </a:rPr>
-              <a:t>&gt; </a:t>
-            </a:r>
-            <a:r>
-              <a:rPr lang="en-ZA" sz="4000" dirty="0" smtClean="0">
-                <a:solidFill>
-                  <a:schemeClr val="bg1"/>
-                </a:solidFill>
-                <a:latin typeface="News Gothic" panose="020B0503020103020203" pitchFamily="34" charset="0"/>
-              </a:rPr>
-              <a:t>bin/</a:t>
-            </a:r>
-            <a:r>
-              <a:rPr lang="en-ZA" sz="4000" dirty="0" err="1" smtClean="0">
-                <a:solidFill>
-                  <a:schemeClr val="bg1"/>
-                </a:solidFill>
-                <a:latin typeface="News Gothic" panose="020B0503020103020203" pitchFamily="34" charset="0"/>
-              </a:rPr>
-              <a:t>hubot</a:t>
-            </a:r>
-            <a:r>
-              <a:rPr lang="en-ZA" sz="4000" dirty="0" smtClean="0">
-                <a:solidFill>
-                  <a:schemeClr val="bg1"/>
-                </a:solidFill>
-                <a:latin typeface="News Gothic" panose="020B0503020103020203" pitchFamily="34" charset="0"/>
-              </a:rPr>
-              <a:t> </a:t>
-            </a:r>
-            <a:r>
-              <a:rPr lang="en-ZA" sz="4000" dirty="0">
-                <a:solidFill>
-                  <a:schemeClr val="bg1"/>
-                </a:solidFill>
-                <a:latin typeface="News Gothic" panose="020B0503020103020203" pitchFamily="34" charset="0"/>
-              </a:rPr>
-              <a:t>--adapter </a:t>
-            </a:r>
-            <a:r>
-              <a:rPr lang="en-ZA" sz="4000" dirty="0" smtClean="0">
-                <a:solidFill>
-                  <a:schemeClr val="bg1"/>
-                </a:solidFill>
-                <a:latin typeface="News Gothic" panose="020B0503020103020203" pitchFamily="34" charset="0"/>
-              </a:rPr>
-              <a:t>slack</a:t>
-            </a:r>
-            <a:endParaRPr lang="en-ZA" sz="4000" dirty="0">
-              <a:solidFill>
-                <a:schemeClr val="bg1"/>
-              </a:solidFill>
-              <a:latin typeface="News Gothic" panose="020B0503020103020203" pitchFamily="34" charset="0"/>
-            </a:endParaRPr>
-          </a:p>
-        </p:txBody>
-      </p:sp>
-      <p:sp>
-        <p:nvSpPr>
-          <p:cNvPr id="3" name="Rectangle 2"/>
-          <p:cNvSpPr/>
-          <p:nvPr/>
-        </p:nvSpPr>
-        <p:spPr>
-          <a:xfrm>
-            <a:off x="5759268" y="1167884"/>
-            <a:ext cx="772969" cy="1077218"/>
-          </a:xfrm>
-          <a:prstGeom prst="rect">
-            <a:avLst/>
-          </a:prstGeom>
-        </p:spPr>
-        <p:txBody>
-          <a:bodyPr wrap="none">
-            <a:spAutoFit/>
-          </a:bodyPr>
-          <a:lstStyle/>
-          <a:p>
-            <a:r>
-              <a:rPr lang="en-ZA" sz="3200" dirty="0" smtClean="0">
-                <a:solidFill>
-                  <a:schemeClr val="bg1">
-                    <a:lumMod val="50000"/>
-                  </a:schemeClr>
-                </a:solidFill>
-                <a:latin typeface="Myriad Pro" panose="020B0503030403020204" pitchFamily="34" charset="0"/>
-              </a:rPr>
-              <a:t>run</a:t>
-            </a:r>
-          </a:p>
-          <a:p>
-            <a:endParaRPr lang="en-ZA" sz="3200" dirty="0"/>
-          </a:p>
-        </p:txBody>
-      </p:sp>
-    </p:spTree>
-    <p:extLst>
-      <p:ext uri="{BB962C8B-B14F-4D97-AF65-F5344CB8AC3E}">
-        <p14:creationId xmlns:p14="http://schemas.microsoft.com/office/powerpoint/2010/main" val="2432139762"/>
-      </p:ext>
-    </p:extLst>
-  </p:cSld>
-  <p:clrMapOvr>
-    <a:masterClrMapping/>
-  </p:clrMapOvr>
-  <p:timing>
-    <p:tnLst>
-      <p:par>
-        <p:cTn id="1" dur="indefinite" restart="never" nodeType="tmRoot"/>
-      </p:par>
-    </p:tnLst>
-  </p:timing>
-</p:sld>
-</file>
-
-<file path=ppt/slides/slide31.xml><?xml version="1.0" encoding="utf-8"?>
-<p:sld xmlns:a="http://schemas.openxmlformats.org/drawingml/2006/main" xmlns:r="http://schemas.openxmlformats.org/officeDocument/2006/relationships" xmlns:p="http://schemas.openxmlformats.org/presentationml/2006/main">
-  <p:cSld>
-    <p:bg>
-      <p:bgPr>
-        <a:solidFill>
-          <a:srgbClr val="272822"/>
-        </a:solidFill>
-        <a:effectLst/>
-      </p:bgPr>
-    </p:bg>
-    <p:spTree>
-      <p:nvGrpSpPr>
-        <p:cNvPr id="1" name=""/>
-        <p:cNvGrpSpPr/>
-        <p:nvPr/>
-      </p:nvGrpSpPr>
-      <p:grpSpPr>
-        <a:xfrm>
-          <a:off x="0" y="0"/>
-          <a:ext cx="0" cy="0"/>
-          <a:chOff x="0" y="0"/>
-          <a:chExt cx="0" cy="0"/>
-        </a:xfrm>
-      </p:grpSpPr>
-      <p:sp>
-        <p:nvSpPr>
-          <p:cNvPr id="2" name="TextBox 1"/>
-          <p:cNvSpPr txBox="1"/>
-          <p:nvPr/>
-        </p:nvSpPr>
-        <p:spPr>
-          <a:xfrm>
             <a:off x="1951528" y="2743309"/>
             <a:ext cx="8361969" cy="1938992"/>
           </a:xfrm>
@@ -11404,7 +11336,7 @@
 </p:sld>
 </file>
 
-<file path=ppt/slides/slide32.xml><?xml version="1.0" encoding="utf-8"?>
+<file path=ppt/slides/slide31.xml><?xml version="1.0" encoding="utf-8"?>
 <p:sld xmlns:a="http://schemas.openxmlformats.org/drawingml/2006/main" xmlns:r="http://schemas.openxmlformats.org/officeDocument/2006/relationships" xmlns:p="http://schemas.openxmlformats.org/presentationml/2006/main">
   <p:cSld>
     <p:spTree>
@@ -11465,7 +11397,7 @@
 </p:sld>
 </file>
 
-<file path=ppt/slides/slide33.xml><?xml version="1.0" encoding="utf-8"?>
+<file path=ppt/slides/slide32.xml><?xml version="1.0" encoding="utf-8"?>
 <p:sld xmlns:a="http://schemas.openxmlformats.org/drawingml/2006/main" xmlns:r="http://schemas.openxmlformats.org/officeDocument/2006/relationships" xmlns:p="http://schemas.openxmlformats.org/presentationml/2006/main">
   <p:cSld>
     <p:spTree>
@@ -11526,7 +11458,7 @@
 </p:sld>
 </file>
 
-<file path=ppt/slides/slide34.xml><?xml version="1.0" encoding="utf-8"?>
+<file path=ppt/slides/slide33.xml><?xml version="1.0" encoding="utf-8"?>
 <p:sld xmlns:a="http://schemas.openxmlformats.org/drawingml/2006/main" xmlns:r="http://schemas.openxmlformats.org/officeDocument/2006/relationships" xmlns:p="http://schemas.openxmlformats.org/presentationml/2006/main">
   <p:cSld>
     <p:bg>
@@ -11783,7 +11715,7 @@
 </p:sld>
 </file>
 
-<file path=ppt/slides/slide35.xml><?xml version="1.0" encoding="utf-8"?>
+<file path=ppt/slides/slide34.xml><?xml version="1.0" encoding="utf-8"?>
 <p:sld xmlns:a="http://schemas.openxmlformats.org/drawingml/2006/main" xmlns:r="http://schemas.openxmlformats.org/officeDocument/2006/relationships" xmlns:p="http://schemas.openxmlformats.org/presentationml/2006/main">
   <p:cSld>
     <p:spTree>
@@ -11844,7 +11776,7 @@
 </p:sld>
 </file>
 
-<file path=ppt/slides/slide36.xml><?xml version="1.0" encoding="utf-8"?>
+<file path=ppt/slides/slide35.xml><?xml version="1.0" encoding="utf-8"?>
 <p:sld xmlns:a="http://schemas.openxmlformats.org/drawingml/2006/main" xmlns:r="http://schemas.openxmlformats.org/officeDocument/2006/relationships" xmlns:p="http://schemas.openxmlformats.org/presentationml/2006/main">
   <p:cSld>
     <p:spTree>
@@ -11905,7 +11837,7 @@
 </p:sld>
 </file>
 
-<file path=ppt/slides/slide37.xml><?xml version="1.0" encoding="utf-8"?>
+<file path=ppt/slides/slide36.xml><?xml version="1.0" encoding="utf-8"?>
 <p:sld xmlns:a="http://schemas.openxmlformats.org/drawingml/2006/main" xmlns:r="http://schemas.openxmlformats.org/officeDocument/2006/relationships" xmlns:p="http://schemas.openxmlformats.org/presentationml/2006/main">
   <p:cSld>
     <p:spTree>
@@ -11966,7 +11898,7 @@
 </p:sld>
 </file>
 
-<file path=ppt/slides/slide38.xml><?xml version="1.0" encoding="utf-8"?>
+<file path=ppt/slides/slide37.xml><?xml version="1.0" encoding="utf-8"?>
 <p:sld xmlns:a="http://schemas.openxmlformats.org/drawingml/2006/main" xmlns:r="http://schemas.openxmlformats.org/officeDocument/2006/relationships" xmlns:p="http://schemas.openxmlformats.org/presentationml/2006/main">
   <p:cSld>
     <p:spTree>
@@ -12027,7 +11959,7 @@
 </p:sld>
 </file>
 
-<file path=ppt/slides/slide39.xml><?xml version="1.0" encoding="utf-8"?>
+<file path=ppt/slides/slide38.xml><?xml version="1.0" encoding="utf-8"?>
 <p:sld xmlns:a="http://schemas.openxmlformats.org/drawingml/2006/main" xmlns:r="http://schemas.openxmlformats.org/officeDocument/2006/relationships" xmlns:p="http://schemas.openxmlformats.org/presentationml/2006/main">
   <p:cSld>
     <p:spTree>
@@ -12088,93 +12020,7 @@
 </p:sld>
 </file>
 
-<file path=ppt/slides/slide4.xml><?xml version="1.0" encoding="utf-8"?>
-<p:sld xmlns:a="http://schemas.openxmlformats.org/drawingml/2006/main" xmlns:r="http://schemas.openxmlformats.org/officeDocument/2006/relationships" xmlns:p="http://schemas.openxmlformats.org/presentationml/2006/main">
-  <p:cSld>
-    <p:bg>
-      <p:bgPr>
-        <a:solidFill>
-          <a:srgbClr val="3B6469"/>
-        </a:solidFill>
-        <a:effectLst/>
-      </p:bgPr>
-    </p:bg>
-    <p:spTree>
-      <p:nvGrpSpPr>
-        <p:cNvPr id="1" name=""/>
-        <p:cNvGrpSpPr/>
-        <p:nvPr/>
-      </p:nvGrpSpPr>
-      <p:grpSpPr>
-        <a:xfrm>
-          <a:off x="0" y="0"/>
-          <a:ext cx="0" cy="0"/>
-          <a:chOff x="0" y="0"/>
-          <a:chExt cx="0" cy="0"/>
-        </a:xfrm>
-      </p:grpSpPr>
-      <p:sp>
-        <p:nvSpPr>
-          <p:cNvPr id="4" name="TextBox 3"/>
-          <p:cNvSpPr txBox="1"/>
-          <p:nvPr/>
-        </p:nvSpPr>
-        <p:spPr>
-          <a:xfrm>
-            <a:off x="0" y="3075057"/>
-            <a:ext cx="12192000" cy="707886"/>
-          </a:xfrm>
-          <a:prstGeom prst="rect">
-            <a:avLst/>
-          </a:prstGeom>
-          <a:noFill/>
-        </p:spPr>
-        <p:txBody>
-          <a:bodyPr wrap="square" rtlCol="0" anchor="ctr">
-            <a:spAutoFit/>
-          </a:bodyPr>
-          <a:lstStyle/>
-          <a:p>
-            <a:pPr algn="ctr"/>
-            <a:r>
-              <a:rPr lang="en-ZA" sz="4000" dirty="0" smtClean="0">
-                <a:solidFill>
-                  <a:schemeClr val="bg1"/>
-                </a:solidFill>
-                <a:latin typeface="Myriad Pro" panose="020B0503030403020204" pitchFamily="34" charset="0"/>
-              </a:rPr>
-              <a:t>Why?</a:t>
-            </a:r>
-            <a:endParaRPr lang="en-ZA" sz="4000" dirty="0">
-              <a:solidFill>
-                <a:schemeClr val="bg1"/>
-              </a:solidFill>
-              <a:latin typeface="Myriad Pro" panose="020B0503030403020204" pitchFamily="34" charset="0"/>
-            </a:endParaRPr>
-          </a:p>
-        </p:txBody>
-      </p:sp>
-    </p:spTree>
-    <p:extLst>
-      <p:ext uri="{BB962C8B-B14F-4D97-AF65-F5344CB8AC3E}">
-        <p14:creationId xmlns:p14="http://schemas.microsoft.com/office/powerpoint/2010/main" val="3500482859"/>
-      </p:ext>
-    </p:extLst>
-  </p:cSld>
-  <p:clrMapOvr>
-    <a:masterClrMapping/>
-  </p:clrMapOvr>
-  <p:timing>
-    <p:tnLst>
-      <p:par>
-        <p:cTn id="1" dur="indefinite" restart="never" nodeType="tmRoot"/>
-      </p:par>
-    </p:tnLst>
-  </p:timing>
-</p:sld>
-</file>
-
-<file path=ppt/slides/slide40.xml><?xml version="1.0" encoding="utf-8"?>
+<file path=ppt/slides/slide39.xml><?xml version="1.0" encoding="utf-8"?>
 <p:sld xmlns:a="http://schemas.openxmlformats.org/drawingml/2006/main" xmlns:r="http://schemas.openxmlformats.org/officeDocument/2006/relationships" xmlns:p="http://schemas.openxmlformats.org/presentationml/2006/main">
   <p:cSld>
     <p:spTree>
@@ -12235,7 +12081,93 @@
 </p:sld>
 </file>
 
-<file path=ppt/slides/slide41.xml><?xml version="1.0" encoding="utf-8"?>
+<file path=ppt/slides/slide4.xml><?xml version="1.0" encoding="utf-8"?>
+<p:sld xmlns:a="http://schemas.openxmlformats.org/drawingml/2006/main" xmlns:r="http://schemas.openxmlformats.org/officeDocument/2006/relationships" xmlns:p="http://schemas.openxmlformats.org/presentationml/2006/main">
+  <p:cSld>
+    <p:bg>
+      <p:bgPr>
+        <a:solidFill>
+          <a:srgbClr val="3B6469"/>
+        </a:solidFill>
+        <a:effectLst/>
+      </p:bgPr>
+    </p:bg>
+    <p:spTree>
+      <p:nvGrpSpPr>
+        <p:cNvPr id="1" name=""/>
+        <p:cNvGrpSpPr/>
+        <p:nvPr/>
+      </p:nvGrpSpPr>
+      <p:grpSpPr>
+        <a:xfrm>
+          <a:off x="0" y="0"/>
+          <a:ext cx="0" cy="0"/>
+          <a:chOff x="0" y="0"/>
+          <a:chExt cx="0" cy="0"/>
+        </a:xfrm>
+      </p:grpSpPr>
+      <p:sp>
+        <p:nvSpPr>
+          <p:cNvPr id="4" name="TextBox 3"/>
+          <p:cNvSpPr txBox="1"/>
+          <p:nvPr/>
+        </p:nvSpPr>
+        <p:spPr>
+          <a:xfrm>
+            <a:off x="0" y="3075057"/>
+            <a:ext cx="12192000" cy="707886"/>
+          </a:xfrm>
+          <a:prstGeom prst="rect">
+            <a:avLst/>
+          </a:prstGeom>
+          <a:noFill/>
+        </p:spPr>
+        <p:txBody>
+          <a:bodyPr wrap="square" rtlCol="0" anchor="ctr">
+            <a:spAutoFit/>
+          </a:bodyPr>
+          <a:lstStyle/>
+          <a:p>
+            <a:pPr algn="ctr"/>
+            <a:r>
+              <a:rPr lang="en-ZA" sz="4000" dirty="0" smtClean="0">
+                <a:solidFill>
+                  <a:schemeClr val="bg1"/>
+                </a:solidFill>
+                <a:latin typeface="Myriad Pro" panose="020B0503030403020204" pitchFamily="34" charset="0"/>
+              </a:rPr>
+              <a:t>Why?</a:t>
+            </a:r>
+            <a:endParaRPr lang="en-ZA" sz="4000" dirty="0">
+              <a:solidFill>
+                <a:schemeClr val="bg1"/>
+              </a:solidFill>
+              <a:latin typeface="Myriad Pro" panose="020B0503030403020204" pitchFamily="34" charset="0"/>
+            </a:endParaRPr>
+          </a:p>
+        </p:txBody>
+      </p:sp>
+    </p:spTree>
+    <p:extLst>
+      <p:ext uri="{BB962C8B-B14F-4D97-AF65-F5344CB8AC3E}">
+        <p14:creationId xmlns:p14="http://schemas.microsoft.com/office/powerpoint/2010/main" val="3500482859"/>
+      </p:ext>
+    </p:extLst>
+  </p:cSld>
+  <p:clrMapOvr>
+    <a:masterClrMapping/>
+  </p:clrMapOvr>
+  <p:timing>
+    <p:tnLst>
+      <p:par>
+        <p:cTn id="1" dur="indefinite" restart="never" nodeType="tmRoot"/>
+      </p:par>
+    </p:tnLst>
+  </p:timing>
+</p:sld>
+</file>
+
+<file path=ppt/slides/slide40.xml><?xml version="1.0" encoding="utf-8"?>
 <p:sld xmlns:a="http://schemas.openxmlformats.org/drawingml/2006/main" xmlns:r="http://schemas.openxmlformats.org/officeDocument/2006/relationships" xmlns:p="http://schemas.openxmlformats.org/presentationml/2006/main">
   <p:cSld>
     <p:spTree>
@@ -12296,7 +12228,7 @@
 </p:sld>
 </file>
 
-<file path=ppt/slides/slide42.xml><?xml version="1.0" encoding="utf-8"?>
+<file path=ppt/slides/slide41.xml><?xml version="1.0" encoding="utf-8"?>
 <p:sld xmlns:a="http://schemas.openxmlformats.org/drawingml/2006/main" xmlns:r="http://schemas.openxmlformats.org/officeDocument/2006/relationships" xmlns:p="http://schemas.openxmlformats.org/presentationml/2006/main">
   <p:cSld>
     <p:bg>
@@ -12365,7 +12297,7 @@
 </p:sld>
 </file>
 
-<file path=ppt/slides/slide43.xml><?xml version="1.0" encoding="utf-8"?>
+<file path=ppt/slides/slide42.xml><?xml version="1.0" encoding="utf-8"?>
 <p:sld xmlns:a="http://schemas.openxmlformats.org/drawingml/2006/main" xmlns:r="http://schemas.openxmlformats.org/officeDocument/2006/relationships" xmlns:p="http://schemas.openxmlformats.org/presentationml/2006/main">
   <p:cSld>
     <p:spTree>
@@ -12770,7 +12702,7 @@
 </p:sld>
 </file>
 
-<file path=ppt/slides/slide44.xml><?xml version="1.0" encoding="utf-8"?>
+<file path=ppt/slides/slide43.xml><?xml version="1.0" encoding="utf-8"?>
 <p:sld xmlns:a="http://schemas.openxmlformats.org/drawingml/2006/main" xmlns:r="http://schemas.openxmlformats.org/officeDocument/2006/relationships" xmlns:p="http://schemas.openxmlformats.org/presentationml/2006/main">
   <p:cSld>
     <p:spTree>
@@ -13109,7 +13041,7 @@
 </p:sld>
 </file>
 
-<file path=ppt/slides/slide45.xml><?xml version="1.0" encoding="utf-8"?>
+<file path=ppt/slides/slide44.xml><?xml version="1.0" encoding="utf-8"?>
 <p:sld xmlns:a="http://schemas.openxmlformats.org/drawingml/2006/main" xmlns:r="http://schemas.openxmlformats.org/officeDocument/2006/relationships" xmlns:p="http://schemas.openxmlformats.org/presentationml/2006/main">
   <p:cSld>
     <p:spTree>
@@ -13206,7 +13138,7 @@
 </p:sld>
 </file>
 
-<file path=ppt/slides/slide46.xml><?xml version="1.0" encoding="utf-8"?>
+<file path=ppt/slides/slide45.xml><?xml version="1.0" encoding="utf-8"?>
 <p:sld xmlns:a="http://schemas.openxmlformats.org/drawingml/2006/main" xmlns:r="http://schemas.openxmlformats.org/officeDocument/2006/relationships" xmlns:p="http://schemas.openxmlformats.org/presentationml/2006/main">
   <p:cSld>
     <p:spTree>
@@ -13267,7 +13199,7 @@
 </p:sld>
 </file>
 
-<file path=ppt/slides/slide47.xml><?xml version="1.0" encoding="utf-8"?>
+<file path=ppt/slides/slide46.xml><?xml version="1.0" encoding="utf-8"?>
 <p:sld xmlns:a="http://schemas.openxmlformats.org/drawingml/2006/main" xmlns:r="http://schemas.openxmlformats.org/officeDocument/2006/relationships" xmlns:p="http://schemas.openxmlformats.org/presentationml/2006/main">
   <p:cSld>
     <p:bg>
@@ -13294,14 +13226,14 @@
       </p:grpSpPr>
       <p:sp>
         <p:nvSpPr>
-          <p:cNvPr id="4" name="TextBox 3"/>
+          <p:cNvPr id="5" name="TextBox 4"/>
           <p:cNvSpPr txBox="1"/>
           <p:nvPr/>
         </p:nvSpPr>
         <p:spPr>
           <a:xfrm>
-            <a:off x="0" y="2644170"/>
-            <a:ext cx="12192000" cy="1569660"/>
+            <a:off x="745066" y="1659285"/>
+            <a:ext cx="11446933" cy="3539430"/>
           </a:xfrm>
           <a:prstGeom prst="rect">
             <a:avLst/>
@@ -13314,17 +13246,127 @@
           </a:bodyPr>
           <a:lstStyle/>
           <a:p>
-            <a:pPr algn="ctr"/>
-            <a:r>
-              <a:rPr lang="en-ZA" sz="9600" dirty="0" smtClean="0">
+            <a:r>
+              <a:rPr lang="en-ZA" sz="3200" dirty="0" smtClean="0">
                 <a:solidFill>
                   <a:schemeClr val="bg1"/>
                 </a:solidFill>
                 <a:latin typeface="Myriad Pro" panose="020B0503030403020204" pitchFamily="34" charset="0"/>
               </a:rPr>
-              <a:t>?</a:t>
-            </a:r>
-            <a:endParaRPr lang="en-ZA" sz="9600" dirty="0">
+              <a:t>sneakycode.net/getting-started-with-chat-ops</a:t>
+            </a:r>
+            <a:r>
+              <a:rPr lang="en-ZA" sz="3200" dirty="0">
+                <a:solidFill>
+                  <a:schemeClr val="bg1"/>
+                </a:solidFill>
+                <a:latin typeface="Myriad Pro" panose="020B0503030403020204" pitchFamily="34" charset="0"/>
+              </a:rPr>
+              <a:t>/</a:t>
+            </a:r>
+            <a:endParaRPr lang="en-ZA" sz="3200" dirty="0" smtClean="0">
+              <a:solidFill>
+                <a:schemeClr val="bg1"/>
+              </a:solidFill>
+              <a:latin typeface="Myriad Pro" panose="020B0503030403020204" pitchFamily="34" charset="0"/>
+            </a:endParaRPr>
+          </a:p>
+          <a:p>
+            <a:endParaRPr lang="en-ZA" sz="3200" dirty="0" smtClean="0">
+              <a:solidFill>
+                <a:schemeClr val="bg1"/>
+              </a:solidFill>
+              <a:latin typeface="Myriad Pro" panose="020B0503030403020204" pitchFamily="34" charset="0"/>
+            </a:endParaRPr>
+          </a:p>
+          <a:p>
+            <a:r>
+              <a:rPr lang="en-ZA" sz="3200" dirty="0" smtClean="0">
+                <a:solidFill>
+                  <a:schemeClr val="bg1"/>
+                </a:solidFill>
+                <a:latin typeface="Myriad Pro" panose="020B0503030403020204" pitchFamily="34" charset="0"/>
+              </a:rPr>
+              <a:t>pluralsight.com</a:t>
+            </a:r>
+            <a:endParaRPr lang="en-ZA" sz="3200" dirty="0" smtClean="0">
+              <a:solidFill>
+                <a:schemeClr val="bg1"/>
+              </a:solidFill>
+              <a:latin typeface="Myriad Pro" panose="020B0503030403020204" pitchFamily="34" charset="0"/>
+            </a:endParaRPr>
+          </a:p>
+          <a:p>
+            <a:endParaRPr lang="en-ZA" sz="3200" dirty="0" smtClean="0">
+              <a:solidFill>
+                <a:schemeClr val="bg1"/>
+              </a:solidFill>
+              <a:latin typeface="Myriad Pro" panose="020B0503030403020204" pitchFamily="34" charset="0"/>
+            </a:endParaRPr>
+          </a:p>
+          <a:p>
+            <a:r>
+              <a:rPr lang="en-ZA" sz="3200" dirty="0" smtClean="0">
+                <a:solidFill>
+                  <a:schemeClr val="bg1"/>
+                </a:solidFill>
+                <a:latin typeface="Myriad Pro" panose="020B0503030403020204" pitchFamily="34" charset="0"/>
+              </a:rPr>
+              <a:t>r/</a:t>
+            </a:r>
+            <a:r>
+              <a:rPr lang="en-ZA" sz="3200" dirty="0" err="1" smtClean="0">
+                <a:solidFill>
+                  <a:schemeClr val="bg1"/>
+                </a:solidFill>
+                <a:latin typeface="Myriad Pro" panose="020B0503030403020204" pitchFamily="34" charset="0"/>
+              </a:rPr>
+              <a:t>chatops</a:t>
+            </a:r>
+            <a:endParaRPr lang="en-ZA" sz="3200" dirty="0" smtClean="0">
+              <a:solidFill>
+                <a:schemeClr val="bg1"/>
+              </a:solidFill>
+              <a:latin typeface="Myriad Pro" panose="020B0503030403020204" pitchFamily="34" charset="0"/>
+            </a:endParaRPr>
+          </a:p>
+          <a:p>
+            <a:endParaRPr lang="en-ZA" sz="3200" dirty="0" smtClean="0">
+              <a:solidFill>
+                <a:schemeClr val="bg1"/>
+              </a:solidFill>
+              <a:latin typeface="Myriad Pro" panose="020B0503030403020204" pitchFamily="34" charset="0"/>
+            </a:endParaRPr>
+          </a:p>
+          <a:p>
+            <a:r>
+              <a:rPr lang="en-ZA" sz="3200" dirty="0" err="1" smtClean="0">
+                <a:solidFill>
+                  <a:schemeClr val="bg1"/>
+                </a:solidFill>
+                <a:latin typeface="Myriad Pro" panose="020B0503030403020204" pitchFamily="34" charset="0"/>
+              </a:rPr>
+              <a:t>chatops</a:t>
+            </a:r>
+            <a:r>
+              <a:rPr lang="en-ZA" sz="3200" dirty="0" smtClean="0">
+                <a:solidFill>
+                  <a:schemeClr val="bg1"/>
+                </a:solidFill>
+                <a:latin typeface="Myriad Pro" panose="020B0503030403020204" pitchFamily="34" charset="0"/>
+              </a:rPr>
+              <a:t> </a:t>
+            </a:r>
+            <a:r>
+              <a:rPr lang="en-ZA" sz="3200" dirty="0" smtClean="0">
+                <a:solidFill>
+                  <a:schemeClr val="bg1"/>
+                </a:solidFill>
+                <a:latin typeface="Myriad Pro" panose="020B0503030403020204" pitchFamily="34" charset="0"/>
+              </a:rPr>
+              <a:t>for dummies</a:t>
+            </a:r>
+            <a:endParaRPr lang="en-ZA" sz="3200" dirty="0">
               <a:solidFill>
                 <a:schemeClr val="bg1"/>
               </a:solidFill>
@@ -13385,118 +13427,6 @@
                 <a:latin typeface="Myriad Pro" panose="020B0503030403020204" pitchFamily="34" charset="0"/>
               </a:rPr>
               <a:t>pieterkoornhof</a:t>
-            </a:r>
-            <a:endParaRPr lang="en-ZA" sz="3200" dirty="0">
-              <a:solidFill>
-                <a:schemeClr val="bg1"/>
-              </a:solidFill>
-              <a:latin typeface="Myriad Pro" panose="020B0503030403020204" pitchFamily="34" charset="0"/>
-            </a:endParaRPr>
-          </a:p>
-        </p:txBody>
-      </p:sp>
-      <p:sp>
-        <p:nvSpPr>
-          <p:cNvPr id="5" name="TextBox 4"/>
-          <p:cNvSpPr txBox="1"/>
-          <p:nvPr/>
-        </p:nvSpPr>
-        <p:spPr>
-          <a:xfrm>
-            <a:off x="0" y="0"/>
-            <a:ext cx="12192000" cy="2062103"/>
-          </a:xfrm>
-          <a:prstGeom prst="rect">
-            <a:avLst/>
-          </a:prstGeom>
-          <a:noFill/>
-        </p:spPr>
-        <p:txBody>
-          <a:bodyPr wrap="square" rtlCol="0" anchor="ctr">
-            <a:spAutoFit/>
-          </a:bodyPr>
-          <a:lstStyle/>
-          <a:p>
-            <a:r>
-              <a:rPr lang="en-ZA" sz="3200" dirty="0">
-                <a:solidFill>
-                  <a:schemeClr val="bg1"/>
-                </a:solidFill>
-                <a:latin typeface="Myriad Pro" panose="020B0503030403020204" pitchFamily="34" charset="0"/>
-              </a:rPr>
-              <a:t>sneakycode.net/getting-started-with-chat-ops/</a:t>
-            </a:r>
-            <a:endParaRPr lang="en-ZA" sz="3200" dirty="0" smtClean="0">
-              <a:solidFill>
-                <a:schemeClr val="bg1"/>
-              </a:solidFill>
-              <a:latin typeface="Myriad Pro" panose="020B0503030403020204" pitchFamily="34" charset="0"/>
-            </a:endParaRPr>
-          </a:p>
-          <a:p>
-            <a:r>
-              <a:rPr lang="en-ZA" sz="3200" dirty="0">
-                <a:solidFill>
-                  <a:schemeClr val="bg1"/>
-                </a:solidFill>
-                <a:latin typeface="Myriad Pro" panose="020B0503030403020204" pitchFamily="34" charset="0"/>
-              </a:rPr>
-              <a:t>p</a:t>
-            </a:r>
-            <a:r>
-              <a:rPr lang="en-ZA" sz="3200" dirty="0" smtClean="0">
-                <a:solidFill>
-                  <a:schemeClr val="bg1"/>
-                </a:solidFill>
-                <a:latin typeface="Myriad Pro" panose="020B0503030403020204" pitchFamily="34" charset="0"/>
-              </a:rPr>
-              <a:t>luralsight.com</a:t>
-            </a:r>
-          </a:p>
-          <a:p>
-            <a:r>
-              <a:rPr lang="en-ZA" sz="3200" dirty="0" smtClean="0">
-                <a:solidFill>
-                  <a:schemeClr val="bg1"/>
-                </a:solidFill>
-                <a:latin typeface="Myriad Pro" panose="020B0503030403020204" pitchFamily="34" charset="0"/>
-              </a:rPr>
-              <a:t>r/</a:t>
-            </a:r>
-            <a:r>
-              <a:rPr lang="en-ZA" sz="3200" dirty="0" err="1" smtClean="0">
-                <a:solidFill>
-                  <a:schemeClr val="bg1"/>
-                </a:solidFill>
-                <a:latin typeface="Myriad Pro" panose="020B0503030403020204" pitchFamily="34" charset="0"/>
-              </a:rPr>
-              <a:t>chatops</a:t>
-            </a:r>
-            <a:endParaRPr lang="en-ZA" sz="3200" dirty="0" smtClean="0">
-              <a:solidFill>
-                <a:schemeClr val="bg1"/>
-              </a:solidFill>
-              <a:latin typeface="Myriad Pro" panose="020B0503030403020204" pitchFamily="34" charset="0"/>
-            </a:endParaRPr>
-          </a:p>
-          <a:p>
-            <a:r>
-              <a:rPr lang="en-ZA" sz="3200" dirty="0" err="1" smtClean="0">
-                <a:solidFill>
-                  <a:schemeClr val="bg1"/>
-                </a:solidFill>
-                <a:latin typeface="Myriad Pro" panose="020B0503030403020204" pitchFamily="34" charset="0"/>
-              </a:rPr>
-              <a:t>chatops</a:t>
-            </a:r>
-            <a:r>
-              <a:rPr lang="en-ZA" sz="3200" dirty="0" smtClean="0">
-                <a:solidFill>
-                  <a:schemeClr val="bg1"/>
-                </a:solidFill>
-                <a:latin typeface="Myriad Pro" panose="020B0503030403020204" pitchFamily="34" charset="0"/>
-              </a:rPr>
-              <a:t> for dummies</a:t>
             </a:r>
             <a:endParaRPr lang="en-ZA" sz="3200" dirty="0">
               <a:solidFill>
@@ -13566,6 +13496,7 @@
           </a:bodyPr>
           <a:lstStyle/>
           <a:p>
+            <a:pPr algn="ctr"/>
             <a:r>
               <a:rPr lang="en-ZA" sz="9600" dirty="0" smtClean="0">
                 <a:solidFill>
@@ -13576,6 +13507,7 @@
             </a:r>
           </a:p>
           <a:p>
+            <a:pPr algn="ctr"/>
             <a:r>
               <a:rPr lang="en-ZA" sz="9600" dirty="0" smtClean="0">
                 <a:solidFill>
@@ -13586,6 +13518,7 @@
             </a:r>
           </a:p>
           <a:p>
+            <a:pPr algn="ctr"/>
             <a:r>
               <a:rPr lang="en-ZA" sz="9600" dirty="0" smtClean="0">
                 <a:solidFill>
@@ -13596,6 +13529,7 @@
             </a:r>
           </a:p>
           <a:p>
+            <a:pPr algn="ctr"/>
             <a:r>
               <a:rPr lang="en-ZA" sz="9600" dirty="0">
                 <a:solidFill>

--- a/jsinsa ChatopsV10.pptx
+++ b/jsinsa ChatopsV10.pptx
@@ -5,7 +5,7 @@
     <p:sldMasterId id="2147483648" r:id="rId1"/>
   </p:sldMasterIdLst>
   <p:notesMasterIdLst>
-    <p:notesMasterId r:id="rId48"/>
+    <p:notesMasterId r:id="rId46"/>
   </p:notesMasterIdLst>
   <p:sldIdLst>
     <p:sldId id="256" r:id="rId2"/>
@@ -32,28 +32,26 @@
     <p:sldId id="278" r:id="rId23"/>
     <p:sldId id="281" r:id="rId24"/>
     <p:sldId id="293" r:id="rId25"/>
-    <p:sldId id="282" r:id="rId26"/>
-    <p:sldId id="259" r:id="rId27"/>
-    <p:sldId id="283" r:id="rId28"/>
-    <p:sldId id="284" r:id="rId29"/>
-    <p:sldId id="285" r:id="rId30"/>
-    <p:sldId id="291" r:id="rId31"/>
-    <p:sldId id="299" r:id="rId32"/>
-    <p:sldId id="300" r:id="rId33"/>
-    <p:sldId id="297" r:id="rId34"/>
-    <p:sldId id="301" r:id="rId35"/>
-    <p:sldId id="302" r:id="rId36"/>
-    <p:sldId id="303" r:id="rId37"/>
-    <p:sldId id="307" r:id="rId38"/>
-    <p:sldId id="304" r:id="rId39"/>
-    <p:sldId id="305" r:id="rId40"/>
-    <p:sldId id="306" r:id="rId41"/>
-    <p:sldId id="286" r:id="rId42"/>
-    <p:sldId id="310" r:id="rId43"/>
-    <p:sldId id="308" r:id="rId44"/>
-    <p:sldId id="287" r:id="rId45"/>
-    <p:sldId id="288" r:id="rId46"/>
-    <p:sldId id="292" r:id="rId47"/>
+    <p:sldId id="313" r:id="rId26"/>
+    <p:sldId id="312" r:id="rId27"/>
+    <p:sldId id="259" r:id="rId28"/>
+    <p:sldId id="283" r:id="rId29"/>
+    <p:sldId id="284" r:id="rId30"/>
+    <p:sldId id="285" r:id="rId31"/>
+    <p:sldId id="291" r:id="rId32"/>
+    <p:sldId id="299" r:id="rId33"/>
+    <p:sldId id="300" r:id="rId34"/>
+    <p:sldId id="297" r:id="rId35"/>
+    <p:sldId id="301" r:id="rId36"/>
+    <p:sldId id="302" r:id="rId37"/>
+    <p:sldId id="306" r:id="rId38"/>
+    <p:sldId id="286" r:id="rId39"/>
+    <p:sldId id="310" r:id="rId40"/>
+    <p:sldId id="308" r:id="rId41"/>
+    <p:sldId id="287" r:id="rId42"/>
+    <p:sldId id="288" r:id="rId43"/>
+    <p:sldId id="311" r:id="rId44"/>
+    <p:sldId id="292" r:id="rId45"/>
   </p:sldIdLst>
   <p:sldSz cx="12192000" cy="6858000"/>
   <p:notesSz cx="6858000" cy="9144000"/>
@@ -253,7 +251,7 @@
           <a:p>
             <a:fld id="{30057009-4574-49AA-B876-48CDFD5BB680}" type="datetimeFigureOut">
               <a:rPr lang="en-ZA" smtClean="0"/>
-              <a:t>2015/07/09</a:t>
+              <a:t>2015/07/10</a:t>
             </a:fld>
             <a:endParaRPr lang="en-ZA"/>
           </a:p>
@@ -2231,59 +2229,16 @@
           <a:p>
             <a:r>
               <a:rPr lang="en-ZA" dirty="0" smtClean="0"/>
-              <a:t>Lets talk about chat robots.</a:t>
-            </a:r>
+              <a:t>Product owner and team</a:t>
+            </a:r>
+          </a:p>
+          <a:p>
+            <a:endParaRPr lang="en-ZA" dirty="0" smtClean="0"/>
           </a:p>
           <a:p>
             <a:r>
               <a:rPr lang="en-ZA" dirty="0" smtClean="0"/>
-              <a:t>There are a few</a:t>
-            </a:r>
-            <a:r>
-              <a:rPr lang="en-ZA" baseline="0" dirty="0" smtClean="0"/>
-              <a:t> on the market namely </a:t>
-            </a:r>
-            <a:r>
-              <a:rPr lang="en-ZA" baseline="0" dirty="0" err="1" smtClean="0"/>
-              <a:t>hubot</a:t>
-            </a:r>
-            <a:r>
-              <a:rPr lang="en-ZA" baseline="0" dirty="0" smtClean="0"/>
-              <a:t>, </a:t>
-            </a:r>
-            <a:r>
-              <a:rPr lang="en-ZA" baseline="0" dirty="0" err="1" smtClean="0"/>
-              <a:t>lita</a:t>
-            </a:r>
-            <a:r>
-              <a:rPr lang="en-ZA" baseline="0" dirty="0" smtClean="0"/>
-              <a:t>, err, </a:t>
-            </a:r>
-            <a:r>
-              <a:rPr lang="en-ZA" baseline="0" dirty="0" err="1" smtClean="0"/>
-              <a:t>mmbot</a:t>
-            </a:r>
-            <a:r>
-              <a:rPr lang="en-ZA" baseline="0" dirty="0" smtClean="0"/>
-              <a:t>. Or you can just roll your own.</a:t>
-            </a:r>
-          </a:p>
-          <a:p>
-            <a:r>
-              <a:rPr lang="en-ZA" baseline="0" dirty="0" smtClean="0"/>
-              <a:t>As this is a </a:t>
-            </a:r>
-            <a:r>
-              <a:rPr lang="en-ZA" baseline="0" dirty="0" err="1" smtClean="0"/>
-              <a:t>js</a:t>
-            </a:r>
-            <a:r>
-              <a:rPr lang="en-ZA" baseline="0" dirty="0" smtClean="0"/>
-              <a:t> conference we will look at </a:t>
-            </a:r>
-            <a:r>
-              <a:rPr lang="en-ZA" baseline="0" dirty="0" err="1" smtClean="0"/>
-              <a:t>hubot</a:t>
+              <a:t>Company of over 200 culture</a:t>
             </a:r>
             <a:endParaRPr lang="en-ZA" dirty="0"/>
           </a:p>
@@ -2315,7 +2270,7 @@
     </p:spTree>
     <p:extLst>
       <p:ext uri="{BB962C8B-B14F-4D97-AF65-F5344CB8AC3E}">
-        <p14:creationId xmlns:p14="http://schemas.microsoft.com/office/powerpoint/2010/main" val="263865666"/>
+        <p14:creationId xmlns:p14="http://schemas.microsoft.com/office/powerpoint/2010/main" val="534260060"/>
       </p:ext>
     </p:extLst>
   </p:cSld>
@@ -2370,41 +2325,18 @@
           <a:lstStyle/>
           <a:p>
             <a:r>
-              <a:rPr lang="en-ZA" baseline="0" dirty="0" err="1" smtClean="0"/>
-              <a:t>Hubot</a:t>
+              <a:rPr lang="en-ZA" dirty="0" smtClean="0"/>
+              <a:t>Lets talk about chat robots.</a:t>
+            </a:r>
+          </a:p>
+          <a:p>
+            <a:r>
+              <a:rPr lang="en-ZA" dirty="0" smtClean="0"/>
+              <a:t>There are a few</a:t>
             </a:r>
             <a:r>
               <a:rPr lang="en-ZA" baseline="0" dirty="0" smtClean="0"/>
-              <a:t> is a chat robot made by </a:t>
-            </a:r>
-            <a:r>
-              <a:rPr lang="en-ZA" baseline="0" dirty="0" err="1" smtClean="0"/>
-              <a:t>github</a:t>
-            </a:r>
-            <a:endParaRPr lang="en-ZA" baseline="0" dirty="0" smtClean="0"/>
-          </a:p>
-          <a:p>
-            <a:r>
-              <a:rPr lang="en-ZA" baseline="0" dirty="0" smtClean="0"/>
-              <a:t>He is largely responsible for the chat ops movement.</a:t>
-            </a:r>
-          </a:p>
-          <a:p>
-            <a:r>
-              <a:rPr lang="en-ZA" baseline="0" dirty="0" smtClean="0"/>
-              <a:t>He runs node so he is all hipster and what not. </a:t>
-            </a:r>
-          </a:p>
-          <a:p>
-            <a:r>
-              <a:rPr lang="en-ZA" baseline="0" dirty="0" smtClean="0"/>
-              <a:t>He is written in coffee script so that makes him even more hipster. I wonder why he does not have a beard?</a:t>
-            </a:r>
-          </a:p>
-          <a:p>
-            <a:r>
-              <a:rPr lang="en-ZA" baseline="0" dirty="0" smtClean="0"/>
-              <a:t>You can easily write scripts for </a:t>
+              <a:t> on the market namely </a:t>
             </a:r>
             <a:r>
               <a:rPr lang="en-ZA" baseline="0" dirty="0" err="1" smtClean="0"/>
@@ -2412,7 +2344,29 @@
             </a:r>
             <a:r>
               <a:rPr lang="en-ZA" baseline="0" dirty="0" smtClean="0"/>
-              <a:t> that you just drop in a folder (either coffee script or </a:t>
+              <a:t>, </a:t>
+            </a:r>
+            <a:r>
+              <a:rPr lang="en-ZA" baseline="0" dirty="0" err="1" smtClean="0"/>
+              <a:t>lita</a:t>
+            </a:r>
+            <a:r>
+              <a:rPr lang="en-ZA" baseline="0" dirty="0" smtClean="0"/>
+              <a:t>, err, </a:t>
+            </a:r>
+            <a:r>
+              <a:rPr lang="en-ZA" baseline="0" dirty="0" err="1" smtClean="0"/>
+              <a:t>mmbot</a:t>
+            </a:r>
+            <a:r>
+              <a:rPr lang="en-ZA" baseline="0" dirty="0" smtClean="0"/>
+              <a:t>. Or you can just roll your own.</a:t>
+            </a:r>
+          </a:p>
+          <a:p>
+            <a:r>
+              <a:rPr lang="en-ZA" baseline="0" dirty="0" smtClean="0"/>
+              <a:t>As this is a </a:t>
             </a:r>
             <a:r>
               <a:rPr lang="en-ZA" baseline="0" dirty="0" err="1" smtClean="0"/>
@@ -2420,10 +2374,12 @@
             </a:r>
             <a:r>
               <a:rPr lang="en-ZA" baseline="0" dirty="0" smtClean="0"/>
-              <a:t>)</a:t>
-            </a:r>
-          </a:p>
-          <a:p>
+              <a:t> conference we will look at </a:t>
+            </a:r>
+            <a:r>
+              <a:rPr lang="en-ZA" baseline="0" dirty="0" err="1" smtClean="0"/>
+              <a:t>hubot</a:t>
+            </a:r>
             <a:endParaRPr lang="en-ZA" dirty="0"/>
           </a:p>
         </p:txBody>
@@ -2454,7 +2410,7 @@
     </p:spTree>
     <p:extLst>
       <p:ext uri="{BB962C8B-B14F-4D97-AF65-F5344CB8AC3E}">
-        <p14:creationId xmlns:p14="http://schemas.microsoft.com/office/powerpoint/2010/main" val="698916229"/>
+        <p14:creationId xmlns:p14="http://schemas.microsoft.com/office/powerpoint/2010/main" val="769853577"/>
       </p:ext>
     </p:extLst>
   </p:cSld>
@@ -2509,9 +2465,60 @@
           <a:lstStyle/>
           <a:p>
             <a:r>
-              <a:rPr lang="en-ZA" dirty="0" smtClean="0"/>
-              <a:t>Find him at</a:t>
-            </a:r>
+              <a:rPr lang="en-ZA" baseline="0" dirty="0" err="1" smtClean="0"/>
+              <a:t>Hubot</a:t>
+            </a:r>
+            <a:r>
+              <a:rPr lang="en-ZA" baseline="0" dirty="0" smtClean="0"/>
+              <a:t> is a chat robot made by </a:t>
+            </a:r>
+            <a:r>
+              <a:rPr lang="en-ZA" baseline="0" dirty="0" err="1" smtClean="0"/>
+              <a:t>github</a:t>
+            </a:r>
+            <a:endParaRPr lang="en-ZA" baseline="0" dirty="0" smtClean="0"/>
+          </a:p>
+          <a:p>
+            <a:r>
+              <a:rPr lang="en-ZA" baseline="0" dirty="0" smtClean="0"/>
+              <a:t>He is largely responsible for the chat ops movement.</a:t>
+            </a:r>
+          </a:p>
+          <a:p>
+            <a:r>
+              <a:rPr lang="en-ZA" baseline="0" dirty="0" smtClean="0"/>
+              <a:t>He runs node so he is all hipster and what not. </a:t>
+            </a:r>
+          </a:p>
+          <a:p>
+            <a:r>
+              <a:rPr lang="en-ZA" baseline="0" dirty="0" smtClean="0"/>
+              <a:t>He is written in coffee script so that makes him even more hipster. I wonder why he does not have a beard?</a:t>
+            </a:r>
+          </a:p>
+          <a:p>
+            <a:r>
+              <a:rPr lang="en-ZA" baseline="0" dirty="0" smtClean="0"/>
+              <a:t>You can easily write scripts for </a:t>
+            </a:r>
+            <a:r>
+              <a:rPr lang="en-ZA" baseline="0" dirty="0" err="1" smtClean="0"/>
+              <a:t>hubot</a:t>
+            </a:r>
+            <a:r>
+              <a:rPr lang="en-ZA" baseline="0" dirty="0" smtClean="0"/>
+              <a:t> that you just drop in a folder (either coffee script or </a:t>
+            </a:r>
+            <a:r>
+              <a:rPr lang="en-ZA" baseline="0" dirty="0" err="1" smtClean="0"/>
+              <a:t>js</a:t>
+            </a:r>
+            <a:r>
+              <a:rPr lang="en-ZA" baseline="0" dirty="0" smtClean="0"/>
+              <a:t>)</a:t>
+            </a:r>
+          </a:p>
+          <a:p>
             <a:endParaRPr lang="en-ZA" dirty="0"/>
           </a:p>
         </p:txBody>
@@ -2542,7 +2549,7 @@
     </p:spTree>
     <p:extLst>
       <p:ext uri="{BB962C8B-B14F-4D97-AF65-F5344CB8AC3E}">
-        <p14:creationId xmlns:p14="http://schemas.microsoft.com/office/powerpoint/2010/main" val="3625321067"/>
+        <p14:creationId xmlns:p14="http://schemas.microsoft.com/office/powerpoint/2010/main" val="698916229"/>
       </p:ext>
     </p:extLst>
   </p:cSld>
@@ -2598,50 +2605,7 @@
           <a:p>
             <a:r>
               <a:rPr lang="en-ZA" dirty="0" smtClean="0"/>
-              <a:t>He is easy to make. You will need node.js and </a:t>
-            </a:r>
-            <a:r>
-              <a:rPr lang="en-ZA" dirty="0" err="1" smtClean="0"/>
-              <a:t>npm</a:t>
-            </a:r>
-            <a:r>
-              <a:rPr lang="en-ZA" dirty="0" smtClean="0"/>
-              <a:t>.</a:t>
-            </a:r>
-          </a:p>
-          <a:p>
-            <a:r>
-              <a:rPr lang="en-ZA" dirty="0" smtClean="0"/>
-              <a:t>Install his yeoman</a:t>
-            </a:r>
-            <a:r>
-              <a:rPr lang="en-ZA" baseline="0" dirty="0" smtClean="0"/>
-              <a:t> </a:t>
-            </a:r>
-            <a:r>
-              <a:rPr lang="en-ZA" dirty="0" smtClean="0"/>
-              <a:t>generator</a:t>
-            </a:r>
-          </a:p>
-          <a:p>
-            <a:r>
-              <a:rPr lang="en-ZA" dirty="0" smtClean="0"/>
-              <a:t>Go</a:t>
-            </a:r>
-            <a:r>
-              <a:rPr lang="en-ZA" baseline="0" dirty="0" smtClean="0"/>
-              <a:t> to a folder of choice and say </a:t>
-            </a:r>
-            <a:r>
-              <a:rPr lang="en-ZA" baseline="0" dirty="0" err="1" smtClean="0"/>
-              <a:t>yo</a:t>
-            </a:r>
-            <a:endParaRPr lang="en-ZA" baseline="0" dirty="0" smtClean="0"/>
-          </a:p>
-          <a:p>
-            <a:r>
-              <a:rPr lang="en-ZA" baseline="0" dirty="0" smtClean="0"/>
-              <a:t>Optionally install a chat room adapter</a:t>
+              <a:t>Find him at</a:t>
             </a:r>
             <a:endParaRPr lang="en-ZA" dirty="0"/>
           </a:p>
@@ -2673,7 +2637,7 @@
     </p:spTree>
     <p:extLst>
       <p:ext uri="{BB962C8B-B14F-4D97-AF65-F5344CB8AC3E}">
-        <p14:creationId xmlns:p14="http://schemas.microsoft.com/office/powerpoint/2010/main" val="267301954"/>
+        <p14:creationId xmlns:p14="http://schemas.microsoft.com/office/powerpoint/2010/main" val="3625321067"/>
       </p:ext>
     </p:extLst>
   </p:cSld>
@@ -2729,17 +2693,50 @@
           <a:p>
             <a:r>
               <a:rPr lang="en-ZA" dirty="0" smtClean="0"/>
-              <a:t>Run him</a:t>
+              <a:t>He is easy to make. You will need node.js and </a:t>
+            </a:r>
+            <a:r>
+              <a:rPr lang="en-ZA" dirty="0" err="1" smtClean="0"/>
+              <a:t>npm</a:t>
+            </a:r>
+            <a:r>
+              <a:rPr lang="en-ZA" dirty="0" smtClean="0"/>
+              <a:t>.</a:t>
+            </a:r>
+          </a:p>
+          <a:p>
+            <a:r>
+              <a:rPr lang="en-ZA" dirty="0" smtClean="0"/>
+              <a:t>Install his yeoman</a:t>
             </a:r>
             <a:r>
               <a:rPr lang="en-ZA" baseline="0" dirty="0" smtClean="0"/>
-              <a:t> (demo here)</a:t>
-            </a:r>
-          </a:p>
-          <a:p>
+              <a:t> </a:t>
+            </a:r>
+            <a:r>
+              <a:rPr lang="en-ZA" dirty="0" smtClean="0"/>
+              <a:t>generator</a:t>
+            </a:r>
+          </a:p>
+          <a:p>
+            <a:r>
+              <a:rPr lang="en-ZA" dirty="0" smtClean="0"/>
+              <a:t>Go</a:t>
+            </a:r>
             <a:r>
               <a:rPr lang="en-ZA" baseline="0" dirty="0" smtClean="0"/>
-              <a:t>Show some funnies</a:t>
+              <a:t> to a folder of choice and say </a:t>
+            </a:r>
+            <a:r>
+              <a:rPr lang="en-ZA" baseline="0" dirty="0" err="1" smtClean="0"/>
+              <a:t>yo</a:t>
+            </a:r>
+            <a:endParaRPr lang="en-ZA" baseline="0" dirty="0" smtClean="0"/>
+          </a:p>
+          <a:p>
+            <a:r>
+              <a:rPr lang="en-ZA" baseline="0" dirty="0" smtClean="0"/>
+              <a:t>Optionally install a chat room adapter</a:t>
             </a:r>
             <a:endParaRPr lang="en-ZA" dirty="0"/>
           </a:p>
@@ -2771,7 +2768,7 @@
     </p:spTree>
     <p:extLst>
       <p:ext uri="{BB962C8B-B14F-4D97-AF65-F5344CB8AC3E}">
-        <p14:creationId xmlns:p14="http://schemas.microsoft.com/office/powerpoint/2010/main" val="3191425804"/>
+        <p14:creationId xmlns:p14="http://schemas.microsoft.com/office/powerpoint/2010/main" val="267301954"/>
       </p:ext>
     </p:extLst>
   </p:cSld>
@@ -2827,57 +2824,18 @@
           <a:p>
             <a:r>
               <a:rPr lang="en-ZA" dirty="0" smtClean="0"/>
-              <a:t>Scripting</a:t>
+              <a:t>Run him</a:t>
             </a:r>
             <a:r>
               <a:rPr lang="en-ZA" baseline="0" dirty="0" smtClean="0"/>
-              <a:t> is really easy</a:t>
+              <a:t> (demo here)</a:t>
             </a:r>
           </a:p>
           <a:p>
             <a:r>
               <a:rPr lang="en-ZA" baseline="0" dirty="0" smtClean="0"/>
-              <a:t>Include him</a:t>
-            </a:r>
-          </a:p>
-          <a:p>
-            <a:r>
-              <a:rPr lang="en-ZA" baseline="0" dirty="0" smtClean="0"/>
-              <a:t>He can hear</a:t>
-            </a:r>
-          </a:p>
-          <a:p>
-            <a:r>
-              <a:rPr lang="en-ZA" baseline="0" dirty="0" smtClean="0"/>
-              <a:t>He can respond</a:t>
-            </a:r>
-          </a:p>
-          <a:p>
-            <a:r>
-              <a:rPr lang="en-ZA" baseline="0" dirty="0" smtClean="0"/>
-              <a:t>It is all just </a:t>
-            </a:r>
-            <a:r>
-              <a:rPr lang="en-ZA" baseline="0" dirty="0" err="1" smtClean="0"/>
-              <a:t>javascript</a:t>
-            </a:r>
-            <a:r>
-              <a:rPr lang="en-ZA" baseline="0" dirty="0" smtClean="0"/>
-              <a:t> so you can have him do anything that you can think of</a:t>
-            </a:r>
-          </a:p>
-          <a:p>
-            <a:r>
-              <a:rPr lang="en-ZA" baseline="0" dirty="0" smtClean="0"/>
-              <a:t>Include existing scripts using </a:t>
-            </a:r>
-            <a:r>
-              <a:rPr lang="en-ZA" baseline="0" dirty="0" err="1" smtClean="0"/>
-              <a:t>npm</a:t>
-            </a:r>
-            <a:endParaRPr lang="en-ZA" baseline="0" dirty="0" smtClean="0"/>
-          </a:p>
-          <a:p>
+              <a:t>Show some funnies</a:t>
+            </a:r>
             <a:endParaRPr lang="en-ZA" dirty="0"/>
           </a:p>
         </p:txBody>
@@ -2908,7 +2866,7 @@
     </p:spTree>
     <p:extLst>
       <p:ext uri="{BB962C8B-B14F-4D97-AF65-F5344CB8AC3E}">
-        <p14:creationId xmlns:p14="http://schemas.microsoft.com/office/powerpoint/2010/main" val="3847984821"/>
+        <p14:creationId xmlns:p14="http://schemas.microsoft.com/office/powerpoint/2010/main" val="3191425804"/>
       </p:ext>
     </p:extLst>
   </p:cSld>
@@ -3036,7 +2994,7 @@
           <a:p>
             <a:fld id="{95E9F09B-B73F-41E8-9F34-ADBE2E9CAE31}" type="slidenum">
               <a:rPr lang="en-ZA" smtClean="0"/>
-              <a:t>33</a:t>
+              <a:t>31</a:t>
             </a:fld>
             <a:endParaRPr lang="en-ZA"/>
           </a:p>
@@ -3045,7 +3003,7 @@
     </p:spTree>
     <p:extLst>
       <p:ext uri="{BB962C8B-B14F-4D97-AF65-F5344CB8AC3E}">
-        <p14:creationId xmlns:p14="http://schemas.microsoft.com/office/powerpoint/2010/main" val="173476601"/>
+        <p14:creationId xmlns:p14="http://schemas.microsoft.com/office/powerpoint/2010/main" val="3847984821"/>
       </p:ext>
     </p:extLst>
   </p:cSld>
@@ -3100,21 +3058,58 @@
           <a:lstStyle/>
           <a:p>
             <a:r>
-              <a:rPr lang="en-ZA" dirty="0" err="1" smtClean="0"/>
-              <a:t>Hubot</a:t>
+              <a:rPr lang="en-ZA" dirty="0" smtClean="0"/>
+              <a:t>Scripting</a:t>
             </a:r>
             <a:r>
               <a:rPr lang="en-ZA" baseline="0" dirty="0" smtClean="0"/>
-              <a:t> calls a fabric script that through that deploys changes to a server through </a:t>
+              <a:t> is really easy</a:t>
+            </a:r>
+          </a:p>
+          <a:p>
+            <a:r>
+              <a:rPr lang="en-ZA" baseline="0" dirty="0" smtClean="0"/>
+              <a:t>Include him</a:t>
+            </a:r>
+          </a:p>
+          <a:p>
+            <a:r>
+              <a:rPr lang="en-ZA" baseline="0" dirty="0" smtClean="0"/>
+              <a:t>He can hear</a:t>
+            </a:r>
+          </a:p>
+          <a:p>
+            <a:r>
+              <a:rPr lang="en-ZA" baseline="0" dirty="0" smtClean="0"/>
+              <a:t>He can respond</a:t>
+            </a:r>
+          </a:p>
+          <a:p>
+            <a:r>
+              <a:rPr lang="en-ZA" baseline="0" dirty="0" smtClean="0"/>
+              <a:t>It is all just </a:t>
             </a:r>
             <a:r>
               <a:rPr lang="en-ZA" baseline="0" dirty="0" err="1" smtClean="0"/>
-              <a:t>ssh</a:t>
+              <a:t>javascript</a:t>
             </a:r>
             <a:r>
               <a:rPr lang="en-ZA" baseline="0" dirty="0" smtClean="0"/>
-              <a:t>. </a:t>
-            </a:r>
+              <a:t> so you can have him do anything that you can think of</a:t>
+            </a:r>
+          </a:p>
+          <a:p>
+            <a:r>
+              <a:rPr lang="en-ZA" baseline="0" dirty="0" smtClean="0"/>
+              <a:t>Include existing scripts using </a:t>
+            </a:r>
+            <a:r>
+              <a:rPr lang="en-ZA" baseline="0" dirty="0" err="1" smtClean="0"/>
+              <a:t>npm</a:t>
+            </a:r>
+            <a:endParaRPr lang="en-ZA" baseline="0" dirty="0" smtClean="0"/>
+          </a:p>
+          <a:p>
             <a:endParaRPr lang="en-ZA" dirty="0"/>
           </a:p>
         </p:txBody>
@@ -3136,7 +3131,7 @@
           <a:p>
             <a:fld id="{95E9F09B-B73F-41E8-9F34-ADBE2E9CAE31}" type="slidenum">
               <a:rPr lang="en-ZA" smtClean="0"/>
-              <a:t>44</a:t>
+              <a:t>34</a:t>
             </a:fld>
             <a:endParaRPr lang="en-ZA"/>
           </a:p>
@@ -3145,7 +3140,7 @@
     </p:spTree>
     <p:extLst>
       <p:ext uri="{BB962C8B-B14F-4D97-AF65-F5344CB8AC3E}">
-        <p14:creationId xmlns:p14="http://schemas.microsoft.com/office/powerpoint/2010/main" val="3348958723"/>
+        <p14:creationId xmlns:p14="http://schemas.microsoft.com/office/powerpoint/2010/main" val="173476601"/>
       </p:ext>
     </p:extLst>
   </p:cSld>
@@ -3308,8 +3303,20 @@
           <a:lstStyle/>
           <a:p>
             <a:r>
-              <a:rPr lang="en-ZA" dirty="0" smtClean="0"/>
-              <a:t>More info</a:t>
+              <a:rPr lang="en-ZA" dirty="0" err="1" smtClean="0"/>
+              <a:t>Hubot</a:t>
+            </a:r>
+            <a:r>
+              <a:rPr lang="en-ZA" baseline="0" dirty="0" smtClean="0"/>
+              <a:t> calls a fabric script that through that deploys changes to a server through </a:t>
+            </a:r>
+            <a:r>
+              <a:rPr lang="en-ZA" baseline="0" dirty="0" err="1" smtClean="0"/>
+              <a:t>ssh</a:t>
+            </a:r>
+            <a:r>
+              <a:rPr lang="en-ZA" baseline="0" dirty="0" smtClean="0"/>
+              <a:t>. </a:t>
             </a:r>
             <a:endParaRPr lang="en-ZA" dirty="0"/>
           </a:p>
@@ -3332,7 +3339,7 @@
           <a:p>
             <a:fld id="{95E9F09B-B73F-41E8-9F34-ADBE2E9CAE31}" type="slidenum">
               <a:rPr lang="en-ZA" smtClean="0"/>
-              <a:t>45</a:t>
+              <a:t>41</a:t>
             </a:fld>
             <a:endParaRPr lang="en-ZA"/>
           </a:p>
@@ -3341,7 +3348,7 @@
     </p:spTree>
     <p:extLst>
       <p:ext uri="{BB962C8B-B14F-4D97-AF65-F5344CB8AC3E}">
-        <p14:creationId xmlns:p14="http://schemas.microsoft.com/office/powerpoint/2010/main" val="978292509"/>
+        <p14:creationId xmlns:p14="http://schemas.microsoft.com/office/powerpoint/2010/main" val="3348958723"/>
       </p:ext>
     </p:extLst>
   </p:cSld>
@@ -3395,6 +3402,10 @@
           <a:bodyPr/>
           <a:lstStyle/>
           <a:p>
+            <a:r>
+              <a:rPr lang="en-ZA" dirty="0" smtClean="0"/>
+              <a:t>More info</a:t>
+            </a:r>
             <a:endParaRPr lang="en-ZA" dirty="0"/>
           </a:p>
         </p:txBody>
@@ -3416,7 +3427,91 @@
           <a:p>
             <a:fld id="{95E9F09B-B73F-41E8-9F34-ADBE2E9CAE31}" type="slidenum">
               <a:rPr lang="en-ZA" smtClean="0"/>
-              <a:t>46</a:t>
+              <a:t>42</a:t>
+            </a:fld>
+            <a:endParaRPr lang="en-ZA"/>
+          </a:p>
+        </p:txBody>
+      </p:sp>
+    </p:spTree>
+    <p:extLst>
+      <p:ext uri="{BB962C8B-B14F-4D97-AF65-F5344CB8AC3E}">
+        <p14:creationId xmlns:p14="http://schemas.microsoft.com/office/powerpoint/2010/main" val="978292509"/>
+      </p:ext>
+    </p:extLst>
+  </p:cSld>
+  <p:clrMapOvr>
+    <a:masterClrMapping/>
+  </p:clrMapOvr>
+</p:notes>
+</file>
+
+<file path=ppt/notesSlides/notesSlide32.xml><?xml version="1.0" encoding="utf-8"?>
+<p:notes xmlns:a="http://schemas.openxmlformats.org/drawingml/2006/main" xmlns:r="http://schemas.openxmlformats.org/officeDocument/2006/relationships" xmlns:p="http://schemas.openxmlformats.org/presentationml/2006/main">
+  <p:cSld>
+    <p:spTree>
+      <p:nvGrpSpPr>
+        <p:cNvPr id="1" name=""/>
+        <p:cNvGrpSpPr/>
+        <p:nvPr/>
+      </p:nvGrpSpPr>
+      <p:grpSpPr>
+        <a:xfrm>
+          <a:off x="0" y="0"/>
+          <a:ext cx="0" cy="0"/>
+          <a:chOff x="0" y="0"/>
+          <a:chExt cx="0" cy="0"/>
+        </a:xfrm>
+      </p:grpSpPr>
+      <p:sp>
+        <p:nvSpPr>
+          <p:cNvPr id="2" name="Slide Image Placeholder 1"/>
+          <p:cNvSpPr>
+            <a:spLocks noGrp="1" noRot="1" noChangeAspect="1"/>
+          </p:cNvSpPr>
+          <p:nvPr>
+            <p:ph type="sldImg"/>
+          </p:nvPr>
+        </p:nvSpPr>
+        <p:spPr/>
+      </p:sp>
+      <p:sp>
+        <p:nvSpPr>
+          <p:cNvPr id="3" name="Notes Placeholder 2"/>
+          <p:cNvSpPr>
+            <a:spLocks noGrp="1"/>
+          </p:cNvSpPr>
+          <p:nvPr>
+            <p:ph type="body" idx="1"/>
+          </p:nvPr>
+        </p:nvSpPr>
+        <p:spPr/>
+        <p:txBody>
+          <a:bodyPr/>
+          <a:lstStyle/>
+          <a:p>
+            <a:endParaRPr lang="en-ZA" dirty="0"/>
+          </a:p>
+        </p:txBody>
+      </p:sp>
+      <p:sp>
+        <p:nvSpPr>
+          <p:cNvPr id="4" name="Slide Number Placeholder 3"/>
+          <p:cNvSpPr>
+            <a:spLocks noGrp="1"/>
+          </p:cNvSpPr>
+          <p:nvPr>
+            <p:ph type="sldNum" sz="quarter" idx="10"/>
+          </p:nvPr>
+        </p:nvSpPr>
+        <p:spPr/>
+        <p:txBody>
+          <a:bodyPr/>
+          <a:lstStyle/>
+          <a:p>
+            <a:fld id="{95E9F09B-B73F-41E8-9F34-ADBE2E9CAE31}" type="slidenum">
+              <a:rPr lang="en-ZA" smtClean="0"/>
+              <a:t>44</a:t>
             </a:fld>
             <a:endParaRPr lang="en-ZA"/>
           </a:p>
@@ -4414,7 +4509,7 @@
           <a:p>
             <a:fld id="{A6E25B83-11D2-4114-86CE-6A7A46DF2064}" type="datetimeFigureOut">
               <a:rPr lang="en-ZA" smtClean="0"/>
-              <a:t>2015/07/09</a:t>
+              <a:t>2015/07/10</a:t>
             </a:fld>
             <a:endParaRPr lang="en-ZA"/>
           </a:p>
@@ -4584,7 +4679,7 @@
           <a:p>
             <a:fld id="{A6E25B83-11D2-4114-86CE-6A7A46DF2064}" type="datetimeFigureOut">
               <a:rPr lang="en-ZA" smtClean="0"/>
-              <a:t>2015/07/09</a:t>
+              <a:t>2015/07/10</a:t>
             </a:fld>
             <a:endParaRPr lang="en-ZA"/>
           </a:p>
@@ -4764,7 +4859,7 @@
           <a:p>
             <a:fld id="{A6E25B83-11D2-4114-86CE-6A7A46DF2064}" type="datetimeFigureOut">
               <a:rPr lang="en-ZA" smtClean="0"/>
-              <a:t>2015/07/09</a:t>
+              <a:t>2015/07/10</a:t>
             </a:fld>
             <a:endParaRPr lang="en-ZA"/>
           </a:p>
@@ -4934,7 +5029,7 @@
           <a:p>
             <a:fld id="{A6E25B83-11D2-4114-86CE-6A7A46DF2064}" type="datetimeFigureOut">
               <a:rPr lang="en-ZA" smtClean="0"/>
-              <a:t>2015/07/09</a:t>
+              <a:t>2015/07/10</a:t>
             </a:fld>
             <a:endParaRPr lang="en-ZA"/>
           </a:p>
@@ -5180,7 +5275,7 @@
           <a:p>
             <a:fld id="{A6E25B83-11D2-4114-86CE-6A7A46DF2064}" type="datetimeFigureOut">
               <a:rPr lang="en-ZA" smtClean="0"/>
-              <a:t>2015/07/09</a:t>
+              <a:t>2015/07/10</a:t>
             </a:fld>
             <a:endParaRPr lang="en-ZA"/>
           </a:p>
@@ -5412,7 +5507,7 @@
           <a:p>
             <a:fld id="{A6E25B83-11D2-4114-86CE-6A7A46DF2064}" type="datetimeFigureOut">
               <a:rPr lang="en-ZA" smtClean="0"/>
-              <a:t>2015/07/09</a:t>
+              <a:t>2015/07/10</a:t>
             </a:fld>
             <a:endParaRPr lang="en-ZA"/>
           </a:p>
@@ -5779,7 +5874,7 @@
           <a:p>
             <a:fld id="{A6E25B83-11D2-4114-86CE-6A7A46DF2064}" type="datetimeFigureOut">
               <a:rPr lang="en-ZA" smtClean="0"/>
-              <a:t>2015/07/09</a:t>
+              <a:t>2015/07/10</a:t>
             </a:fld>
             <a:endParaRPr lang="en-ZA"/>
           </a:p>
@@ -5897,7 +5992,7 @@
           <a:p>
             <a:fld id="{A6E25B83-11D2-4114-86CE-6A7A46DF2064}" type="datetimeFigureOut">
               <a:rPr lang="en-ZA" smtClean="0"/>
-              <a:t>2015/07/09</a:t>
+              <a:t>2015/07/10</a:t>
             </a:fld>
             <a:endParaRPr lang="en-ZA"/>
           </a:p>
@@ -5992,7 +6087,7 @@
           <a:p>
             <a:fld id="{A6E25B83-11D2-4114-86CE-6A7A46DF2064}" type="datetimeFigureOut">
               <a:rPr lang="en-ZA" smtClean="0"/>
-              <a:t>2015/07/09</a:t>
+              <a:t>2015/07/10</a:t>
             </a:fld>
             <a:endParaRPr lang="en-ZA"/>
           </a:p>
@@ -6269,7 +6364,7 @@
           <a:p>
             <a:fld id="{A6E25B83-11D2-4114-86CE-6A7A46DF2064}" type="datetimeFigureOut">
               <a:rPr lang="en-ZA" smtClean="0"/>
-              <a:t>2015/07/09</a:t>
+              <a:t>2015/07/10</a:t>
             </a:fld>
             <a:endParaRPr lang="en-ZA"/>
           </a:p>
@@ -6522,7 +6617,7 @@
           <a:p>
             <a:fld id="{A6E25B83-11D2-4114-86CE-6A7A46DF2064}" type="datetimeFigureOut">
               <a:rPr lang="en-ZA" smtClean="0"/>
-              <a:t>2015/07/09</a:t>
+              <a:t>2015/07/10</a:t>
             </a:fld>
             <a:endParaRPr lang="en-ZA"/>
           </a:p>
@@ -6735,7 +6830,7 @@
           <a:p>
             <a:fld id="{A6E25B83-11D2-4114-86CE-6A7A46DF2064}" type="datetimeFigureOut">
               <a:rPr lang="en-ZA" smtClean="0"/>
-              <a:t>2015/07/09</a:t>
+              <a:t>2015/07/10</a:t>
             </a:fld>
             <a:endParaRPr lang="en-ZA"/>
           </a:p>
@@ -7580,8 +7675,23 @@
                 </a:solidFill>
                 <a:latin typeface="Myriad Pro" panose="020B0503030403020204" pitchFamily="34" charset="0"/>
               </a:rPr>
-              <a:t>Less Email</a:t>
-            </a:r>
+              <a:t>Less </a:t>
+            </a:r>
+            <a:r>
+              <a:rPr lang="en-ZA" sz="4000" dirty="0" smtClean="0">
+                <a:solidFill>
+                  <a:srgbClr val="464547"/>
+                </a:solidFill>
+                <a:latin typeface="Myriad Pro" panose="020B0503030403020204" pitchFamily="34" charset="0"/>
+              </a:rPr>
+              <a:t>email</a:t>
+            </a:r>
+            <a:endParaRPr lang="en-ZA" sz="4000" dirty="0" smtClean="0">
+              <a:solidFill>
+                <a:srgbClr val="464547"/>
+              </a:solidFill>
+              <a:latin typeface="Myriad Pro" panose="020B0503030403020204" pitchFamily="34" charset="0"/>
+            </a:endParaRPr>
           </a:p>
         </p:txBody>
       </p:sp>
@@ -8408,6 +8518,54 @@
           </a:extLst>
         </p:spPr>
       </p:pic>
+      <p:sp>
+        <p:nvSpPr>
+          <p:cNvPr id="2" name="Rectangle 1"/>
+          <p:cNvSpPr/>
+          <p:nvPr/>
+        </p:nvSpPr>
+        <p:spPr>
+          <a:xfrm>
+            <a:off x="2269067" y="2336800"/>
+            <a:ext cx="558800" cy="1371600"/>
+          </a:xfrm>
+          <a:prstGeom prst="rect">
+            <a:avLst/>
+          </a:prstGeom>
+          <a:solidFill>
+            <a:schemeClr val="bg1"/>
+          </a:solidFill>
+          <a:ln>
+            <a:solidFill>
+              <a:schemeClr val="bg1"/>
+            </a:solidFill>
+          </a:ln>
+        </p:spPr>
+        <p:style>
+          <a:lnRef idx="2">
+            <a:schemeClr val="accent1">
+              <a:shade val="50000"/>
+            </a:schemeClr>
+          </a:lnRef>
+          <a:fillRef idx="1">
+            <a:schemeClr val="accent1"/>
+          </a:fillRef>
+          <a:effectRef idx="0">
+            <a:schemeClr val="accent1"/>
+          </a:effectRef>
+          <a:fontRef idx="minor">
+            <a:schemeClr val="lt1"/>
+          </a:fontRef>
+        </p:style>
+        <p:txBody>
+          <a:bodyPr rtlCol="0" anchor="ctr"/>
+          <a:lstStyle/>
+          <a:p>
+            <a:pPr algn="ctr"/>
+            <a:endParaRPr lang="en-ZA"/>
+          </a:p>
+        </p:txBody>
+      </p:sp>
     </p:spTree>
     <p:extLst>
       <p:ext uri="{BB962C8B-B14F-4D97-AF65-F5344CB8AC3E}">
@@ -8943,6 +9101,124 @@
 <file path=ppt/slides/slide25.xml><?xml version="1.0" encoding="utf-8"?>
 <p:sld xmlns:a="http://schemas.openxmlformats.org/drawingml/2006/main" xmlns:r="http://schemas.openxmlformats.org/officeDocument/2006/relationships" xmlns:p="http://schemas.openxmlformats.org/presentationml/2006/main">
   <p:cSld>
+    <p:spTree>
+      <p:nvGrpSpPr>
+        <p:cNvPr id="1" name=""/>
+        <p:cNvGrpSpPr/>
+        <p:nvPr/>
+      </p:nvGrpSpPr>
+      <p:grpSpPr>
+        <a:xfrm>
+          <a:off x="0" y="0"/>
+          <a:ext cx="0" cy="0"/>
+          <a:chOff x="0" y="0"/>
+          <a:chExt cx="0" cy="0"/>
+        </a:xfrm>
+      </p:grpSpPr>
+      <p:sp>
+        <p:nvSpPr>
+          <p:cNvPr id="3" name="Content Placeholder 2"/>
+          <p:cNvSpPr>
+            <a:spLocks noGrp="1"/>
+          </p:cNvSpPr>
+          <p:nvPr>
+            <p:ph idx="1"/>
+          </p:nvPr>
+        </p:nvSpPr>
+        <p:spPr>
+          <a:xfrm>
+            <a:off x="844061" y="773722"/>
+            <a:ext cx="10495671" cy="5375105"/>
+          </a:xfrm>
+        </p:spPr>
+        <p:txBody>
+          <a:bodyPr anchor="ctr" anchorCtr="0">
+            <a:normAutofit/>
+          </a:bodyPr>
+          <a:lstStyle/>
+          <a:p>
+            <a:pPr marL="0" indent="0" algn="ctr">
+              <a:buNone/>
+            </a:pPr>
+            <a:endParaRPr lang="en-ZA" sz="4000" dirty="0" smtClean="0">
+              <a:solidFill>
+                <a:srgbClr val="464547"/>
+              </a:solidFill>
+              <a:latin typeface="Myriad Pro" panose="020B0503030403020204" pitchFamily="34" charset="0"/>
+            </a:endParaRPr>
+          </a:p>
+          <a:p>
+            <a:pPr marL="0" indent="0" algn="ctr">
+              <a:buNone/>
+            </a:pPr>
+            <a:endParaRPr lang="en-ZA" sz="4000" dirty="0" smtClean="0">
+              <a:solidFill>
+                <a:srgbClr val="464547"/>
+              </a:solidFill>
+              <a:latin typeface="Myriad Pro" panose="020B0503030403020204" pitchFamily="34" charset="0"/>
+            </a:endParaRPr>
+          </a:p>
+          <a:p>
+            <a:pPr marL="0" indent="0" algn="ctr">
+              <a:buNone/>
+            </a:pPr>
+            <a:r>
+              <a:rPr lang="en-ZA" sz="4000" dirty="0" smtClean="0">
+                <a:solidFill>
+                  <a:srgbClr val="464547"/>
+                </a:solidFill>
+                <a:latin typeface="Myriad Pro" panose="020B0503030403020204" pitchFamily="34" charset="0"/>
+              </a:rPr>
+              <a:t>What about success?</a:t>
+            </a:r>
+          </a:p>
+          <a:p>
+            <a:pPr marL="0" indent="0" algn="ctr">
+              <a:buNone/>
+            </a:pPr>
+            <a:endParaRPr lang="en-ZA" sz="4000" dirty="0" smtClean="0">
+              <a:solidFill>
+                <a:srgbClr val="464547"/>
+              </a:solidFill>
+              <a:latin typeface="Myriad Pro" panose="020B0503030403020204" pitchFamily="34" charset="0"/>
+            </a:endParaRPr>
+          </a:p>
+          <a:p>
+            <a:pPr marL="0" indent="0" algn="ctr">
+              <a:buNone/>
+            </a:pPr>
+            <a:endParaRPr lang="en-ZA" sz="4000" dirty="0">
+              <a:solidFill>
+                <a:srgbClr val="464547"/>
+              </a:solidFill>
+              <a:latin typeface="Myriad Pro" panose="020B0503030403020204" pitchFamily="34" charset="0"/>
+            </a:endParaRPr>
+          </a:p>
+        </p:txBody>
+      </p:sp>
+    </p:spTree>
+    <p:extLst>
+      <p:ext uri="{BB962C8B-B14F-4D97-AF65-F5344CB8AC3E}">
+        <p14:creationId xmlns:p14="http://schemas.microsoft.com/office/powerpoint/2010/main" val="292041076"/>
+      </p:ext>
+    </p:extLst>
+  </p:cSld>
+  <p:clrMapOvr>
+    <a:masterClrMapping/>
+  </p:clrMapOvr>
+  <p:timing>
+    <p:tnLst>
+      <p:par>
+        <p:cTn id="1" dur="indefinite" restart="never" nodeType="tmRoot"/>
+      </p:par>
+    </p:tnLst>
+  </p:timing>
+</p:sld>
+</file>
+
+<file path=ppt/slides/slide26.xml><?xml version="1.0" encoding="utf-8"?>
+<p:sld xmlns:a="http://schemas.openxmlformats.org/drawingml/2006/main" xmlns:r="http://schemas.openxmlformats.org/officeDocument/2006/relationships" xmlns:p="http://schemas.openxmlformats.org/presentationml/2006/main">
+  <p:cSld>
     <p:bg>
       <p:bgPr>
         <a:solidFill>
@@ -9009,7 +9285,7 @@
     </p:spTree>
     <p:extLst>
       <p:ext uri="{BB962C8B-B14F-4D97-AF65-F5344CB8AC3E}">
-        <p14:creationId xmlns:p14="http://schemas.microsoft.com/office/powerpoint/2010/main" val="4293851879"/>
+        <p14:creationId xmlns:p14="http://schemas.microsoft.com/office/powerpoint/2010/main" val="480474028"/>
       </p:ext>
     </p:extLst>
   </p:cSld>
@@ -9026,7 +9302,7 @@
 </p:sld>
 </file>
 
-<file path=ppt/slides/slide26.xml><?xml version="1.0" encoding="utf-8"?>
+<file path=ppt/slides/slide27.xml><?xml version="1.0" encoding="utf-8"?>
 <p:sld xmlns:a="http://schemas.openxmlformats.org/drawingml/2006/main" xmlns:r="http://schemas.openxmlformats.org/officeDocument/2006/relationships" xmlns:p="http://schemas.openxmlformats.org/presentationml/2006/main">
   <p:cSld>
     <p:spTree>
@@ -9111,7 +9387,7 @@
 </p:sld>
 </file>
 
-<file path=ppt/slides/slide27.xml><?xml version="1.0" encoding="utf-8"?>
+<file path=ppt/slides/slide28.xml><?xml version="1.0" encoding="utf-8"?>
 <p:sld xmlns:a="http://schemas.openxmlformats.org/drawingml/2006/main" xmlns:r="http://schemas.openxmlformats.org/officeDocument/2006/relationships" xmlns:p="http://schemas.openxmlformats.org/presentationml/2006/main">
   <p:cSld>
     <p:spTree>
@@ -9189,7 +9465,7 @@
 </p:sld>
 </file>
 
-<file path=ppt/slides/slide28.xml><?xml version="1.0" encoding="utf-8"?>
+<file path=ppt/slides/slide29.xml><?xml version="1.0" encoding="utf-8"?>
 <p:sld xmlns:a="http://schemas.openxmlformats.org/drawingml/2006/main" xmlns:r="http://schemas.openxmlformats.org/officeDocument/2006/relationships" xmlns:p="http://schemas.openxmlformats.org/presentationml/2006/main">
   <p:cSld>
     <p:bg>
@@ -9759,220 +10035,6 @@
     <p:bldLst>
       <p:bldP spid="5" grpId="0" uiExpand="1" build="allAtOnce"/>
     </p:bldLst>
-  </p:timing>
-</p:sld>
-</file>
-
-<file path=ppt/slides/slide29.xml><?xml version="1.0" encoding="utf-8"?>
-<p:sld xmlns:a="http://schemas.openxmlformats.org/drawingml/2006/main" xmlns:r="http://schemas.openxmlformats.org/officeDocument/2006/relationships" xmlns:p="http://schemas.openxmlformats.org/presentationml/2006/main">
-  <p:cSld>
-    <p:bg>
-      <p:bgPr>
-        <a:solidFill>
-          <a:srgbClr val="272822"/>
-        </a:solidFill>
-        <a:effectLst/>
-      </p:bgPr>
-    </p:bg>
-    <p:spTree>
-      <p:nvGrpSpPr>
-        <p:cNvPr id="1" name=""/>
-        <p:cNvGrpSpPr/>
-        <p:nvPr/>
-      </p:nvGrpSpPr>
-      <p:grpSpPr>
-        <a:xfrm>
-          <a:off x="0" y="0"/>
-          <a:ext cx="0" cy="0"/>
-          <a:chOff x="0" y="0"/>
-          <a:chExt cx="0" cy="0"/>
-        </a:xfrm>
-      </p:grpSpPr>
-      <p:sp>
-        <p:nvSpPr>
-          <p:cNvPr id="2" name="TextBox 1"/>
-          <p:cNvSpPr txBox="1"/>
-          <p:nvPr/>
-        </p:nvSpPr>
-        <p:spPr>
-          <a:xfrm>
-            <a:off x="2729177" y="2459504"/>
-            <a:ext cx="6806672" cy="1938992"/>
-          </a:xfrm>
-          <a:prstGeom prst="rect">
-            <a:avLst/>
-          </a:prstGeom>
-          <a:noFill/>
-          <a:effectLst>
-            <a:softEdge rad="25400"/>
-          </a:effectLst>
-        </p:spPr>
-        <p:txBody>
-          <a:bodyPr wrap="none" rtlCol="0">
-            <a:spAutoFit/>
-          </a:bodyPr>
-          <a:lstStyle/>
-          <a:p>
-            <a:r>
-              <a:rPr lang="en-ZA" sz="4000" dirty="0" smtClean="0">
-                <a:solidFill>
-                  <a:schemeClr val="bg1"/>
-                </a:solidFill>
-                <a:latin typeface="News Gothic" panose="020B0503020103020203" pitchFamily="34" charset="0"/>
-              </a:rPr>
-              <a:t>&gt; </a:t>
-            </a:r>
-            <a:r>
-              <a:rPr lang="en-ZA" sz="4000" dirty="0" smtClean="0">
-                <a:solidFill>
-                  <a:schemeClr val="bg1"/>
-                </a:solidFill>
-                <a:latin typeface="News Gothic" panose="020B0503020103020203" pitchFamily="34" charset="0"/>
-              </a:rPr>
-              <a:t>bin/</a:t>
-            </a:r>
-            <a:r>
-              <a:rPr lang="en-ZA" sz="4000" dirty="0" err="1" smtClean="0">
-                <a:solidFill>
-                  <a:schemeClr val="bg1"/>
-                </a:solidFill>
-                <a:latin typeface="News Gothic" panose="020B0503020103020203" pitchFamily="34" charset="0"/>
-              </a:rPr>
-              <a:t>hubot</a:t>
-            </a:r>
-            <a:endParaRPr lang="en-ZA" sz="4000" dirty="0" smtClean="0">
-              <a:solidFill>
-                <a:schemeClr val="bg1"/>
-              </a:solidFill>
-              <a:latin typeface="News Gothic" panose="020B0503020103020203" pitchFamily="34" charset="0"/>
-            </a:endParaRPr>
-          </a:p>
-          <a:p>
-            <a:endParaRPr lang="en-ZA" sz="4000" dirty="0" smtClean="0">
-              <a:solidFill>
-                <a:schemeClr val="bg1"/>
-              </a:solidFill>
-              <a:latin typeface="News Gothic" panose="020B0503020103020203" pitchFamily="34" charset="0"/>
-            </a:endParaRPr>
-          </a:p>
-          <a:p>
-            <a:r>
-              <a:rPr lang="en-ZA" sz="4000" dirty="0" smtClean="0">
-                <a:solidFill>
-                  <a:schemeClr val="bg1"/>
-                </a:solidFill>
-                <a:latin typeface="News Gothic" panose="020B0503020103020203" pitchFamily="34" charset="0"/>
-              </a:rPr>
-              <a:t>&gt; </a:t>
-            </a:r>
-            <a:r>
-              <a:rPr lang="en-ZA" sz="4000" dirty="0" smtClean="0">
-                <a:solidFill>
-                  <a:schemeClr val="bg1"/>
-                </a:solidFill>
-                <a:latin typeface="News Gothic" panose="020B0503020103020203" pitchFamily="34" charset="0"/>
-              </a:rPr>
-              <a:t>bin/</a:t>
-            </a:r>
-            <a:r>
-              <a:rPr lang="en-ZA" sz="4000" dirty="0" err="1" smtClean="0">
-                <a:solidFill>
-                  <a:schemeClr val="bg1"/>
-                </a:solidFill>
-                <a:latin typeface="News Gothic" panose="020B0503020103020203" pitchFamily="34" charset="0"/>
-              </a:rPr>
-              <a:t>hubot</a:t>
-            </a:r>
-            <a:r>
-              <a:rPr lang="en-ZA" sz="4000" dirty="0" smtClean="0">
-                <a:solidFill>
-                  <a:schemeClr val="bg1"/>
-                </a:solidFill>
-                <a:latin typeface="News Gothic" panose="020B0503020103020203" pitchFamily="34" charset="0"/>
-              </a:rPr>
-              <a:t> </a:t>
-            </a:r>
-            <a:r>
-              <a:rPr lang="en-ZA" sz="4000" dirty="0">
-                <a:solidFill>
-                  <a:schemeClr val="bg1"/>
-                </a:solidFill>
-                <a:latin typeface="News Gothic" panose="020B0503020103020203" pitchFamily="34" charset="0"/>
-              </a:rPr>
-              <a:t>--adapter </a:t>
-            </a:r>
-            <a:r>
-              <a:rPr lang="en-ZA" sz="4000" dirty="0" smtClean="0">
-                <a:solidFill>
-                  <a:schemeClr val="bg1"/>
-                </a:solidFill>
-                <a:latin typeface="News Gothic" panose="020B0503020103020203" pitchFamily="34" charset="0"/>
-              </a:rPr>
-              <a:t>slack</a:t>
-            </a:r>
-            <a:endParaRPr lang="en-ZA" sz="4000" dirty="0">
-              <a:solidFill>
-                <a:schemeClr val="bg1"/>
-              </a:solidFill>
-              <a:latin typeface="News Gothic" panose="020B0503020103020203" pitchFamily="34" charset="0"/>
-            </a:endParaRPr>
-          </a:p>
-        </p:txBody>
-      </p:sp>
-      <p:sp>
-        <p:nvSpPr>
-          <p:cNvPr id="3" name="Rectangle 2"/>
-          <p:cNvSpPr/>
-          <p:nvPr/>
-        </p:nvSpPr>
-        <p:spPr>
-          <a:xfrm>
-            <a:off x="5759268" y="1167884"/>
-            <a:ext cx="772969" cy="1077218"/>
-          </a:xfrm>
-          <a:prstGeom prst="rect">
-            <a:avLst/>
-          </a:prstGeom>
-        </p:spPr>
-        <p:txBody>
-          <a:bodyPr wrap="none">
-            <a:spAutoFit/>
-          </a:bodyPr>
-          <a:lstStyle/>
-          <a:p>
-            <a:r>
-              <a:rPr lang="en-ZA" sz="3200" dirty="0" smtClean="0">
-                <a:solidFill>
-                  <a:schemeClr val="bg1">
-                    <a:lumMod val="50000"/>
-                  </a:schemeClr>
-                </a:solidFill>
-                <a:latin typeface="Myriad Pro" panose="020B0503030403020204" pitchFamily="34" charset="0"/>
-              </a:rPr>
-              <a:t>run</a:t>
-            </a:r>
-          </a:p>
-          <a:p>
-            <a:endParaRPr lang="en-ZA" sz="3200" dirty="0"/>
-          </a:p>
-        </p:txBody>
-      </p:sp>
-    </p:spTree>
-    <p:extLst>
-      <p:ext uri="{BB962C8B-B14F-4D97-AF65-F5344CB8AC3E}">
-        <p14:creationId xmlns:p14="http://schemas.microsoft.com/office/powerpoint/2010/main" val="2432139762"/>
-      </p:ext>
-    </p:extLst>
-  </p:cSld>
-  <p:clrMapOvr>
-    <a:masterClrMapping/>
-  </p:clrMapOvr>
-  <p:timing>
-    <p:tnLst>
-      <p:par>
-        <p:cTn id="1" dur="indefinite" restart="never" nodeType="tmRoot"/>
-      </p:par>
-    </p:tnLst>
   </p:timing>
 </p:sld>
 </file>
@@ -10607,467 +10669,9 @@
   <p:timing>
     <p:tnLst>
       <p:par>
-        <p:cTn id="1" dur="indefinite" restart="never" nodeType="tmRoot">
-          <p:childTnLst>
-            <p:seq concurrent="1" nextAc="seek">
-              <p:cTn id="2" dur="indefinite" nodeType="mainSeq">
-                <p:childTnLst>
-                  <p:par>
-                    <p:cTn id="3" fill="hold">
-                      <p:stCondLst>
-                        <p:cond delay="indefinite"/>
-                        <p:cond evt="onBegin" delay="0">
-                          <p:tn val="2"/>
-                        </p:cond>
-                      </p:stCondLst>
-                      <p:childTnLst>
-                        <p:par>
-                          <p:cTn id="4" fill="hold">
-                            <p:stCondLst>
-                              <p:cond delay="0"/>
-                            </p:stCondLst>
-                            <p:childTnLst>
-                              <p:par>
-                                <p:cTn id="5" presetID="10" presetClass="entr" presetSubtype="0" fill="hold" nodeType="withEffect">
-                                  <p:stCondLst>
-                                    <p:cond delay="0"/>
-                                  </p:stCondLst>
-                                  <p:childTnLst>
-                                    <p:set>
-                                      <p:cBhvr>
-                                        <p:cTn id="6" dur="1" fill="hold">
-                                          <p:stCondLst>
-                                            <p:cond delay="0"/>
-                                          </p:stCondLst>
-                                        </p:cTn>
-                                        <p:tgtEl>
-                                          <p:spTgt spid="3"/>
-                                        </p:tgtEl>
-                                        <p:attrNameLst>
-                                          <p:attrName>style.visibility</p:attrName>
-                                        </p:attrNameLst>
-                                      </p:cBhvr>
-                                      <p:to>
-                                        <p:strVal val="visible"/>
-                                      </p:to>
-                                    </p:set>
-                                    <p:animEffect transition="in" filter="fade">
-                                      <p:cBhvr>
-                                        <p:cTn id="7" dur="500"/>
-                                        <p:tgtEl>
-                                          <p:spTgt spid="3"/>
-                                        </p:tgtEl>
-                                      </p:cBhvr>
-                                    </p:animEffect>
-                                  </p:childTnLst>
-                                </p:cTn>
-                              </p:par>
-                            </p:childTnLst>
-                          </p:cTn>
-                        </p:par>
-                        <p:par>
-                          <p:cTn id="8" fill="hold">
-                            <p:stCondLst>
-                              <p:cond delay="500"/>
-                            </p:stCondLst>
-                            <p:childTnLst>
-                              <p:par>
-                                <p:cTn id="9" presetID="10" presetClass="entr" presetSubtype="0" fill="hold" nodeType="afterEffect">
-                                  <p:stCondLst>
-                                    <p:cond delay="0"/>
-                                  </p:stCondLst>
-                                  <p:childTnLst>
-                                    <p:set>
-                                      <p:cBhvr>
-                                        <p:cTn id="10" dur="1" fill="hold">
-                                          <p:stCondLst>
-                                            <p:cond delay="0"/>
-                                          </p:stCondLst>
-                                        </p:cTn>
-                                        <p:tgtEl>
-                                          <p:spTgt spid="2"/>
-                                        </p:tgtEl>
-                                        <p:attrNameLst>
-                                          <p:attrName>style.visibility</p:attrName>
-                                        </p:attrNameLst>
-                                      </p:cBhvr>
-                                      <p:to>
-                                        <p:strVal val="visible"/>
-                                      </p:to>
-                                    </p:set>
-                                    <p:animEffect transition="in" filter="fade">
-                                      <p:cBhvr>
-                                        <p:cTn id="11" dur="500"/>
-                                        <p:tgtEl>
-                                          <p:spTgt spid="2"/>
-                                        </p:tgtEl>
-                                      </p:cBhvr>
-                                    </p:animEffect>
-                                  </p:childTnLst>
-                                </p:cTn>
-                              </p:par>
-                            </p:childTnLst>
-                          </p:cTn>
-                        </p:par>
-                        <p:par>
-                          <p:cTn id="12" fill="hold">
-                            <p:stCondLst>
-                              <p:cond delay="1000"/>
-                            </p:stCondLst>
-                            <p:childTnLst>
-                              <p:par>
-                                <p:cTn id="13" presetID="10" presetClass="entr" presetSubtype="0" fill="hold" nodeType="afterEffect">
-                                  <p:stCondLst>
-                                    <p:cond delay="0"/>
-                                  </p:stCondLst>
-                                  <p:childTnLst>
-                                    <p:set>
-                                      <p:cBhvr>
-                                        <p:cTn id="14" dur="1" fill="hold">
-                                          <p:stCondLst>
-                                            <p:cond delay="0"/>
-                                          </p:stCondLst>
-                                        </p:cTn>
-                                        <p:tgtEl>
-                                          <p:spTgt spid="4"/>
-                                        </p:tgtEl>
-                                        <p:attrNameLst>
-                                          <p:attrName>style.visibility</p:attrName>
-                                        </p:attrNameLst>
-                                      </p:cBhvr>
-                                      <p:to>
-                                        <p:strVal val="visible"/>
-                                      </p:to>
-                                    </p:set>
-                                    <p:animEffect transition="in" filter="fade">
-                                      <p:cBhvr>
-                                        <p:cTn id="15" dur="500"/>
-                                        <p:tgtEl>
-                                          <p:spTgt spid="4"/>
-                                        </p:tgtEl>
-                                      </p:cBhvr>
-                                    </p:animEffect>
-                                  </p:childTnLst>
-                                </p:cTn>
-                              </p:par>
-                            </p:childTnLst>
-                          </p:cTn>
-                        </p:par>
-                        <p:par>
-                          <p:cTn id="16" fill="hold">
-                            <p:stCondLst>
-                              <p:cond delay="1500"/>
-                            </p:stCondLst>
-                            <p:childTnLst>
-                              <p:par>
-                                <p:cTn id="17" presetID="1" presetClass="entr" presetSubtype="0" fill="hold" grpId="0" nodeType="afterEffect">
-                                  <p:stCondLst>
-                                    <p:cond delay="500"/>
-                                  </p:stCondLst>
-                                  <p:childTnLst>
-                                    <p:set>
-                                      <p:cBhvr>
-                                        <p:cTn id="18" dur="1" fill="hold">
-                                          <p:stCondLst>
-                                            <p:cond delay="0"/>
-                                          </p:stCondLst>
-                                        </p:cTn>
-                                        <p:tgtEl>
-                                          <p:spTgt spid="5"/>
-                                        </p:tgtEl>
-                                        <p:attrNameLst>
-                                          <p:attrName>style.visibility</p:attrName>
-                                        </p:attrNameLst>
-                                      </p:cBhvr>
-                                      <p:to>
-                                        <p:strVal val="visible"/>
-                                      </p:to>
-                                    </p:set>
-                                  </p:childTnLst>
-                                </p:cTn>
-                              </p:par>
-                            </p:childTnLst>
-                          </p:cTn>
-                        </p:par>
-                        <p:par>
-                          <p:cTn id="19" fill="hold">
-                            <p:stCondLst>
-                              <p:cond delay="2000"/>
-                            </p:stCondLst>
-                            <p:childTnLst>
-                              <p:par>
-                                <p:cTn id="20" presetID="1" presetClass="entr" presetSubtype="0" fill="hold" nodeType="afterEffect">
-                                  <p:stCondLst>
-                                    <p:cond delay="250"/>
-                                  </p:stCondLst>
-                                  <p:childTnLst>
-                                    <p:set>
-                                      <p:cBhvr>
-                                        <p:cTn id="21" dur="1" fill="hold">
-                                          <p:stCondLst>
-                                            <p:cond delay="0"/>
-                                          </p:stCondLst>
-                                        </p:cTn>
-                                        <p:tgtEl>
-                                          <p:spTgt spid="28"/>
-                                        </p:tgtEl>
-                                        <p:attrNameLst>
-                                          <p:attrName>style.visibility</p:attrName>
-                                        </p:attrNameLst>
-                                      </p:cBhvr>
-                                      <p:to>
-                                        <p:strVal val="visible"/>
-                                      </p:to>
-                                    </p:set>
-                                  </p:childTnLst>
-                                </p:cTn>
-                              </p:par>
-                            </p:childTnLst>
-                          </p:cTn>
-                        </p:par>
-                        <p:par>
-                          <p:cTn id="22" fill="hold">
-                            <p:stCondLst>
-                              <p:cond delay="2250"/>
-                            </p:stCondLst>
-                            <p:childTnLst>
-                              <p:par>
-                                <p:cTn id="23" presetID="1" presetClass="entr" presetSubtype="0" fill="hold" nodeType="afterEffect">
-                                  <p:stCondLst>
-                                    <p:cond delay="250"/>
-                                  </p:stCondLst>
-                                  <p:childTnLst>
-                                    <p:set>
-                                      <p:cBhvr>
-                                        <p:cTn id="24" dur="1" fill="hold">
-                                          <p:stCondLst>
-                                            <p:cond delay="0"/>
-                                          </p:stCondLst>
-                                        </p:cTn>
-                                        <p:tgtEl>
-                                          <p:spTgt spid="29"/>
-                                        </p:tgtEl>
-                                        <p:attrNameLst>
-                                          <p:attrName>style.visibility</p:attrName>
-                                        </p:attrNameLst>
-                                      </p:cBhvr>
-                                      <p:to>
-                                        <p:strVal val="visible"/>
-                                      </p:to>
-                                    </p:set>
-                                  </p:childTnLst>
-                                </p:cTn>
-                              </p:par>
-                            </p:childTnLst>
-                          </p:cTn>
-                        </p:par>
-                        <p:par>
-                          <p:cTn id="25" fill="hold">
-                            <p:stCondLst>
-                              <p:cond delay="2500"/>
-                            </p:stCondLst>
-                            <p:childTnLst>
-                              <p:par>
-                                <p:cTn id="26" presetID="1" presetClass="entr" presetSubtype="0" fill="hold" nodeType="afterEffect">
-                                  <p:stCondLst>
-                                    <p:cond delay="250"/>
-                                  </p:stCondLst>
-                                  <p:childTnLst>
-                                    <p:set>
-                                      <p:cBhvr>
-                                        <p:cTn id="27" dur="1" fill="hold">
-                                          <p:stCondLst>
-                                            <p:cond delay="0"/>
-                                          </p:stCondLst>
-                                        </p:cTn>
-                                        <p:tgtEl>
-                                          <p:spTgt spid="32"/>
-                                        </p:tgtEl>
-                                        <p:attrNameLst>
-                                          <p:attrName>style.visibility</p:attrName>
-                                        </p:attrNameLst>
-                                      </p:cBhvr>
-                                      <p:to>
-                                        <p:strVal val="visible"/>
-                                      </p:to>
-                                    </p:set>
-                                  </p:childTnLst>
-                                </p:cTn>
-                              </p:par>
-                            </p:childTnLst>
-                          </p:cTn>
-                        </p:par>
-                        <p:par>
-                          <p:cTn id="28" fill="hold">
-                            <p:stCondLst>
-                              <p:cond delay="2750"/>
-                            </p:stCondLst>
-                            <p:childTnLst>
-                              <p:par>
-                                <p:cTn id="29" presetID="1" presetClass="entr" presetSubtype="0" fill="hold" nodeType="afterEffect">
-                                  <p:stCondLst>
-                                    <p:cond delay="500"/>
-                                  </p:stCondLst>
-                                  <p:childTnLst>
-                                    <p:set>
-                                      <p:cBhvr>
-                                        <p:cTn id="30" dur="1" fill="hold">
-                                          <p:stCondLst>
-                                            <p:cond delay="0"/>
-                                          </p:stCondLst>
-                                        </p:cTn>
-                                        <p:tgtEl>
-                                          <p:spTgt spid="15"/>
-                                        </p:tgtEl>
-                                        <p:attrNameLst>
-                                          <p:attrName>style.visibility</p:attrName>
-                                        </p:attrNameLst>
-                                      </p:cBhvr>
-                                      <p:to>
-                                        <p:strVal val="visible"/>
-                                      </p:to>
-                                    </p:set>
-                                  </p:childTnLst>
-                                </p:cTn>
-                              </p:par>
-                            </p:childTnLst>
-                          </p:cTn>
-                        </p:par>
-                        <p:par>
-                          <p:cTn id="31" fill="hold">
-                            <p:stCondLst>
-                              <p:cond delay="3250"/>
-                            </p:stCondLst>
-                            <p:childTnLst>
-                              <p:par>
-                                <p:cTn id="32" presetID="1" presetClass="entr" presetSubtype="0" fill="hold" nodeType="afterEffect">
-                                  <p:stCondLst>
-                                    <p:cond delay="500"/>
-                                  </p:stCondLst>
-                                  <p:childTnLst>
-                                    <p:set>
-                                      <p:cBhvr>
-                                        <p:cTn id="33" dur="1" fill="hold">
-                                          <p:stCondLst>
-                                            <p:cond delay="0"/>
-                                          </p:stCondLst>
-                                        </p:cTn>
-                                        <p:tgtEl>
-                                          <p:spTgt spid="17"/>
-                                        </p:tgtEl>
-                                        <p:attrNameLst>
-                                          <p:attrName>style.visibility</p:attrName>
-                                        </p:attrNameLst>
-                                      </p:cBhvr>
-                                      <p:to>
-                                        <p:strVal val="visible"/>
-                                      </p:to>
-                                    </p:set>
-                                  </p:childTnLst>
-                                </p:cTn>
-                              </p:par>
-                            </p:childTnLst>
-                          </p:cTn>
-                        </p:par>
-                        <p:par>
-                          <p:cTn id="34" fill="hold">
-                            <p:stCondLst>
-                              <p:cond delay="3750"/>
-                            </p:stCondLst>
-                            <p:childTnLst>
-                              <p:par>
-                                <p:cTn id="35" presetID="1" presetClass="entr" presetSubtype="0" fill="hold" nodeType="afterEffect">
-                                  <p:stCondLst>
-                                    <p:cond delay="500"/>
-                                  </p:stCondLst>
-                                  <p:childTnLst>
-                                    <p:set>
-                                      <p:cBhvr>
-                                        <p:cTn id="36" dur="1" fill="hold">
-                                          <p:stCondLst>
-                                            <p:cond delay="0"/>
-                                          </p:stCondLst>
-                                        </p:cTn>
-                                        <p:tgtEl>
-                                          <p:spTgt spid="18"/>
-                                        </p:tgtEl>
-                                        <p:attrNameLst>
-                                          <p:attrName>style.visibility</p:attrName>
-                                        </p:attrNameLst>
-                                      </p:cBhvr>
-                                      <p:to>
-                                        <p:strVal val="visible"/>
-                                      </p:to>
-                                    </p:set>
-                                  </p:childTnLst>
-                                </p:cTn>
-                              </p:par>
-                            </p:childTnLst>
-                          </p:cTn>
-                        </p:par>
-                        <p:par>
-                          <p:cTn id="37" fill="hold">
-                            <p:stCondLst>
-                              <p:cond delay="4250"/>
-                            </p:stCondLst>
-                            <p:childTnLst>
-                              <p:par>
-                                <p:cTn id="38" presetID="1" presetClass="entr" presetSubtype="0" fill="hold" nodeType="afterEffect">
-                                  <p:stCondLst>
-                                    <p:cond delay="500"/>
-                                  </p:stCondLst>
-                                  <p:childTnLst>
-                                    <p:set>
-                                      <p:cBhvr>
-                                        <p:cTn id="39" dur="1" fill="hold">
-                                          <p:stCondLst>
-                                            <p:cond delay="0"/>
-                                          </p:stCondLst>
-                                        </p:cTn>
-                                        <p:tgtEl>
-                                          <p:spTgt spid="16"/>
-                                        </p:tgtEl>
-                                        <p:attrNameLst>
-                                          <p:attrName>style.visibility</p:attrName>
-                                        </p:attrNameLst>
-                                      </p:cBhvr>
-                                      <p:to>
-                                        <p:strVal val="visible"/>
-                                      </p:to>
-                                    </p:set>
-                                  </p:childTnLst>
-                                </p:cTn>
-                              </p:par>
-                            </p:childTnLst>
-                          </p:cTn>
-                        </p:par>
-                      </p:childTnLst>
-                    </p:cTn>
-                  </p:par>
-                </p:childTnLst>
-              </p:cTn>
-              <p:prevCondLst>
-                <p:cond evt="onPrev" delay="0">
-                  <p:tgtEl>
-                    <p:sldTgt/>
-                  </p:tgtEl>
-                </p:cond>
-              </p:prevCondLst>
-              <p:nextCondLst>
-                <p:cond evt="onNext" delay="0">
-                  <p:tgtEl>
-                    <p:sldTgt/>
-                  </p:tgtEl>
-                </p:cond>
-              </p:nextCondLst>
-            </p:seq>
-          </p:childTnLst>
-        </p:cTn>
+        <p:cTn id="1" dur="indefinite" restart="never" nodeType="tmRoot"/>
       </p:par>
     </p:tnLst>
-    <p:bldLst>
-      <p:bldP spid="5" grpId="0" animBg="1"/>
-    </p:bldLst>
   </p:timing>
 </p:sld>
 </file>
@@ -11105,6 +10709,202 @@
         </p:nvSpPr>
         <p:spPr>
           <a:xfrm>
+            <a:off x="2729177" y="2459504"/>
+            <a:ext cx="6806672" cy="1938992"/>
+          </a:xfrm>
+          <a:prstGeom prst="rect">
+            <a:avLst/>
+          </a:prstGeom>
+          <a:noFill/>
+          <a:effectLst>
+            <a:softEdge rad="25400"/>
+          </a:effectLst>
+        </p:spPr>
+        <p:txBody>
+          <a:bodyPr wrap="none" rtlCol="0">
+            <a:spAutoFit/>
+          </a:bodyPr>
+          <a:lstStyle/>
+          <a:p>
+            <a:r>
+              <a:rPr lang="en-ZA" sz="4000" dirty="0" smtClean="0">
+                <a:solidFill>
+                  <a:schemeClr val="bg1"/>
+                </a:solidFill>
+                <a:latin typeface="News Gothic" panose="020B0503020103020203" pitchFamily="34" charset="0"/>
+              </a:rPr>
+              <a:t>&gt; bin/</a:t>
+            </a:r>
+            <a:r>
+              <a:rPr lang="en-ZA" sz="4000" dirty="0" err="1" smtClean="0">
+                <a:solidFill>
+                  <a:schemeClr val="bg1"/>
+                </a:solidFill>
+                <a:latin typeface="News Gothic" panose="020B0503020103020203" pitchFamily="34" charset="0"/>
+              </a:rPr>
+              <a:t>hubot</a:t>
+            </a:r>
+            <a:endParaRPr lang="en-ZA" sz="4000" dirty="0" smtClean="0">
+              <a:solidFill>
+                <a:schemeClr val="bg1"/>
+              </a:solidFill>
+              <a:latin typeface="News Gothic" panose="020B0503020103020203" pitchFamily="34" charset="0"/>
+            </a:endParaRPr>
+          </a:p>
+          <a:p>
+            <a:endParaRPr lang="en-ZA" sz="4000" dirty="0" smtClean="0">
+              <a:solidFill>
+                <a:schemeClr val="bg1"/>
+              </a:solidFill>
+              <a:latin typeface="News Gothic" panose="020B0503020103020203" pitchFamily="34" charset="0"/>
+            </a:endParaRPr>
+          </a:p>
+          <a:p>
+            <a:r>
+              <a:rPr lang="en-ZA" sz="4000" dirty="0" smtClean="0">
+                <a:solidFill>
+                  <a:schemeClr val="bg1"/>
+                </a:solidFill>
+                <a:latin typeface="News Gothic" panose="020B0503020103020203" pitchFamily="34" charset="0"/>
+              </a:rPr>
+              <a:t>&gt; bin/</a:t>
+            </a:r>
+            <a:r>
+              <a:rPr lang="en-ZA" sz="4000" dirty="0" err="1" smtClean="0">
+                <a:solidFill>
+                  <a:schemeClr val="bg1"/>
+                </a:solidFill>
+                <a:latin typeface="News Gothic" panose="020B0503020103020203" pitchFamily="34" charset="0"/>
+              </a:rPr>
+              <a:t>hubot</a:t>
+            </a:r>
+            <a:r>
+              <a:rPr lang="en-ZA" sz="4000" dirty="0" smtClean="0">
+                <a:solidFill>
+                  <a:schemeClr val="bg1"/>
+                </a:solidFill>
+                <a:latin typeface="News Gothic" panose="020B0503020103020203" pitchFamily="34" charset="0"/>
+              </a:rPr>
+              <a:t> </a:t>
+            </a:r>
+            <a:r>
+              <a:rPr lang="en-ZA" sz="4000" dirty="0">
+                <a:solidFill>
+                  <a:schemeClr val="bg1"/>
+                </a:solidFill>
+                <a:latin typeface="News Gothic" panose="020B0503020103020203" pitchFamily="34" charset="0"/>
+              </a:rPr>
+              <a:t>--adapter </a:t>
+            </a:r>
+            <a:r>
+              <a:rPr lang="en-ZA" sz="4000" dirty="0" smtClean="0">
+                <a:solidFill>
+                  <a:schemeClr val="bg1"/>
+                </a:solidFill>
+                <a:latin typeface="News Gothic" panose="020B0503020103020203" pitchFamily="34" charset="0"/>
+              </a:rPr>
+              <a:t>slack</a:t>
+            </a:r>
+            <a:endParaRPr lang="en-ZA" sz="4000" dirty="0">
+              <a:solidFill>
+                <a:schemeClr val="bg1"/>
+              </a:solidFill>
+              <a:latin typeface="News Gothic" panose="020B0503020103020203" pitchFamily="34" charset="0"/>
+            </a:endParaRPr>
+          </a:p>
+        </p:txBody>
+      </p:sp>
+      <p:sp>
+        <p:nvSpPr>
+          <p:cNvPr id="3" name="Rectangle 2"/>
+          <p:cNvSpPr/>
+          <p:nvPr/>
+        </p:nvSpPr>
+        <p:spPr>
+          <a:xfrm>
+            <a:off x="5759268" y="1167884"/>
+            <a:ext cx="772969" cy="1077218"/>
+          </a:xfrm>
+          <a:prstGeom prst="rect">
+            <a:avLst/>
+          </a:prstGeom>
+        </p:spPr>
+        <p:txBody>
+          <a:bodyPr wrap="none">
+            <a:spAutoFit/>
+          </a:bodyPr>
+          <a:lstStyle/>
+          <a:p>
+            <a:r>
+              <a:rPr lang="en-ZA" sz="3200" dirty="0" smtClean="0">
+                <a:solidFill>
+                  <a:schemeClr val="bg1">
+                    <a:lumMod val="50000"/>
+                  </a:schemeClr>
+                </a:solidFill>
+                <a:latin typeface="Myriad Pro" panose="020B0503030403020204" pitchFamily="34" charset="0"/>
+              </a:rPr>
+              <a:t>run</a:t>
+            </a:r>
+          </a:p>
+          <a:p>
+            <a:endParaRPr lang="en-ZA" sz="3200" dirty="0"/>
+          </a:p>
+        </p:txBody>
+      </p:sp>
+    </p:spTree>
+    <p:extLst>
+      <p:ext uri="{BB962C8B-B14F-4D97-AF65-F5344CB8AC3E}">
+        <p14:creationId xmlns:p14="http://schemas.microsoft.com/office/powerpoint/2010/main" val="2432139762"/>
+      </p:ext>
+    </p:extLst>
+  </p:cSld>
+  <p:clrMapOvr>
+    <a:masterClrMapping/>
+  </p:clrMapOvr>
+  <p:timing>
+    <p:tnLst>
+      <p:par>
+        <p:cTn id="1" dur="indefinite" restart="never" nodeType="tmRoot"/>
+      </p:par>
+    </p:tnLst>
+  </p:timing>
+</p:sld>
+</file>
+
+<file path=ppt/slides/slide31.xml><?xml version="1.0" encoding="utf-8"?>
+<p:sld xmlns:a="http://schemas.openxmlformats.org/drawingml/2006/main" xmlns:r="http://schemas.openxmlformats.org/officeDocument/2006/relationships" xmlns:p="http://schemas.openxmlformats.org/presentationml/2006/main">
+  <p:cSld>
+    <p:bg>
+      <p:bgPr>
+        <a:solidFill>
+          <a:srgbClr val="272822"/>
+        </a:solidFill>
+        <a:effectLst/>
+      </p:bgPr>
+    </p:bg>
+    <p:spTree>
+      <p:nvGrpSpPr>
+        <p:cNvPr id="1" name=""/>
+        <p:cNvGrpSpPr/>
+        <p:nvPr/>
+      </p:nvGrpSpPr>
+      <p:grpSpPr>
+        <a:xfrm>
+          <a:off x="0" y="0"/>
+          <a:ext cx="0" cy="0"/>
+          <a:chOff x="0" y="0"/>
+          <a:chExt cx="0" cy="0"/>
+        </a:xfrm>
+      </p:grpSpPr>
+      <p:sp>
+        <p:nvSpPr>
+          <p:cNvPr id="2" name="TextBox 1"/>
+          <p:cNvSpPr txBox="1"/>
+          <p:nvPr/>
+        </p:nvSpPr>
+        <p:spPr>
+          <a:xfrm>
             <a:off x="1951528" y="2743309"/>
             <a:ext cx="8361969" cy="1938992"/>
           </a:xfrm>
@@ -11336,7 +11136,7 @@
 </p:sld>
 </file>
 
-<file path=ppt/slides/slide31.xml><?xml version="1.0" encoding="utf-8"?>
+<file path=ppt/slides/slide32.xml><?xml version="1.0" encoding="utf-8"?>
 <p:sld xmlns:a="http://schemas.openxmlformats.org/drawingml/2006/main" xmlns:r="http://schemas.openxmlformats.org/officeDocument/2006/relationships" xmlns:p="http://schemas.openxmlformats.org/presentationml/2006/main">
   <p:cSld>
     <p:spTree>
@@ -11397,7 +11197,7 @@
 </p:sld>
 </file>
 
-<file path=ppt/slides/slide32.xml><?xml version="1.0" encoding="utf-8"?>
+<file path=ppt/slides/slide33.xml><?xml version="1.0" encoding="utf-8"?>
 <p:sld xmlns:a="http://schemas.openxmlformats.org/drawingml/2006/main" xmlns:r="http://schemas.openxmlformats.org/officeDocument/2006/relationships" xmlns:p="http://schemas.openxmlformats.org/presentationml/2006/main">
   <p:cSld>
     <p:spTree>
@@ -11458,7 +11258,7 @@
 </p:sld>
 </file>
 
-<file path=ppt/slides/slide33.xml><?xml version="1.0" encoding="utf-8"?>
+<file path=ppt/slides/slide34.xml><?xml version="1.0" encoding="utf-8"?>
 <p:sld xmlns:a="http://schemas.openxmlformats.org/drawingml/2006/main" xmlns:r="http://schemas.openxmlformats.org/officeDocument/2006/relationships" xmlns:p="http://schemas.openxmlformats.org/presentationml/2006/main">
   <p:cSld>
     <p:bg>
@@ -11715,7 +11515,7 @@
 </p:sld>
 </file>
 
-<file path=ppt/slides/slide34.xml><?xml version="1.0" encoding="utf-8"?>
+<file path=ppt/slides/slide35.xml><?xml version="1.0" encoding="utf-8"?>
 <p:sld xmlns:a="http://schemas.openxmlformats.org/drawingml/2006/main" xmlns:r="http://schemas.openxmlformats.org/officeDocument/2006/relationships" xmlns:p="http://schemas.openxmlformats.org/presentationml/2006/main">
   <p:cSld>
     <p:spTree>
@@ -11776,67 +11576,6 @@
 </p:sld>
 </file>
 
-<file path=ppt/slides/slide35.xml><?xml version="1.0" encoding="utf-8"?>
-<p:sld xmlns:a="http://schemas.openxmlformats.org/drawingml/2006/main" xmlns:r="http://schemas.openxmlformats.org/officeDocument/2006/relationships" xmlns:p="http://schemas.openxmlformats.org/presentationml/2006/main">
-  <p:cSld>
-    <p:spTree>
-      <p:nvGrpSpPr>
-        <p:cNvPr id="1" name=""/>
-        <p:cNvGrpSpPr/>
-        <p:nvPr/>
-      </p:nvGrpSpPr>
-      <p:grpSpPr>
-        <a:xfrm>
-          <a:off x="0" y="0"/>
-          <a:ext cx="0" cy="0"/>
-          <a:chOff x="0" y="0"/>
-          <a:chExt cx="0" cy="0"/>
-        </a:xfrm>
-      </p:grpSpPr>
-      <p:pic>
-        <p:nvPicPr>
-          <p:cNvPr id="2" name="Picture 1"/>
-          <p:cNvPicPr>
-            <a:picLocks noChangeAspect="1"/>
-          </p:cNvPicPr>
-          <p:nvPr/>
-        </p:nvPicPr>
-        <p:blipFill>
-          <a:blip r:embed="rId2"/>
-          <a:stretch>
-            <a:fillRect/>
-          </a:stretch>
-        </p:blipFill>
-        <p:spPr>
-          <a:xfrm>
-            <a:off x="3077620" y="2500312"/>
-            <a:ext cx="6109786" cy="1857375"/>
-          </a:xfrm>
-          <a:prstGeom prst="rect">
-            <a:avLst/>
-          </a:prstGeom>
-        </p:spPr>
-      </p:pic>
-    </p:spTree>
-    <p:extLst>
-      <p:ext uri="{BB962C8B-B14F-4D97-AF65-F5344CB8AC3E}">
-        <p14:creationId xmlns:p14="http://schemas.microsoft.com/office/powerpoint/2010/main" val="1543012471"/>
-      </p:ext>
-    </p:extLst>
-  </p:cSld>
-  <p:clrMapOvr>
-    <a:masterClrMapping/>
-  </p:clrMapOvr>
-  <p:timing>
-    <p:tnLst>
-      <p:par>
-        <p:cTn id="1" dur="indefinite" restart="never" nodeType="tmRoot"/>
-      </p:par>
-    </p:tnLst>
-  </p:timing>
-</p:sld>
-</file>
-
 <file path=ppt/slides/slide36.xml><?xml version="1.0" encoding="utf-8"?>
 <p:sld xmlns:a="http://schemas.openxmlformats.org/drawingml/2006/main" xmlns:r="http://schemas.openxmlformats.org/officeDocument/2006/relationships" xmlns:p="http://schemas.openxmlformats.org/presentationml/2006/main">
   <p:cSld>
@@ -11870,8 +11609,8 @@
         </p:blipFill>
         <p:spPr>
           <a:xfrm>
-            <a:off x="4219872" y="2400300"/>
-            <a:ext cx="4576465" cy="2343150"/>
+            <a:off x="3043752" y="2381782"/>
+            <a:ext cx="6202033" cy="1885418"/>
           </a:xfrm>
           <a:prstGeom prst="rect">
             <a:avLst/>
@@ -11881,7 +11620,7 @@
     </p:spTree>
     <p:extLst>
       <p:ext uri="{BB962C8B-B14F-4D97-AF65-F5344CB8AC3E}">
-        <p14:creationId xmlns:p14="http://schemas.microsoft.com/office/powerpoint/2010/main" val="1233417770"/>
+        <p14:creationId xmlns:p14="http://schemas.microsoft.com/office/powerpoint/2010/main" val="1543012471"/>
       </p:ext>
     </p:extLst>
   </p:cSld>
@@ -11931,277 +11670,8 @@
         </p:blipFill>
         <p:spPr>
           <a:xfrm>
-            <a:off x="3201216" y="546288"/>
-            <a:ext cx="5862593" cy="5765423"/>
-          </a:xfrm>
-          <a:prstGeom prst="rect">
-            <a:avLst/>
-          </a:prstGeom>
-        </p:spPr>
-      </p:pic>
-    </p:spTree>
-    <p:extLst>
-      <p:ext uri="{BB962C8B-B14F-4D97-AF65-F5344CB8AC3E}">
-        <p14:creationId xmlns:p14="http://schemas.microsoft.com/office/powerpoint/2010/main" val="2574630864"/>
-      </p:ext>
-    </p:extLst>
-  </p:cSld>
-  <p:clrMapOvr>
-    <a:masterClrMapping/>
-  </p:clrMapOvr>
-  <p:timing>
-    <p:tnLst>
-      <p:par>
-        <p:cTn id="1" dur="indefinite" restart="never" nodeType="tmRoot"/>
-      </p:par>
-    </p:tnLst>
-  </p:timing>
-</p:sld>
-</file>
-
-<file path=ppt/slides/slide38.xml><?xml version="1.0" encoding="utf-8"?>
-<p:sld xmlns:a="http://schemas.openxmlformats.org/drawingml/2006/main" xmlns:r="http://schemas.openxmlformats.org/officeDocument/2006/relationships" xmlns:p="http://schemas.openxmlformats.org/presentationml/2006/main">
-  <p:cSld>
-    <p:spTree>
-      <p:nvGrpSpPr>
-        <p:cNvPr id="1" name=""/>
-        <p:cNvGrpSpPr/>
-        <p:nvPr/>
-      </p:nvGrpSpPr>
-      <p:grpSpPr>
-        <a:xfrm>
-          <a:off x="0" y="0"/>
-          <a:ext cx="0" cy="0"/>
-          <a:chOff x="0" y="0"/>
-          <a:chExt cx="0" cy="0"/>
-        </a:xfrm>
-      </p:grpSpPr>
-      <p:pic>
-        <p:nvPicPr>
-          <p:cNvPr id="2" name="Picture 1"/>
-          <p:cNvPicPr>
-            <a:picLocks noChangeAspect="1"/>
-          </p:cNvPicPr>
-          <p:nvPr/>
-        </p:nvPicPr>
-        <p:blipFill>
-          <a:blip r:embed="rId2"/>
-          <a:stretch>
-            <a:fillRect/>
-          </a:stretch>
-        </p:blipFill>
-        <p:spPr>
-          <a:xfrm>
-            <a:off x="4289818" y="116602"/>
-            <a:ext cx="3685390" cy="6624795"/>
-          </a:xfrm>
-          <a:prstGeom prst="rect">
-            <a:avLst/>
-          </a:prstGeom>
-        </p:spPr>
-      </p:pic>
-    </p:spTree>
-    <p:extLst>
-      <p:ext uri="{BB962C8B-B14F-4D97-AF65-F5344CB8AC3E}">
-        <p14:creationId xmlns:p14="http://schemas.microsoft.com/office/powerpoint/2010/main" val="2682947923"/>
-      </p:ext>
-    </p:extLst>
-  </p:cSld>
-  <p:clrMapOvr>
-    <a:masterClrMapping/>
-  </p:clrMapOvr>
-  <p:timing>
-    <p:tnLst>
-      <p:par>
-        <p:cTn id="1" dur="indefinite" restart="never" nodeType="tmRoot"/>
-      </p:par>
-    </p:tnLst>
-  </p:timing>
-</p:sld>
-</file>
-
-<file path=ppt/slides/slide39.xml><?xml version="1.0" encoding="utf-8"?>
-<p:sld xmlns:a="http://schemas.openxmlformats.org/drawingml/2006/main" xmlns:r="http://schemas.openxmlformats.org/officeDocument/2006/relationships" xmlns:p="http://schemas.openxmlformats.org/presentationml/2006/main">
-  <p:cSld>
-    <p:spTree>
-      <p:nvGrpSpPr>
-        <p:cNvPr id="1" name=""/>
-        <p:cNvGrpSpPr/>
-        <p:nvPr/>
-      </p:nvGrpSpPr>
-      <p:grpSpPr>
-        <a:xfrm>
-          <a:off x="0" y="0"/>
-          <a:ext cx="0" cy="0"/>
-          <a:chOff x="0" y="0"/>
-          <a:chExt cx="0" cy="0"/>
-        </a:xfrm>
-      </p:grpSpPr>
-      <p:pic>
-        <p:nvPicPr>
-          <p:cNvPr id="2" name="Picture 1"/>
-          <p:cNvPicPr>
-            <a:picLocks noChangeAspect="1"/>
-          </p:cNvPicPr>
-          <p:nvPr/>
-        </p:nvPicPr>
-        <p:blipFill>
-          <a:blip r:embed="rId2"/>
-          <a:stretch>
-            <a:fillRect/>
-          </a:stretch>
-        </p:blipFill>
-        <p:spPr>
-          <a:xfrm>
-            <a:off x="1786581" y="1852612"/>
-            <a:ext cx="8703406" cy="3252788"/>
-          </a:xfrm>
-          <a:prstGeom prst="rect">
-            <a:avLst/>
-          </a:prstGeom>
-        </p:spPr>
-      </p:pic>
-    </p:spTree>
-    <p:extLst>
-      <p:ext uri="{BB962C8B-B14F-4D97-AF65-F5344CB8AC3E}">
-        <p14:creationId xmlns:p14="http://schemas.microsoft.com/office/powerpoint/2010/main" val="602307690"/>
-      </p:ext>
-    </p:extLst>
-  </p:cSld>
-  <p:clrMapOvr>
-    <a:masterClrMapping/>
-  </p:clrMapOvr>
-  <p:timing>
-    <p:tnLst>
-      <p:par>
-        <p:cTn id="1" dur="indefinite" restart="never" nodeType="tmRoot"/>
-      </p:par>
-    </p:tnLst>
-  </p:timing>
-</p:sld>
-</file>
-
-<file path=ppt/slides/slide4.xml><?xml version="1.0" encoding="utf-8"?>
-<p:sld xmlns:a="http://schemas.openxmlformats.org/drawingml/2006/main" xmlns:r="http://schemas.openxmlformats.org/officeDocument/2006/relationships" xmlns:p="http://schemas.openxmlformats.org/presentationml/2006/main">
-  <p:cSld>
-    <p:bg>
-      <p:bgPr>
-        <a:solidFill>
-          <a:srgbClr val="3B6469"/>
-        </a:solidFill>
-        <a:effectLst/>
-      </p:bgPr>
-    </p:bg>
-    <p:spTree>
-      <p:nvGrpSpPr>
-        <p:cNvPr id="1" name=""/>
-        <p:cNvGrpSpPr/>
-        <p:nvPr/>
-      </p:nvGrpSpPr>
-      <p:grpSpPr>
-        <a:xfrm>
-          <a:off x="0" y="0"/>
-          <a:ext cx="0" cy="0"/>
-          <a:chOff x="0" y="0"/>
-          <a:chExt cx="0" cy="0"/>
-        </a:xfrm>
-      </p:grpSpPr>
-      <p:sp>
-        <p:nvSpPr>
-          <p:cNvPr id="4" name="TextBox 3"/>
-          <p:cNvSpPr txBox="1"/>
-          <p:nvPr/>
-        </p:nvSpPr>
-        <p:spPr>
-          <a:xfrm>
-            <a:off x="0" y="3075057"/>
-            <a:ext cx="12192000" cy="707886"/>
-          </a:xfrm>
-          <a:prstGeom prst="rect">
-            <a:avLst/>
-          </a:prstGeom>
-          <a:noFill/>
-        </p:spPr>
-        <p:txBody>
-          <a:bodyPr wrap="square" rtlCol="0" anchor="ctr">
-            <a:spAutoFit/>
-          </a:bodyPr>
-          <a:lstStyle/>
-          <a:p>
-            <a:pPr algn="ctr"/>
-            <a:r>
-              <a:rPr lang="en-ZA" sz="4000" dirty="0" smtClean="0">
-                <a:solidFill>
-                  <a:schemeClr val="bg1"/>
-                </a:solidFill>
-                <a:latin typeface="Myriad Pro" panose="020B0503030403020204" pitchFamily="34" charset="0"/>
-              </a:rPr>
-              <a:t>Why?</a:t>
-            </a:r>
-            <a:endParaRPr lang="en-ZA" sz="4000" dirty="0">
-              <a:solidFill>
-                <a:schemeClr val="bg1"/>
-              </a:solidFill>
-              <a:latin typeface="Myriad Pro" panose="020B0503030403020204" pitchFamily="34" charset="0"/>
-            </a:endParaRPr>
-          </a:p>
-        </p:txBody>
-      </p:sp>
-    </p:spTree>
-    <p:extLst>
-      <p:ext uri="{BB962C8B-B14F-4D97-AF65-F5344CB8AC3E}">
-        <p14:creationId xmlns:p14="http://schemas.microsoft.com/office/powerpoint/2010/main" val="3500482859"/>
-      </p:ext>
-    </p:extLst>
-  </p:cSld>
-  <p:clrMapOvr>
-    <a:masterClrMapping/>
-  </p:clrMapOvr>
-  <p:timing>
-    <p:tnLst>
-      <p:par>
-        <p:cTn id="1" dur="indefinite" restart="never" nodeType="tmRoot"/>
-      </p:par>
-    </p:tnLst>
-  </p:timing>
-</p:sld>
-</file>
-
-<file path=ppt/slides/slide40.xml><?xml version="1.0" encoding="utf-8"?>
-<p:sld xmlns:a="http://schemas.openxmlformats.org/drawingml/2006/main" xmlns:r="http://schemas.openxmlformats.org/officeDocument/2006/relationships" xmlns:p="http://schemas.openxmlformats.org/presentationml/2006/main">
-  <p:cSld>
-    <p:spTree>
-      <p:nvGrpSpPr>
-        <p:cNvPr id="1" name=""/>
-        <p:cNvGrpSpPr/>
-        <p:nvPr/>
-      </p:nvGrpSpPr>
-      <p:grpSpPr>
-        <a:xfrm>
-          <a:off x="0" y="0"/>
-          <a:ext cx="0" cy="0"/>
-          <a:chOff x="0" y="0"/>
-          <a:chExt cx="0" cy="0"/>
-        </a:xfrm>
-      </p:grpSpPr>
-      <p:pic>
-        <p:nvPicPr>
-          <p:cNvPr id="2" name="Picture 1"/>
-          <p:cNvPicPr>
-            <a:picLocks noChangeAspect="1"/>
-          </p:cNvPicPr>
-          <p:nvPr/>
-        </p:nvPicPr>
-        <p:blipFill>
-          <a:blip r:embed="rId2"/>
-          <a:stretch>
-            <a:fillRect/>
-          </a:stretch>
-        </p:blipFill>
-        <p:spPr>
-          <a:xfrm>
-            <a:off x="3604506" y="1735931"/>
-            <a:ext cx="5056013" cy="3386137"/>
+            <a:off x="3622669" y="1748095"/>
+            <a:ext cx="5019688" cy="3361809"/>
           </a:xfrm>
           <a:prstGeom prst="rect">
             <a:avLst/>
@@ -12228,7 +11698,7 @@
 </p:sld>
 </file>
 
-<file path=ppt/slides/slide41.xml><?xml version="1.0" encoding="utf-8"?>
+<file path=ppt/slides/slide38.xml><?xml version="1.0" encoding="utf-8"?>
 <p:sld xmlns:a="http://schemas.openxmlformats.org/drawingml/2006/main" xmlns:r="http://schemas.openxmlformats.org/officeDocument/2006/relationships" xmlns:p="http://schemas.openxmlformats.org/presentationml/2006/main">
   <p:cSld>
     <p:bg>
@@ -12297,7 +11767,7 @@
 </p:sld>
 </file>
 
-<file path=ppt/slides/slide42.xml><?xml version="1.0" encoding="utf-8"?>
+<file path=ppt/slides/slide39.xml><?xml version="1.0" encoding="utf-8"?>
 <p:sld xmlns:a="http://schemas.openxmlformats.org/drawingml/2006/main" xmlns:r="http://schemas.openxmlformats.org/officeDocument/2006/relationships" xmlns:p="http://schemas.openxmlformats.org/presentationml/2006/main">
   <p:cSld>
     <p:spTree>
@@ -12702,7 +12172,93 @@
 </p:sld>
 </file>
 
-<file path=ppt/slides/slide43.xml><?xml version="1.0" encoding="utf-8"?>
+<file path=ppt/slides/slide4.xml><?xml version="1.0" encoding="utf-8"?>
+<p:sld xmlns:a="http://schemas.openxmlformats.org/drawingml/2006/main" xmlns:r="http://schemas.openxmlformats.org/officeDocument/2006/relationships" xmlns:p="http://schemas.openxmlformats.org/presentationml/2006/main">
+  <p:cSld>
+    <p:bg>
+      <p:bgPr>
+        <a:solidFill>
+          <a:srgbClr val="3B6469"/>
+        </a:solidFill>
+        <a:effectLst/>
+      </p:bgPr>
+    </p:bg>
+    <p:spTree>
+      <p:nvGrpSpPr>
+        <p:cNvPr id="1" name=""/>
+        <p:cNvGrpSpPr/>
+        <p:nvPr/>
+      </p:nvGrpSpPr>
+      <p:grpSpPr>
+        <a:xfrm>
+          <a:off x="0" y="0"/>
+          <a:ext cx="0" cy="0"/>
+          <a:chOff x="0" y="0"/>
+          <a:chExt cx="0" cy="0"/>
+        </a:xfrm>
+      </p:grpSpPr>
+      <p:sp>
+        <p:nvSpPr>
+          <p:cNvPr id="4" name="TextBox 3"/>
+          <p:cNvSpPr txBox="1"/>
+          <p:nvPr/>
+        </p:nvSpPr>
+        <p:spPr>
+          <a:xfrm>
+            <a:off x="0" y="3075057"/>
+            <a:ext cx="12192000" cy="707886"/>
+          </a:xfrm>
+          <a:prstGeom prst="rect">
+            <a:avLst/>
+          </a:prstGeom>
+          <a:noFill/>
+        </p:spPr>
+        <p:txBody>
+          <a:bodyPr wrap="square" rtlCol="0" anchor="ctr">
+            <a:spAutoFit/>
+          </a:bodyPr>
+          <a:lstStyle/>
+          <a:p>
+            <a:pPr algn="ctr"/>
+            <a:r>
+              <a:rPr lang="en-ZA" sz="4000" dirty="0" smtClean="0">
+                <a:solidFill>
+                  <a:schemeClr val="bg1"/>
+                </a:solidFill>
+                <a:latin typeface="Myriad Pro" panose="020B0503030403020204" pitchFamily="34" charset="0"/>
+              </a:rPr>
+              <a:t>Why?</a:t>
+            </a:r>
+            <a:endParaRPr lang="en-ZA" sz="4000" dirty="0">
+              <a:solidFill>
+                <a:schemeClr val="bg1"/>
+              </a:solidFill>
+              <a:latin typeface="Myriad Pro" panose="020B0503030403020204" pitchFamily="34" charset="0"/>
+            </a:endParaRPr>
+          </a:p>
+        </p:txBody>
+      </p:sp>
+    </p:spTree>
+    <p:extLst>
+      <p:ext uri="{BB962C8B-B14F-4D97-AF65-F5344CB8AC3E}">
+        <p14:creationId xmlns:p14="http://schemas.microsoft.com/office/powerpoint/2010/main" val="3500482859"/>
+      </p:ext>
+    </p:extLst>
+  </p:cSld>
+  <p:clrMapOvr>
+    <a:masterClrMapping/>
+  </p:clrMapOvr>
+  <p:timing>
+    <p:tnLst>
+      <p:par>
+        <p:cTn id="1" dur="indefinite" restart="never" nodeType="tmRoot"/>
+      </p:par>
+    </p:tnLst>
+  </p:timing>
+</p:sld>
+</file>
+
+<file path=ppt/slides/slide40.xml><?xml version="1.0" encoding="utf-8"?>
 <p:sld xmlns:a="http://schemas.openxmlformats.org/drawingml/2006/main" xmlns:r="http://schemas.openxmlformats.org/officeDocument/2006/relationships" xmlns:p="http://schemas.openxmlformats.org/presentationml/2006/main">
   <p:cSld>
     <p:spTree>
@@ -13041,7 +12597,7 @@
 </p:sld>
 </file>
 
-<file path=ppt/slides/slide44.xml><?xml version="1.0" encoding="utf-8"?>
+<file path=ppt/slides/slide41.xml><?xml version="1.0" encoding="utf-8"?>
 <p:sld xmlns:a="http://schemas.openxmlformats.org/drawingml/2006/main" xmlns:r="http://schemas.openxmlformats.org/officeDocument/2006/relationships" xmlns:p="http://schemas.openxmlformats.org/presentationml/2006/main">
   <p:cSld>
     <p:spTree>
@@ -13138,7 +12694,7 @@
 </p:sld>
 </file>
 
-<file path=ppt/slides/slide45.xml><?xml version="1.0" encoding="utf-8"?>
+<file path=ppt/slides/slide42.xml><?xml version="1.0" encoding="utf-8"?>
 <p:sld xmlns:a="http://schemas.openxmlformats.org/drawingml/2006/main" xmlns:r="http://schemas.openxmlformats.org/officeDocument/2006/relationships" xmlns:p="http://schemas.openxmlformats.org/presentationml/2006/main">
   <p:cSld>
     <p:spTree>
@@ -13171,8 +12727,8 @@
         </p:blipFill>
         <p:spPr>
           <a:xfrm>
-            <a:off x="2743077" y="317295"/>
-            <a:ext cx="6705845" cy="6223410"/>
+            <a:off x="3183393" y="692047"/>
+            <a:ext cx="5898239" cy="5473905"/>
           </a:xfrm>
           <a:prstGeom prst="rect">
             <a:avLst/>
@@ -13199,7 +12755,68 @@
 </p:sld>
 </file>
 
-<file path=ppt/slides/slide46.xml><?xml version="1.0" encoding="utf-8"?>
+<file path=ppt/slides/slide43.xml><?xml version="1.0" encoding="utf-8"?>
+<p:sld xmlns:a="http://schemas.openxmlformats.org/drawingml/2006/main" xmlns:r="http://schemas.openxmlformats.org/officeDocument/2006/relationships" xmlns:p="http://schemas.openxmlformats.org/presentationml/2006/main">
+  <p:cSld>
+    <p:spTree>
+      <p:nvGrpSpPr>
+        <p:cNvPr id="1" name=""/>
+        <p:cNvGrpSpPr/>
+        <p:nvPr/>
+      </p:nvGrpSpPr>
+      <p:grpSpPr>
+        <a:xfrm>
+          <a:off x="0" y="0"/>
+          <a:ext cx="0" cy="0"/>
+          <a:chOff x="0" y="0"/>
+          <a:chExt cx="0" cy="0"/>
+        </a:xfrm>
+      </p:grpSpPr>
+      <p:pic>
+        <p:nvPicPr>
+          <p:cNvPr id="2" name="Picture 1"/>
+          <p:cNvPicPr>
+            <a:picLocks noChangeAspect="1"/>
+          </p:cNvPicPr>
+          <p:nvPr/>
+        </p:nvPicPr>
+        <p:blipFill>
+          <a:blip r:embed="rId2"/>
+          <a:stretch>
+            <a:fillRect/>
+          </a:stretch>
+        </p:blipFill>
+        <p:spPr>
+          <a:xfrm>
+            <a:off x="637171" y="1614567"/>
+            <a:ext cx="10990683" cy="3668635"/>
+          </a:xfrm>
+          <a:prstGeom prst="rect">
+            <a:avLst/>
+          </a:prstGeom>
+        </p:spPr>
+      </p:pic>
+    </p:spTree>
+    <p:extLst>
+      <p:ext uri="{BB962C8B-B14F-4D97-AF65-F5344CB8AC3E}">
+        <p14:creationId xmlns:p14="http://schemas.microsoft.com/office/powerpoint/2010/main" val="514533476"/>
+      </p:ext>
+    </p:extLst>
+  </p:cSld>
+  <p:clrMapOvr>
+    <a:masterClrMapping/>
+  </p:clrMapOvr>
+  <p:timing>
+    <p:tnLst>
+      <p:par>
+        <p:cTn id="1" dur="indefinite" restart="never" nodeType="tmRoot"/>
+      </p:par>
+    </p:tnLst>
+  </p:timing>
+</p:sld>
+</file>
+
+<file path=ppt/slides/slide44.xml><?xml version="1.0" encoding="utf-8"?>
 <p:sld xmlns:a="http://schemas.openxmlformats.org/drawingml/2006/main" xmlns:r="http://schemas.openxmlformats.org/officeDocument/2006/relationships" xmlns:p="http://schemas.openxmlformats.org/presentationml/2006/main">
   <p:cSld>
     <p:bg>
@@ -13289,12 +12906,6 @@
               </a:rPr>
               <a:t>pluralsight.com</a:t>
             </a:r>
-            <a:endParaRPr lang="en-ZA" sz="3200" dirty="0" smtClean="0">
-              <a:solidFill>
-                <a:schemeClr val="bg1"/>
-              </a:solidFill>
-              <a:latin typeface="Myriad Pro" panose="020B0503030403020204" pitchFamily="34" charset="0"/>
-            </a:endParaRPr>
           </a:p>
           <a:p>
             <a:endParaRPr lang="en-ZA" sz="3200" dirty="0" smtClean="0">
@@ -13355,16 +12966,7 @@
                 </a:solidFill>
                 <a:latin typeface="Myriad Pro" panose="020B0503030403020204" pitchFamily="34" charset="0"/>
               </a:rPr>
-              <a:t> </a:t>
-            </a:r>
-            <a:r>
-              <a:rPr lang="en-ZA" sz="3200" dirty="0" smtClean="0">
-                <a:solidFill>
-                  <a:schemeClr val="bg1"/>
-                </a:solidFill>
-                <a:latin typeface="Myriad Pro" panose="020B0503030403020204" pitchFamily="34" charset="0"/>
-              </a:rPr>
-              <a:t>for dummies</a:t>
+              <a:t> for dummies</a:t>
             </a:r>
             <a:endParaRPr lang="en-ZA" sz="3200" dirty="0">
               <a:solidFill>

--- a/jsinsa ChatopsV10.pptx
+++ b/jsinsa ChatopsV10.pptx
@@ -2240,6 +2240,97 @@
               <a:rPr lang="en-ZA" dirty="0" smtClean="0"/>
               <a:t>Company of over 200 culture</a:t>
             </a:r>
+          </a:p>
+          <a:p>
+            <a:endParaRPr lang="en-ZA" dirty="0" smtClean="0"/>
+          </a:p>
+          <a:p>
+            <a:r>
+              <a:rPr lang="en-ZA" sz="1200" kern="1200" dirty="0" err="1" smtClean="0">
+                <a:solidFill>
+                  <a:schemeClr val="tx1"/>
+                </a:solidFill>
+                <a:effectLst/>
+                <a:latin typeface="+mn-lt"/>
+                <a:ea typeface="+mn-ea"/>
+                <a:cs typeface="+mn-cs"/>
+              </a:rPr>
+              <a:t>Entelect</a:t>
+            </a:r>
+            <a:r>
+              <a:rPr lang="en-ZA" sz="1200" kern="1200" dirty="0" smtClean="0">
+                <a:solidFill>
+                  <a:schemeClr val="tx1"/>
+                </a:solidFill>
+                <a:effectLst/>
+                <a:latin typeface="+mn-lt"/>
+                <a:ea typeface="+mn-ea"/>
+                <a:cs typeface="+mn-cs"/>
+              </a:rPr>
+              <a:t>, I am running </a:t>
+            </a:r>
+            <a:r>
+              <a:rPr lang="en-ZA" sz="1200" kern="1200" dirty="0" err="1" smtClean="0">
+                <a:solidFill>
+                  <a:schemeClr val="tx1"/>
+                </a:solidFill>
+                <a:effectLst/>
+                <a:latin typeface="+mn-lt"/>
+                <a:ea typeface="+mn-ea"/>
+                <a:cs typeface="+mn-cs"/>
+              </a:rPr>
+              <a:t>chatops</a:t>
+            </a:r>
+            <a:r>
+              <a:rPr lang="en-ZA" sz="1200" kern="1200" dirty="0" smtClean="0">
+                <a:solidFill>
+                  <a:schemeClr val="tx1"/>
+                </a:solidFill>
+                <a:effectLst/>
+                <a:latin typeface="+mn-lt"/>
+                <a:ea typeface="+mn-ea"/>
+                <a:cs typeface="+mn-cs"/>
+              </a:rPr>
+              <a:t> within my team, </a:t>
+            </a:r>
+          </a:p>
+          <a:p>
+            <a:r>
+              <a:rPr lang="en-ZA" sz="1200" kern="1200" dirty="0" smtClean="0">
+                <a:solidFill>
+                  <a:schemeClr val="tx1"/>
+                </a:solidFill>
+                <a:effectLst/>
+                <a:latin typeface="+mn-lt"/>
+                <a:ea typeface="+mn-ea"/>
+                <a:cs typeface="+mn-cs"/>
+              </a:rPr>
+              <a:t>the product owner and the developers or making use of the </a:t>
+            </a:r>
+            <a:r>
+              <a:rPr lang="en-ZA" sz="1200" kern="1200" dirty="0" err="1" smtClean="0">
+                <a:solidFill>
+                  <a:schemeClr val="tx1"/>
+                </a:solidFill>
+                <a:effectLst/>
+                <a:latin typeface="+mn-lt"/>
+                <a:ea typeface="+mn-ea"/>
+                <a:cs typeface="+mn-cs"/>
+              </a:rPr>
+              <a:t>chatops</a:t>
+            </a:r>
+            <a:r>
+              <a:rPr lang="en-ZA" sz="1200" kern="1200" dirty="0" smtClean="0">
+                <a:solidFill>
+                  <a:schemeClr val="tx1"/>
+                </a:solidFill>
+                <a:effectLst/>
+                <a:latin typeface="+mn-lt"/>
+                <a:ea typeface="+mn-ea"/>
+                <a:cs typeface="+mn-cs"/>
+              </a:rPr>
+              <a:t> room </a:t>
+            </a:r>
             <a:endParaRPr lang="en-ZA" dirty="0"/>
           </a:p>
         </p:txBody>
@@ -4008,8 +4099,26 @@
           <a:p>
             <a:r>
               <a:rPr lang="en-ZA" dirty="0" smtClean="0"/>
-              <a:t>Chat ops gives us One centralized place to do tasks</a:t>
-            </a:r>
+              <a:t>Chat ops gives us One centralized place to do </a:t>
+            </a:r>
+            <a:r>
+              <a:rPr lang="en-ZA" dirty="0" smtClean="0"/>
+              <a:t>tasks</a:t>
+            </a:r>
+          </a:p>
+          <a:p>
+            <a:endParaRPr lang="en-ZA" dirty="0" smtClean="0"/>
+          </a:p>
+          <a:p>
+            <a:r>
+              <a:rPr lang="en-ZA" dirty="0" smtClean="0"/>
+              <a:t>Namely</a:t>
+            </a:r>
+            <a:r>
+              <a:rPr lang="en-ZA" baseline="0" dirty="0" smtClean="0"/>
+              <a:t> the chat room</a:t>
+            </a:r>
+            <a:endParaRPr lang="en-ZA" dirty="0" smtClean="0"/>
           </a:p>
           <a:p>
             <a:endParaRPr lang="en-ZA" dirty="0" smtClean="0"/>
@@ -13997,6 +14106,9 @@
                     <p:cTn id="3" fill="hold">
                       <p:stCondLst>
                         <p:cond delay="indefinite"/>
+                        <p:cond evt="onBegin" delay="0">
+                          <p:tn val="2"/>
+                        </p:cond>
                       </p:stCondLst>
                       <p:childTnLst>
                         <p:par>
@@ -14006,7 +14118,7 @@
                             </p:stCondLst>
                             <p:childTnLst>
                               <p:par>
-                                <p:cTn id="5" presetID="10" presetClass="entr" presetSubtype="0" fill="hold" grpId="0" nodeType="clickEffect">
+                                <p:cTn id="5" presetID="10" presetClass="entr" presetSubtype="0" fill="hold" grpId="0" nodeType="withEffect">
                                   <p:stCondLst>
                                     <p:cond delay="0"/>
                                   </p:stCondLst>
